--- a/Dev Mockups/StudyBuddyWebMockUp.pptx
+++ b/Dev Mockups/StudyBuddyWebMockUp.pptx
@@ -13,16 +13,17 @@
     <p:sldId id="273" r:id="rId7"/>
     <p:sldId id="274" r:id="rId8"/>
     <p:sldId id="272" r:id="rId9"/>
-    <p:sldId id="262" r:id="rId10"/>
-    <p:sldId id="264" r:id="rId11"/>
-    <p:sldId id="263" r:id="rId12"/>
-    <p:sldId id="265" r:id="rId13"/>
-    <p:sldId id="266" r:id="rId14"/>
-    <p:sldId id="267" r:id="rId15"/>
-    <p:sldId id="268" r:id="rId16"/>
-    <p:sldId id="269" r:id="rId17"/>
-    <p:sldId id="270" r:id="rId18"/>
-    <p:sldId id="271" r:id="rId19"/>
+    <p:sldId id="275" r:id="rId10"/>
+    <p:sldId id="262" r:id="rId11"/>
+    <p:sldId id="264" r:id="rId12"/>
+    <p:sldId id="263" r:id="rId13"/>
+    <p:sldId id="265" r:id="rId14"/>
+    <p:sldId id="266" r:id="rId15"/>
+    <p:sldId id="267" r:id="rId16"/>
+    <p:sldId id="268" r:id="rId17"/>
+    <p:sldId id="269" r:id="rId18"/>
+    <p:sldId id="270" r:id="rId19"/>
+    <p:sldId id="271" r:id="rId20"/>
   </p:sldIdLst>
   <p:sldSz cx="9144000" cy="6858000" type="screen4x3"/>
   <p:notesSz cx="6858000" cy="9144000"/>
@@ -6089,6 +6090,888 @@
           </a:prstGeom>
         </p:spPr>
       </p:pic>
+    </p:spTree>
+    <p:extLst>
+      <p:ext uri="{BB962C8B-B14F-4D97-AF65-F5344CB8AC3E}">
+        <p14:creationId xmlns:p14="http://schemas.microsoft.com/office/powerpoint/2010/main" val="491216106"/>
+      </p:ext>
+    </p:extLst>
+  </p:cSld>
+  <p:clrMapOvr>
+    <a:masterClrMapping/>
+  </p:clrMapOvr>
+  <p:timing>
+    <p:tnLst>
+      <p:par>
+        <p:cTn xmlns:p14="http://schemas.microsoft.com/office/powerpoint/2010/main" id="1" dur="indefinite" restart="never" nodeType="tmRoot"/>
+      </p:par>
+    </p:tnLst>
+  </p:timing>
+</p:sld>
+</file>
+
+<file path=ppt/slides/slide11.xml><?xml version="1.0" encoding="utf-8"?>
+<p:sld xmlns:a="http://schemas.openxmlformats.org/drawingml/2006/main" xmlns:r="http://schemas.openxmlformats.org/officeDocument/2006/relationships" xmlns:p="http://schemas.openxmlformats.org/presentationml/2006/main">
+  <p:cSld>
+    <p:spTree>
+      <p:nvGrpSpPr>
+        <p:cNvPr id="1" name=""/>
+        <p:cNvGrpSpPr/>
+        <p:nvPr/>
+      </p:nvGrpSpPr>
+      <p:grpSpPr>
+        <a:xfrm>
+          <a:off x="0" y="0"/>
+          <a:ext cx="0" cy="0"/>
+          <a:chOff x="0" y="0"/>
+          <a:chExt cx="0" cy="0"/>
+        </a:xfrm>
+      </p:grpSpPr>
+      <p:sp>
+        <p:nvSpPr>
+          <p:cNvPr id="4" name="Rectangle 3"/>
+          <p:cNvSpPr/>
+          <p:nvPr/>
+        </p:nvSpPr>
+        <p:spPr>
+          <a:xfrm>
+            <a:off x="0" y="0"/>
+            <a:ext cx="9144000" cy="592667"/>
+          </a:xfrm>
+          <a:prstGeom prst="rect">
+            <a:avLst/>
+          </a:prstGeom>
+          <a:solidFill>
+            <a:schemeClr val="accent3">
+              <a:lumMod val="75000"/>
+            </a:schemeClr>
+          </a:solidFill>
+          <a:ln>
+            <a:noFill/>
+          </a:ln>
+          <a:effectLst/>
+        </p:spPr>
+        <p:style>
+          <a:lnRef idx="1">
+            <a:schemeClr val="accent1"/>
+          </a:lnRef>
+          <a:fillRef idx="3">
+            <a:schemeClr val="accent1"/>
+          </a:fillRef>
+          <a:effectRef idx="2">
+            <a:schemeClr val="accent1"/>
+          </a:effectRef>
+          <a:fontRef idx="minor">
+            <a:schemeClr val="lt1"/>
+          </a:fontRef>
+        </p:style>
+        <p:txBody>
+          <a:bodyPr rtlCol="0" anchor="ctr"/>
+          <a:lstStyle/>
+          <a:p>
+            <a:pPr algn="ctr"/>
+            <a:endParaRPr lang="en-US"/>
+          </a:p>
+        </p:txBody>
+      </p:sp>
+      <p:sp>
+        <p:nvSpPr>
+          <p:cNvPr id="7" name="TextBox 6"/>
+          <p:cNvSpPr txBox="1"/>
+          <p:nvPr/>
+        </p:nvSpPr>
+        <p:spPr>
+          <a:xfrm>
+            <a:off x="2188626" y="101596"/>
+            <a:ext cx="2853267" cy="369332"/>
+          </a:xfrm>
+          <a:prstGeom prst="rect">
+            <a:avLst/>
+          </a:prstGeom>
+          <a:noFill/>
+        </p:spPr>
+        <p:txBody>
+          <a:bodyPr wrap="square" rtlCol="0">
+            <a:spAutoFit/>
+          </a:bodyPr>
+          <a:lstStyle/>
+          <a:p>
+            <a:r>
+              <a:rPr lang="en-US" dirty="0" smtClean="0">
+                <a:solidFill>
+                  <a:schemeClr val="bg1">
+                    <a:lumMod val="95000"/>
+                  </a:schemeClr>
+                </a:solidFill>
+                <a:latin typeface="Avenir Next Regular"/>
+                <a:cs typeface="Avenir Next Regular"/>
+              </a:rPr>
+              <a:t>Search</a:t>
+            </a:r>
+            <a:endParaRPr lang="en-US" dirty="0">
+              <a:solidFill>
+                <a:schemeClr val="bg1">
+                  <a:lumMod val="95000"/>
+                </a:schemeClr>
+              </a:solidFill>
+              <a:latin typeface="Avenir Next Regular"/>
+              <a:cs typeface="Avenir Next Regular"/>
+            </a:endParaRPr>
+          </a:p>
+        </p:txBody>
+      </p:sp>
+      <p:sp>
+        <p:nvSpPr>
+          <p:cNvPr id="8" name="Pentagon 7"/>
+          <p:cNvSpPr/>
+          <p:nvPr/>
+        </p:nvSpPr>
+        <p:spPr>
+          <a:xfrm>
+            <a:off x="5922433" y="160866"/>
+            <a:ext cx="372533" cy="225391"/>
+          </a:xfrm>
+          <a:prstGeom prst="homePlate">
+            <a:avLst/>
+          </a:prstGeom>
+          <a:solidFill>
+            <a:schemeClr val="bg1">
+              <a:lumMod val="95000"/>
+            </a:schemeClr>
+          </a:solidFill>
+          <a:ln>
+            <a:noFill/>
+          </a:ln>
+          <a:effectLst/>
+        </p:spPr>
+        <p:style>
+          <a:lnRef idx="1">
+            <a:schemeClr val="accent1"/>
+          </a:lnRef>
+          <a:fillRef idx="3">
+            <a:schemeClr val="accent1"/>
+          </a:fillRef>
+          <a:effectRef idx="2">
+            <a:schemeClr val="accent1"/>
+          </a:effectRef>
+          <a:fontRef idx="minor">
+            <a:schemeClr val="lt1"/>
+          </a:fontRef>
+        </p:style>
+        <p:txBody>
+          <a:bodyPr rtlCol="0" anchor="ctr"/>
+          <a:lstStyle/>
+          <a:p>
+            <a:pPr algn="ctr"/>
+            <a:endParaRPr lang="en-US"/>
+          </a:p>
+        </p:txBody>
+      </p:sp>
+      <p:pic>
+        <p:nvPicPr>
+          <p:cNvPr id="19" name="Picture 18" descr="logoColorcrp.png"/>
+          <p:cNvPicPr>
+            <a:picLocks noChangeAspect="1"/>
+          </p:cNvPicPr>
+          <p:nvPr/>
+        </p:nvPicPr>
+        <p:blipFill>
+          <a:blip r:embed="rId2" cstate="screen">
+            <a:extLst>
+              <a:ext uri="{28A0092B-C50C-407E-A947-70E740481C1C}">
+                <a14:useLocalDpi xmlns:a14="http://schemas.microsoft.com/office/drawing/2010/main"/>
+              </a:ext>
+            </a:extLst>
+          </a:blip>
+          <a:stretch>
+            <a:fillRect/>
+          </a:stretch>
+        </p:blipFill>
+        <p:spPr>
+          <a:xfrm>
+            <a:off x="152400" y="160866"/>
+            <a:ext cx="1447800" cy="258536"/>
+          </a:xfrm>
+          <a:prstGeom prst="rect">
+            <a:avLst/>
+          </a:prstGeom>
+        </p:spPr>
+      </p:pic>
+      <p:sp>
+        <p:nvSpPr>
+          <p:cNvPr id="51" name="Rectangle 50"/>
+          <p:cNvSpPr/>
+          <p:nvPr/>
+        </p:nvSpPr>
+        <p:spPr>
+          <a:xfrm>
+            <a:off x="529167" y="762001"/>
+            <a:ext cx="5393266" cy="914400"/>
+          </a:xfrm>
+          <a:prstGeom prst="rect">
+            <a:avLst/>
+          </a:prstGeom>
+          <a:solidFill>
+            <a:schemeClr val="bg1">
+              <a:lumMod val="95000"/>
+            </a:schemeClr>
+          </a:solidFill>
+          <a:ln>
+            <a:solidFill>
+              <a:schemeClr val="bg1">
+                <a:lumMod val="85000"/>
+              </a:schemeClr>
+            </a:solidFill>
+          </a:ln>
+          <a:effectLst>
+            <a:glow rad="38100">
+              <a:schemeClr val="bg1">
+                <a:lumMod val="75000"/>
+                <a:alpha val="47000"/>
+              </a:schemeClr>
+            </a:glow>
+          </a:effectLst>
+        </p:spPr>
+        <p:style>
+          <a:lnRef idx="1">
+            <a:schemeClr val="accent1"/>
+          </a:lnRef>
+          <a:fillRef idx="3">
+            <a:schemeClr val="accent1"/>
+          </a:fillRef>
+          <a:effectRef idx="2">
+            <a:schemeClr val="accent1"/>
+          </a:effectRef>
+          <a:fontRef idx="minor">
+            <a:schemeClr val="lt1"/>
+          </a:fontRef>
+        </p:style>
+        <p:txBody>
+          <a:bodyPr rtlCol="0" anchor="ctr"/>
+          <a:lstStyle/>
+          <a:p>
+            <a:endParaRPr lang="en-US" sz="2400" dirty="0">
+              <a:solidFill>
+                <a:schemeClr val="bg1">
+                  <a:lumMod val="65000"/>
+                </a:schemeClr>
+              </a:solidFill>
+            </a:endParaRPr>
+          </a:p>
+        </p:txBody>
+      </p:sp>
+      <p:sp>
+        <p:nvSpPr>
+          <p:cNvPr id="52" name="Rectangle 51"/>
+          <p:cNvSpPr/>
+          <p:nvPr/>
+        </p:nvSpPr>
+        <p:spPr>
+          <a:xfrm>
+            <a:off x="529167" y="762000"/>
+            <a:ext cx="5393266" cy="279400"/>
+          </a:xfrm>
+          <a:prstGeom prst="rect">
+            <a:avLst/>
+          </a:prstGeom>
+          <a:solidFill>
+            <a:schemeClr val="tx1">
+              <a:lumMod val="75000"/>
+              <a:lumOff val="25000"/>
+            </a:schemeClr>
+          </a:solidFill>
+          <a:ln>
+            <a:noFill/>
+          </a:ln>
+          <a:effectLst/>
+        </p:spPr>
+        <p:style>
+          <a:lnRef idx="1">
+            <a:schemeClr val="accent1"/>
+          </a:lnRef>
+          <a:fillRef idx="3">
+            <a:schemeClr val="accent1"/>
+          </a:fillRef>
+          <a:effectRef idx="2">
+            <a:schemeClr val="accent1"/>
+          </a:effectRef>
+          <a:fontRef idx="minor">
+            <a:schemeClr val="lt1"/>
+          </a:fontRef>
+        </p:style>
+        <p:txBody>
+          <a:bodyPr rtlCol="0" anchor="ctr"/>
+          <a:lstStyle/>
+          <a:p>
+            <a:endParaRPr lang="en-US" sz="1400" dirty="0">
+              <a:latin typeface="Avenir Next Regular"/>
+              <a:cs typeface="Avenir Next Regular"/>
+            </a:endParaRPr>
+          </a:p>
+        </p:txBody>
+      </p:sp>
+      <p:sp>
+        <p:nvSpPr>
+          <p:cNvPr id="53" name="TextBox 52"/>
+          <p:cNvSpPr txBox="1"/>
+          <p:nvPr/>
+        </p:nvSpPr>
+        <p:spPr>
+          <a:xfrm>
+            <a:off x="664634" y="1167225"/>
+            <a:ext cx="3771260" cy="400110"/>
+          </a:xfrm>
+          <a:prstGeom prst="rect">
+            <a:avLst/>
+          </a:prstGeom>
+          <a:noFill/>
+        </p:spPr>
+        <p:txBody>
+          <a:bodyPr wrap="none" rtlCol="0">
+            <a:spAutoFit/>
+          </a:bodyPr>
+          <a:lstStyle/>
+          <a:p>
+            <a:r>
+              <a:rPr lang="en-US" sz="2000" dirty="0" smtClean="0">
+                <a:solidFill>
+                  <a:srgbClr val="A6A6A6"/>
+                </a:solidFill>
+              </a:rPr>
+              <a:t>Start Typing to get a StudyBuddy…</a:t>
+            </a:r>
+            <a:endParaRPr lang="en-US" sz="2000" dirty="0">
+              <a:solidFill>
+                <a:srgbClr val="A6A6A6"/>
+              </a:solidFill>
+            </a:endParaRPr>
+          </a:p>
+        </p:txBody>
+      </p:sp>
+      <p:cxnSp>
+        <p:nvCxnSpPr>
+          <p:cNvPr id="54" name="Straight Connector 53"/>
+          <p:cNvCxnSpPr/>
+          <p:nvPr/>
+        </p:nvCxnSpPr>
+        <p:spPr>
+          <a:xfrm>
+            <a:off x="529167" y="1896530"/>
+            <a:ext cx="5393266" cy="0"/>
+          </a:xfrm>
+          <a:prstGeom prst="line">
+            <a:avLst/>
+          </a:prstGeom>
+          <a:ln w="9525" cmpd="sng">
+            <a:solidFill>
+              <a:schemeClr val="tx1">
+                <a:lumMod val="50000"/>
+                <a:lumOff val="50000"/>
+              </a:schemeClr>
+            </a:solidFill>
+          </a:ln>
+          <a:effectLst/>
+        </p:spPr>
+        <p:style>
+          <a:lnRef idx="2">
+            <a:schemeClr val="accent1"/>
+          </a:lnRef>
+          <a:fillRef idx="0">
+            <a:schemeClr val="accent1"/>
+          </a:fillRef>
+          <a:effectRef idx="1">
+            <a:schemeClr val="accent1"/>
+          </a:effectRef>
+          <a:fontRef idx="minor">
+            <a:schemeClr val="tx1"/>
+          </a:fontRef>
+        </p:style>
+      </p:cxnSp>
+      <p:sp>
+        <p:nvSpPr>
+          <p:cNvPr id="56" name="Rectangle 55"/>
+          <p:cNvSpPr/>
+          <p:nvPr/>
+        </p:nvSpPr>
+        <p:spPr>
+          <a:xfrm>
+            <a:off x="529167" y="2099733"/>
+            <a:ext cx="5393266" cy="2311400"/>
+          </a:xfrm>
+          <a:prstGeom prst="rect">
+            <a:avLst/>
+          </a:prstGeom>
+          <a:solidFill>
+            <a:schemeClr val="bg1">
+              <a:lumMod val="95000"/>
+            </a:schemeClr>
+          </a:solidFill>
+          <a:ln>
+            <a:noFill/>
+          </a:ln>
+          <a:effectLst>
+            <a:outerShdw blurRad="50800" dist="38100" dir="5400000" algn="t" rotWithShape="0">
+              <a:prstClr val="black">
+                <a:alpha val="40000"/>
+              </a:prstClr>
+            </a:outerShdw>
+          </a:effectLst>
+        </p:spPr>
+        <p:style>
+          <a:lnRef idx="1">
+            <a:schemeClr val="accent1"/>
+          </a:lnRef>
+          <a:fillRef idx="3">
+            <a:schemeClr val="accent1"/>
+          </a:fillRef>
+          <a:effectRef idx="2">
+            <a:schemeClr val="accent1"/>
+          </a:effectRef>
+          <a:fontRef idx="minor">
+            <a:schemeClr val="lt1"/>
+          </a:fontRef>
+        </p:style>
+        <p:txBody>
+          <a:bodyPr rtlCol="0" anchor="ctr"/>
+          <a:lstStyle/>
+          <a:p>
+            <a:pPr algn="ctr"/>
+            <a:endParaRPr lang="en-US">
+              <a:solidFill>
+                <a:schemeClr val="bg1">
+                  <a:lumMod val="95000"/>
+                </a:schemeClr>
+              </a:solidFill>
+            </a:endParaRPr>
+          </a:p>
+        </p:txBody>
+      </p:sp>
+      <p:sp>
+        <p:nvSpPr>
+          <p:cNvPr id="57" name="TextBox 56"/>
+          <p:cNvSpPr txBox="1"/>
+          <p:nvPr/>
+        </p:nvSpPr>
+        <p:spPr>
+          <a:xfrm>
+            <a:off x="605367" y="2177530"/>
+            <a:ext cx="3561473" cy="369332"/>
+          </a:xfrm>
+          <a:prstGeom prst="rect">
+            <a:avLst/>
+          </a:prstGeom>
+          <a:noFill/>
+        </p:spPr>
+        <p:txBody>
+          <a:bodyPr wrap="none" rtlCol="0">
+            <a:spAutoFit/>
+          </a:bodyPr>
+          <a:lstStyle/>
+          <a:p>
+            <a:r>
+              <a:rPr lang="en-US" dirty="0" smtClean="0">
+                <a:latin typeface="Avenir Medium"/>
+                <a:cs typeface="Avenir Medium"/>
+              </a:rPr>
+              <a:t>Stuck on Dynamic Programming</a:t>
+            </a:r>
+            <a:endParaRPr lang="en-US" dirty="0">
+              <a:latin typeface="Avenir Medium"/>
+              <a:cs typeface="Avenir Medium"/>
+            </a:endParaRPr>
+          </a:p>
+        </p:txBody>
+      </p:sp>
+      <p:sp>
+        <p:nvSpPr>
+          <p:cNvPr id="58" name="TextBox 57"/>
+          <p:cNvSpPr txBox="1"/>
+          <p:nvPr/>
+        </p:nvSpPr>
+        <p:spPr>
+          <a:xfrm>
+            <a:off x="613832" y="2487449"/>
+            <a:ext cx="1682672" cy="307777"/>
+          </a:xfrm>
+          <a:prstGeom prst="rect">
+            <a:avLst/>
+          </a:prstGeom>
+          <a:noFill/>
+        </p:spPr>
+        <p:txBody>
+          <a:bodyPr wrap="none" rtlCol="0">
+            <a:spAutoFit/>
+          </a:bodyPr>
+          <a:lstStyle/>
+          <a:p>
+            <a:r>
+              <a:rPr lang="en-US" sz="1400" dirty="0" smtClean="0">
+                <a:solidFill>
+                  <a:schemeClr val="bg1">
+                    <a:lumMod val="50000"/>
+                  </a:schemeClr>
+                </a:solidFill>
+              </a:rPr>
+              <a:t>Studyman Buddyson</a:t>
+            </a:r>
+            <a:endParaRPr lang="en-US" sz="1400" dirty="0">
+              <a:solidFill>
+                <a:schemeClr val="bg1">
+                  <a:lumMod val="50000"/>
+                </a:schemeClr>
+              </a:solidFill>
+            </a:endParaRPr>
+          </a:p>
+        </p:txBody>
+      </p:sp>
+      <p:sp>
+        <p:nvSpPr>
+          <p:cNvPr id="59" name="TextBox 58"/>
+          <p:cNvSpPr txBox="1"/>
+          <p:nvPr/>
+        </p:nvSpPr>
+        <p:spPr>
+          <a:xfrm>
+            <a:off x="664634" y="2779033"/>
+            <a:ext cx="5054599" cy="769441"/>
+          </a:xfrm>
+          <a:prstGeom prst="rect">
+            <a:avLst/>
+          </a:prstGeom>
+          <a:noFill/>
+        </p:spPr>
+        <p:txBody>
+          <a:bodyPr wrap="square" rtlCol="0">
+            <a:spAutoFit/>
+          </a:bodyPr>
+          <a:lstStyle/>
+          <a:p>
+            <a:r>
+              <a:rPr lang="en-US" sz="1100" dirty="0" smtClean="0">
+                <a:latin typeface="Avenir Light"/>
+                <a:cs typeface="Avenir Light"/>
+              </a:rPr>
+              <a:t>This is some content where Studyman Buddyson is explaining how stuck he is on this crazy dynamic programming problem. He skipped lecture too, so he’s completely screwed. Silly Studyman Buddyson. Good thing we’re making StudyBuddy, so he doesn’t have to face that monster homework alone.</a:t>
+            </a:r>
+            <a:endParaRPr lang="en-US" sz="1100" dirty="0">
+              <a:latin typeface="Avenir Light"/>
+              <a:cs typeface="Avenir Light"/>
+            </a:endParaRPr>
+          </a:p>
+        </p:txBody>
+      </p:sp>
+      <p:pic>
+        <p:nvPicPr>
+          <p:cNvPr id="60" name="Picture 59"/>
+          <p:cNvPicPr>
+            <a:picLocks noChangeAspect="1"/>
+          </p:cNvPicPr>
+          <p:nvPr/>
+        </p:nvPicPr>
+        <p:blipFill>
+          <a:blip r:embed="rId3" cstate="screen">
+            <a:extLst>
+              <a:ext uri="{28A0092B-C50C-407E-A947-70E740481C1C}">
+                <a14:useLocalDpi xmlns:a14="http://schemas.microsoft.com/office/drawing/2010/main"/>
+              </a:ext>
+            </a:extLst>
+          </a:blip>
+          <a:stretch>
+            <a:fillRect/>
+          </a:stretch>
+        </p:blipFill>
+        <p:spPr>
+          <a:xfrm>
+            <a:off x="698503" y="3623731"/>
+            <a:ext cx="143934" cy="143934"/>
+          </a:xfrm>
+          <a:prstGeom prst="rect">
+            <a:avLst/>
+          </a:prstGeom>
+        </p:spPr>
+      </p:pic>
+      <p:sp>
+        <p:nvSpPr>
+          <p:cNvPr id="61" name="TextBox 60"/>
+          <p:cNvSpPr txBox="1"/>
+          <p:nvPr/>
+        </p:nvSpPr>
+        <p:spPr>
+          <a:xfrm>
+            <a:off x="842430" y="3565152"/>
+            <a:ext cx="786436" cy="261610"/>
+          </a:xfrm>
+          <a:prstGeom prst="rect">
+            <a:avLst/>
+          </a:prstGeom>
+          <a:noFill/>
+        </p:spPr>
+        <p:txBody>
+          <a:bodyPr wrap="none" rtlCol="0">
+            <a:spAutoFit/>
+          </a:bodyPr>
+          <a:lstStyle/>
+          <a:p>
+            <a:r>
+              <a:rPr lang="en-US" sz="1100" dirty="0" smtClean="0">
+                <a:solidFill>
+                  <a:srgbClr val="7F7F7F"/>
+                </a:solidFill>
+                <a:latin typeface="Avenir Light"/>
+                <a:cs typeface="Avenir Light"/>
+              </a:rPr>
+              <a:t>EECS 281</a:t>
+            </a:r>
+            <a:endParaRPr lang="en-US" sz="1100" dirty="0">
+              <a:solidFill>
+                <a:srgbClr val="7F7F7F"/>
+              </a:solidFill>
+              <a:latin typeface="Avenir Light"/>
+              <a:cs typeface="Avenir Light"/>
+            </a:endParaRPr>
+          </a:p>
+        </p:txBody>
+      </p:sp>
+      <p:pic>
+        <p:nvPicPr>
+          <p:cNvPr id="62" name="Picture 61"/>
+          <p:cNvPicPr>
+            <a:picLocks noChangeAspect="1"/>
+          </p:cNvPicPr>
+          <p:nvPr/>
+        </p:nvPicPr>
+        <p:blipFill>
+          <a:blip r:embed="rId4" cstate="screen">
+            <a:extLst>
+              <a:ext uri="{28A0092B-C50C-407E-A947-70E740481C1C}">
+                <a14:useLocalDpi xmlns:a14="http://schemas.microsoft.com/office/drawing/2010/main"/>
+              </a:ext>
+            </a:extLst>
+          </a:blip>
+          <a:stretch>
+            <a:fillRect/>
+          </a:stretch>
+        </p:blipFill>
+        <p:spPr>
+          <a:xfrm>
+            <a:off x="4842932" y="3615267"/>
+            <a:ext cx="194733" cy="194733"/>
+          </a:xfrm>
+          <a:prstGeom prst="rect">
+            <a:avLst/>
+          </a:prstGeom>
+        </p:spPr>
+      </p:pic>
+      <p:sp>
+        <p:nvSpPr>
+          <p:cNvPr id="63" name="TextBox 62"/>
+          <p:cNvSpPr txBox="1"/>
+          <p:nvPr/>
+        </p:nvSpPr>
+        <p:spPr>
+          <a:xfrm>
+            <a:off x="5000533" y="3565152"/>
+            <a:ext cx="451273" cy="261610"/>
+          </a:xfrm>
+          <a:prstGeom prst="rect">
+            <a:avLst/>
+          </a:prstGeom>
+          <a:noFill/>
+        </p:spPr>
+        <p:txBody>
+          <a:bodyPr wrap="none" rtlCol="0">
+            <a:spAutoFit/>
+          </a:bodyPr>
+          <a:lstStyle/>
+          <a:p>
+            <a:r>
+              <a:rPr lang="en-US" sz="1100" dirty="0" smtClean="0">
+                <a:solidFill>
+                  <a:srgbClr val="7F7F7F"/>
+                </a:solidFill>
+                <a:latin typeface="Avenir Light"/>
+                <a:cs typeface="Avenir Light"/>
+              </a:rPr>
+              <a:t>BBB</a:t>
+            </a:r>
+            <a:endParaRPr lang="en-US" sz="1100" dirty="0">
+              <a:solidFill>
+                <a:srgbClr val="7F7F7F"/>
+              </a:solidFill>
+              <a:latin typeface="Avenir Light"/>
+              <a:cs typeface="Avenir Light"/>
+            </a:endParaRPr>
+          </a:p>
+        </p:txBody>
+      </p:sp>
+      <p:sp>
+        <p:nvSpPr>
+          <p:cNvPr id="64" name="TextBox 63"/>
+          <p:cNvSpPr txBox="1"/>
+          <p:nvPr/>
+        </p:nvSpPr>
+        <p:spPr>
+          <a:xfrm>
+            <a:off x="698503" y="3894749"/>
+            <a:ext cx="3191407" cy="261610"/>
+          </a:xfrm>
+          <a:prstGeom prst="rect">
+            <a:avLst/>
+          </a:prstGeom>
+          <a:noFill/>
+        </p:spPr>
+        <p:txBody>
+          <a:bodyPr wrap="none" rtlCol="0">
+            <a:spAutoFit/>
+          </a:bodyPr>
+          <a:lstStyle/>
+          <a:p>
+            <a:r>
+              <a:rPr lang="en-US" sz="1100" dirty="0" smtClean="0">
+                <a:solidFill>
+                  <a:srgbClr val="7F7F7F"/>
+                </a:solidFill>
+                <a:latin typeface="Avenir Light"/>
+                <a:cs typeface="Avenir Light"/>
+              </a:rPr>
+              <a:t>4 people are following | Posted 15 minutes ago |</a:t>
+            </a:r>
+            <a:endParaRPr lang="en-US" sz="1100" dirty="0">
+              <a:solidFill>
+                <a:srgbClr val="7F7F7F"/>
+              </a:solidFill>
+              <a:latin typeface="Avenir Light"/>
+              <a:cs typeface="Avenir Light"/>
+            </a:endParaRPr>
+          </a:p>
+        </p:txBody>
+      </p:sp>
+      <p:sp>
+        <p:nvSpPr>
+          <p:cNvPr id="65" name="Rounded Rectangle 64"/>
+          <p:cNvSpPr/>
+          <p:nvPr/>
+        </p:nvSpPr>
+        <p:spPr>
+          <a:xfrm>
+            <a:off x="3864509" y="3929991"/>
+            <a:ext cx="694267" cy="237754"/>
+          </a:xfrm>
+          <a:prstGeom prst="roundRect">
+            <a:avLst/>
+          </a:prstGeom>
+          <a:solidFill>
+            <a:schemeClr val="accent3">
+              <a:lumMod val="75000"/>
+            </a:schemeClr>
+          </a:solidFill>
+          <a:ln>
+            <a:noFill/>
+          </a:ln>
+          <a:effectLst/>
+        </p:spPr>
+        <p:style>
+          <a:lnRef idx="1">
+            <a:schemeClr val="accent1"/>
+          </a:lnRef>
+          <a:fillRef idx="3">
+            <a:schemeClr val="accent1"/>
+          </a:fillRef>
+          <a:effectRef idx="2">
+            <a:schemeClr val="accent1"/>
+          </a:effectRef>
+          <a:fontRef idx="minor">
+            <a:schemeClr val="lt1"/>
+          </a:fontRef>
+        </p:style>
+        <p:txBody>
+          <a:bodyPr rtlCol="0" anchor="ctr"/>
+          <a:lstStyle/>
+          <a:p>
+            <a:pPr algn="ctr"/>
+            <a:r>
+              <a:rPr lang="en-US" sz="1200" dirty="0" smtClean="0"/>
+              <a:t>+ Join!</a:t>
+            </a:r>
+            <a:endParaRPr lang="en-US" sz="1200" dirty="0"/>
+          </a:p>
+        </p:txBody>
+      </p:sp>
+      <p:sp>
+        <p:nvSpPr>
+          <p:cNvPr id="2" name="Rectangle 1"/>
+          <p:cNvSpPr/>
+          <p:nvPr/>
+        </p:nvSpPr>
+        <p:spPr>
+          <a:xfrm>
+            <a:off x="6388100" y="-286409"/>
+            <a:ext cx="2806700" cy="7454900"/>
+          </a:xfrm>
+          <a:prstGeom prst="rect">
+            <a:avLst/>
+          </a:prstGeom>
+          <a:solidFill>
+            <a:schemeClr val="tx1"/>
+          </a:solidFill>
+          <a:ln>
+            <a:noFill/>
+          </a:ln>
+          <a:effectLst/>
+        </p:spPr>
+        <p:style>
+          <a:lnRef idx="1">
+            <a:schemeClr val="accent1"/>
+          </a:lnRef>
+          <a:fillRef idx="3">
+            <a:schemeClr val="accent1"/>
+          </a:fillRef>
+          <a:effectRef idx="2">
+            <a:schemeClr val="accent1"/>
+          </a:effectRef>
+          <a:fontRef idx="minor">
+            <a:schemeClr val="lt1"/>
+          </a:fontRef>
+        </p:style>
+        <p:txBody>
+          <a:bodyPr rtlCol="0" anchor="ctr"/>
+          <a:lstStyle/>
+          <a:p>
+            <a:pPr algn="ctr"/>
+            <a:endParaRPr lang="en-US"/>
+          </a:p>
+        </p:txBody>
+      </p:sp>
+      <p:pic>
+        <p:nvPicPr>
+          <p:cNvPr id="55" name="Picture 54"/>
+          <p:cNvPicPr>
+            <a:picLocks noChangeAspect="1"/>
+          </p:cNvPicPr>
+          <p:nvPr/>
+        </p:nvPicPr>
+        <p:blipFill>
+          <a:blip r:embed="rId5" cstate="screen">
+            <a:extLst>
+              <a:ext uri="{28A0092B-C50C-407E-A947-70E740481C1C}">
+                <a14:useLocalDpi xmlns:a14="http://schemas.microsoft.com/office/drawing/2010/main"/>
+              </a:ext>
+            </a:extLst>
+          </a:blip>
+          <a:stretch>
+            <a:fillRect/>
+          </a:stretch>
+        </p:blipFill>
+        <p:spPr>
+          <a:xfrm>
+            <a:off x="1727176" y="98378"/>
+            <a:ext cx="397950" cy="397950"/>
+          </a:xfrm>
+          <a:prstGeom prst="rect">
+            <a:avLst/>
+          </a:prstGeom>
+        </p:spPr>
+      </p:pic>
       <p:sp>
         <p:nvSpPr>
           <p:cNvPr id="22" name="Line Callout 1 21"/>
@@ -6237,7 +7120,7 @@
 </p:sld>
 </file>
 
-<file path=ppt/slides/slide11.xml><?xml version="1.0" encoding="utf-8"?>
+<file path=ppt/slides/slide12.xml><?xml version="1.0" encoding="utf-8"?>
 <p:sld xmlns:a="http://schemas.openxmlformats.org/drawingml/2006/main" xmlns:r="http://schemas.openxmlformats.org/officeDocument/2006/relationships" xmlns:p="http://schemas.openxmlformats.org/presentationml/2006/main">
   <p:cSld>
     <p:spTree>
@@ -8459,7 +9342,7 @@
 </p:sld>
 </file>
 
-<file path=ppt/slides/slide12.xml><?xml version="1.0" encoding="utf-8"?>
+<file path=ppt/slides/slide13.xml><?xml version="1.0" encoding="utf-8"?>
 <p:sld xmlns:a="http://schemas.openxmlformats.org/drawingml/2006/main" xmlns:r="http://schemas.openxmlformats.org/officeDocument/2006/relationships" xmlns:p="http://schemas.openxmlformats.org/presentationml/2006/main">
   <p:cSld>
     <p:spTree>
@@ -9319,1010 +10202,6 @@
     <p:extLst>
       <p:ext uri="{BB962C8B-B14F-4D97-AF65-F5344CB8AC3E}">
         <p14:creationId xmlns:p14="http://schemas.microsoft.com/office/powerpoint/2010/main" val="870205189"/>
-      </p:ext>
-    </p:extLst>
-  </p:cSld>
-  <p:clrMapOvr>
-    <a:masterClrMapping/>
-  </p:clrMapOvr>
-  <p:timing>
-    <p:tnLst>
-      <p:par>
-        <p:cTn xmlns:p14="http://schemas.microsoft.com/office/powerpoint/2010/main" id="1" dur="indefinite" restart="never" nodeType="tmRoot"/>
-      </p:par>
-    </p:tnLst>
-  </p:timing>
-</p:sld>
-</file>
-
-<file path=ppt/slides/slide13.xml><?xml version="1.0" encoding="utf-8"?>
-<p:sld xmlns:a="http://schemas.openxmlformats.org/drawingml/2006/main" xmlns:r="http://schemas.openxmlformats.org/officeDocument/2006/relationships" xmlns:p="http://schemas.openxmlformats.org/presentationml/2006/main">
-  <p:cSld>
-    <p:spTree>
-      <p:nvGrpSpPr>
-        <p:cNvPr id="1" name=""/>
-        <p:cNvGrpSpPr/>
-        <p:nvPr/>
-      </p:nvGrpSpPr>
-      <p:grpSpPr>
-        <a:xfrm>
-          <a:off x="0" y="0"/>
-          <a:ext cx="0" cy="0"/>
-          <a:chOff x="0" y="0"/>
-          <a:chExt cx="0" cy="0"/>
-        </a:xfrm>
-      </p:grpSpPr>
-      <p:sp>
-        <p:nvSpPr>
-          <p:cNvPr id="4" name="Rectangle 3"/>
-          <p:cNvSpPr/>
-          <p:nvPr/>
-        </p:nvSpPr>
-        <p:spPr>
-          <a:xfrm>
-            <a:off x="0" y="0"/>
-            <a:ext cx="9144000" cy="592667"/>
-          </a:xfrm>
-          <a:prstGeom prst="rect">
-            <a:avLst/>
-          </a:prstGeom>
-          <a:solidFill>
-            <a:schemeClr val="accent3">
-              <a:lumMod val="75000"/>
-            </a:schemeClr>
-          </a:solidFill>
-          <a:ln>
-            <a:noFill/>
-          </a:ln>
-          <a:effectLst/>
-        </p:spPr>
-        <p:style>
-          <a:lnRef idx="1">
-            <a:schemeClr val="accent1"/>
-          </a:lnRef>
-          <a:fillRef idx="3">
-            <a:schemeClr val="accent1"/>
-          </a:fillRef>
-          <a:effectRef idx="2">
-            <a:schemeClr val="accent1"/>
-          </a:effectRef>
-          <a:fontRef idx="minor">
-            <a:schemeClr val="lt1"/>
-          </a:fontRef>
-        </p:style>
-        <p:txBody>
-          <a:bodyPr rtlCol="0" anchor="ctr"/>
-          <a:lstStyle/>
-          <a:p>
-            <a:pPr algn="ctr"/>
-            <a:endParaRPr lang="en-US"/>
-          </a:p>
-        </p:txBody>
-      </p:sp>
-      <p:sp>
-        <p:nvSpPr>
-          <p:cNvPr id="7" name="TextBox 6"/>
-          <p:cNvSpPr txBox="1"/>
-          <p:nvPr/>
-        </p:nvSpPr>
-        <p:spPr>
-          <a:xfrm>
-            <a:off x="1121826" y="114292"/>
-            <a:ext cx="1519774" cy="369332"/>
-          </a:xfrm>
-          <a:prstGeom prst="rect">
-            <a:avLst/>
-          </a:prstGeom>
-          <a:noFill/>
-        </p:spPr>
-        <p:txBody>
-          <a:bodyPr wrap="square" rtlCol="0">
-            <a:spAutoFit/>
-          </a:bodyPr>
-          <a:lstStyle/>
-          <a:p>
-            <a:r>
-              <a:rPr lang="en-US" dirty="0" smtClean="0">
-                <a:solidFill>
-                  <a:schemeClr val="bg1">
-                    <a:lumMod val="95000"/>
-                  </a:schemeClr>
-                </a:solidFill>
-                <a:latin typeface="Avenir Next Regular"/>
-                <a:cs typeface="Avenir Next Regular"/>
-              </a:rPr>
-              <a:t>Search</a:t>
-            </a:r>
-            <a:endParaRPr lang="en-US" dirty="0">
-              <a:solidFill>
-                <a:schemeClr val="bg1">
-                  <a:lumMod val="95000"/>
-                </a:schemeClr>
-              </a:solidFill>
-              <a:latin typeface="Avenir Next Regular"/>
-              <a:cs typeface="Avenir Next Regular"/>
-            </a:endParaRPr>
-          </a:p>
-        </p:txBody>
-      </p:sp>
-      <p:sp>
-        <p:nvSpPr>
-          <p:cNvPr id="8" name="Pentagon 7"/>
-          <p:cNvSpPr/>
-          <p:nvPr/>
-        </p:nvSpPr>
-        <p:spPr>
-          <a:xfrm>
-            <a:off x="2370667" y="160866"/>
-            <a:ext cx="372533" cy="225391"/>
-          </a:xfrm>
-          <a:prstGeom prst="homePlate">
-            <a:avLst/>
-          </a:prstGeom>
-          <a:solidFill>
-            <a:schemeClr val="bg1">
-              <a:lumMod val="95000"/>
-            </a:schemeClr>
-          </a:solidFill>
-          <a:ln>
-            <a:noFill/>
-          </a:ln>
-          <a:effectLst/>
-        </p:spPr>
-        <p:style>
-          <a:lnRef idx="1">
-            <a:schemeClr val="accent1"/>
-          </a:lnRef>
-          <a:fillRef idx="3">
-            <a:schemeClr val="accent1"/>
-          </a:fillRef>
-          <a:effectRef idx="2">
-            <a:schemeClr val="accent1"/>
-          </a:effectRef>
-          <a:fontRef idx="minor">
-            <a:schemeClr val="lt1"/>
-          </a:fontRef>
-        </p:style>
-        <p:txBody>
-          <a:bodyPr rtlCol="0" anchor="ctr"/>
-          <a:lstStyle/>
-          <a:p>
-            <a:pPr algn="ctr"/>
-            <a:endParaRPr lang="en-US"/>
-          </a:p>
-        </p:txBody>
-      </p:sp>
-      <p:sp>
-        <p:nvSpPr>
-          <p:cNvPr id="51" name="Rectangle 50"/>
-          <p:cNvSpPr/>
-          <p:nvPr/>
-        </p:nvSpPr>
-        <p:spPr>
-          <a:xfrm>
-            <a:off x="211144" y="762002"/>
-            <a:ext cx="2532056" cy="990000"/>
-          </a:xfrm>
-          <a:prstGeom prst="rect">
-            <a:avLst/>
-          </a:prstGeom>
-          <a:solidFill>
-            <a:schemeClr val="bg1">
-              <a:lumMod val="95000"/>
-            </a:schemeClr>
-          </a:solidFill>
-          <a:ln>
-            <a:solidFill>
-              <a:schemeClr val="bg1">
-                <a:lumMod val="85000"/>
-              </a:schemeClr>
-            </a:solidFill>
-          </a:ln>
-          <a:effectLst>
-            <a:glow rad="38100">
-              <a:schemeClr val="bg1">
-                <a:lumMod val="75000"/>
-                <a:alpha val="47000"/>
-              </a:schemeClr>
-            </a:glow>
-          </a:effectLst>
-        </p:spPr>
-        <p:style>
-          <a:lnRef idx="1">
-            <a:schemeClr val="accent1"/>
-          </a:lnRef>
-          <a:fillRef idx="3">
-            <a:schemeClr val="accent1"/>
-          </a:fillRef>
-          <a:effectRef idx="2">
-            <a:schemeClr val="accent1"/>
-          </a:effectRef>
-          <a:fontRef idx="minor">
-            <a:schemeClr val="lt1"/>
-          </a:fontRef>
-        </p:style>
-        <p:txBody>
-          <a:bodyPr rtlCol="0" anchor="ctr"/>
-          <a:lstStyle/>
-          <a:p>
-            <a:endParaRPr lang="en-US" sz="2400" dirty="0">
-              <a:solidFill>
-                <a:schemeClr val="bg1">
-                  <a:lumMod val="65000"/>
-                </a:schemeClr>
-              </a:solidFill>
-            </a:endParaRPr>
-          </a:p>
-        </p:txBody>
-      </p:sp>
-      <p:sp>
-        <p:nvSpPr>
-          <p:cNvPr id="52" name="Rectangle 51"/>
-          <p:cNvSpPr/>
-          <p:nvPr/>
-        </p:nvSpPr>
-        <p:spPr>
-          <a:xfrm>
-            <a:off x="211144" y="762001"/>
-            <a:ext cx="2532056" cy="279400"/>
-          </a:xfrm>
-          <a:prstGeom prst="rect">
-            <a:avLst/>
-          </a:prstGeom>
-          <a:solidFill>
-            <a:schemeClr val="tx1">
-              <a:lumMod val="75000"/>
-              <a:lumOff val="25000"/>
-            </a:schemeClr>
-          </a:solidFill>
-          <a:ln>
-            <a:noFill/>
-          </a:ln>
-          <a:effectLst/>
-        </p:spPr>
-        <p:style>
-          <a:lnRef idx="1">
-            <a:schemeClr val="accent1"/>
-          </a:lnRef>
-          <a:fillRef idx="3">
-            <a:schemeClr val="accent1"/>
-          </a:fillRef>
-          <a:effectRef idx="2">
-            <a:schemeClr val="accent1"/>
-          </a:effectRef>
-          <a:fontRef idx="minor">
-            <a:schemeClr val="lt1"/>
-          </a:fontRef>
-        </p:style>
-        <p:txBody>
-          <a:bodyPr rtlCol="0" anchor="ctr"/>
-          <a:lstStyle/>
-          <a:p>
-            <a:endParaRPr lang="en-US" sz="1400" dirty="0">
-              <a:latin typeface="Avenir Next Regular"/>
-              <a:cs typeface="Avenir Next Regular"/>
-            </a:endParaRPr>
-          </a:p>
-        </p:txBody>
-      </p:sp>
-      <p:sp>
-        <p:nvSpPr>
-          <p:cNvPr id="53" name="TextBox 52"/>
-          <p:cNvSpPr txBox="1"/>
-          <p:nvPr/>
-        </p:nvSpPr>
-        <p:spPr>
-          <a:xfrm>
-            <a:off x="346611" y="1103726"/>
-            <a:ext cx="2294989" cy="584776"/>
-          </a:xfrm>
-          <a:prstGeom prst="rect">
-            <a:avLst/>
-          </a:prstGeom>
-          <a:noFill/>
-        </p:spPr>
-        <p:txBody>
-          <a:bodyPr wrap="square" rtlCol="0">
-            <a:spAutoFit/>
-          </a:bodyPr>
-          <a:lstStyle/>
-          <a:p>
-            <a:r>
-              <a:rPr lang="en-US" sz="1600" dirty="0" smtClean="0">
-                <a:solidFill>
-                  <a:srgbClr val="A6A6A6"/>
-                </a:solidFill>
-              </a:rPr>
-              <a:t>Start Typing to get a StudyBuddy…</a:t>
-            </a:r>
-            <a:endParaRPr lang="en-US" sz="1600" dirty="0">
-              <a:solidFill>
-                <a:srgbClr val="A6A6A6"/>
-              </a:solidFill>
-            </a:endParaRPr>
-          </a:p>
-        </p:txBody>
-      </p:sp>
-      <p:cxnSp>
-        <p:nvCxnSpPr>
-          <p:cNvPr id="54" name="Straight Connector 53"/>
-          <p:cNvCxnSpPr/>
-          <p:nvPr/>
-        </p:nvCxnSpPr>
-        <p:spPr>
-          <a:xfrm>
-            <a:off x="211144" y="1960031"/>
-            <a:ext cx="2532056" cy="0"/>
-          </a:xfrm>
-          <a:prstGeom prst="line">
-            <a:avLst/>
-          </a:prstGeom>
-          <a:ln w="9525" cmpd="sng">
-            <a:solidFill>
-              <a:schemeClr val="tx1">
-                <a:lumMod val="50000"/>
-                <a:lumOff val="50000"/>
-              </a:schemeClr>
-            </a:solidFill>
-          </a:ln>
-          <a:effectLst/>
-        </p:spPr>
-        <p:style>
-          <a:lnRef idx="2">
-            <a:schemeClr val="accent1"/>
-          </a:lnRef>
-          <a:fillRef idx="0">
-            <a:schemeClr val="accent1"/>
-          </a:fillRef>
-          <a:effectRef idx="1">
-            <a:schemeClr val="accent1"/>
-          </a:effectRef>
-          <a:fontRef idx="minor">
-            <a:schemeClr val="tx1"/>
-          </a:fontRef>
-        </p:style>
-      </p:cxnSp>
-      <p:sp>
-        <p:nvSpPr>
-          <p:cNvPr id="56" name="Rectangle 55"/>
-          <p:cNvSpPr/>
-          <p:nvPr/>
-        </p:nvSpPr>
-        <p:spPr>
-          <a:xfrm>
-            <a:off x="211144" y="2184400"/>
-            <a:ext cx="2532056" cy="3598334"/>
-          </a:xfrm>
-          <a:prstGeom prst="rect">
-            <a:avLst/>
-          </a:prstGeom>
-          <a:solidFill>
-            <a:schemeClr val="bg1">
-              <a:lumMod val="95000"/>
-            </a:schemeClr>
-          </a:solidFill>
-          <a:ln>
-            <a:noFill/>
-          </a:ln>
-          <a:effectLst>
-            <a:outerShdw blurRad="50800" dist="38100" dir="5400000" algn="t" rotWithShape="0">
-              <a:prstClr val="black">
-                <a:alpha val="40000"/>
-              </a:prstClr>
-            </a:outerShdw>
-          </a:effectLst>
-        </p:spPr>
-        <p:style>
-          <a:lnRef idx="1">
-            <a:schemeClr val="accent1"/>
-          </a:lnRef>
-          <a:fillRef idx="3">
-            <a:schemeClr val="accent1"/>
-          </a:fillRef>
-          <a:effectRef idx="2">
-            <a:schemeClr val="accent1"/>
-          </a:effectRef>
-          <a:fontRef idx="minor">
-            <a:schemeClr val="lt1"/>
-          </a:fontRef>
-        </p:style>
-        <p:txBody>
-          <a:bodyPr rtlCol="0" anchor="ctr"/>
-          <a:lstStyle/>
-          <a:p>
-            <a:pPr algn="ctr"/>
-            <a:endParaRPr lang="en-US">
-              <a:solidFill>
-                <a:schemeClr val="bg1">
-                  <a:lumMod val="95000"/>
-                </a:schemeClr>
-              </a:solidFill>
-            </a:endParaRPr>
-          </a:p>
-        </p:txBody>
-      </p:sp>
-      <p:sp>
-        <p:nvSpPr>
-          <p:cNvPr id="57" name="TextBox 56"/>
-          <p:cNvSpPr txBox="1"/>
-          <p:nvPr/>
-        </p:nvSpPr>
-        <p:spPr>
-          <a:xfrm>
-            <a:off x="211145" y="2184400"/>
-            <a:ext cx="2532056" cy="584776"/>
-          </a:xfrm>
-          <a:prstGeom prst="rect">
-            <a:avLst/>
-          </a:prstGeom>
-          <a:noFill/>
-        </p:spPr>
-        <p:txBody>
-          <a:bodyPr wrap="square" rtlCol="0">
-            <a:spAutoFit/>
-          </a:bodyPr>
-          <a:lstStyle/>
-          <a:p>
-            <a:r>
-              <a:rPr lang="en-US" sz="1600" dirty="0" smtClean="0">
-                <a:latin typeface="Avenir Medium"/>
-                <a:cs typeface="Avenir Medium"/>
-              </a:rPr>
-              <a:t>Stuck on Dynamic Programming</a:t>
-            </a:r>
-            <a:endParaRPr lang="en-US" sz="1600" dirty="0">
-              <a:latin typeface="Avenir Medium"/>
-              <a:cs typeface="Avenir Medium"/>
-            </a:endParaRPr>
-          </a:p>
-        </p:txBody>
-      </p:sp>
-      <p:sp>
-        <p:nvSpPr>
-          <p:cNvPr id="58" name="TextBox 57"/>
-          <p:cNvSpPr txBox="1"/>
-          <p:nvPr/>
-        </p:nvSpPr>
-        <p:spPr>
-          <a:xfrm>
-            <a:off x="211144" y="2692976"/>
-            <a:ext cx="1468671" cy="276999"/>
-          </a:xfrm>
-          <a:prstGeom prst="rect">
-            <a:avLst/>
-          </a:prstGeom>
-          <a:noFill/>
-        </p:spPr>
-        <p:txBody>
-          <a:bodyPr wrap="none" rtlCol="0">
-            <a:spAutoFit/>
-          </a:bodyPr>
-          <a:lstStyle/>
-          <a:p>
-            <a:r>
-              <a:rPr lang="en-US" sz="1200" dirty="0" smtClean="0">
-                <a:solidFill>
-                  <a:schemeClr val="bg1">
-                    <a:lumMod val="50000"/>
-                  </a:schemeClr>
-                </a:solidFill>
-              </a:rPr>
-              <a:t>Studyman Buddyson</a:t>
-            </a:r>
-            <a:endParaRPr lang="en-US" sz="1200" dirty="0">
-              <a:solidFill>
-                <a:schemeClr val="bg1">
-                  <a:lumMod val="50000"/>
-                </a:schemeClr>
-              </a:solidFill>
-            </a:endParaRPr>
-          </a:p>
-        </p:txBody>
-      </p:sp>
-      <p:sp>
-        <p:nvSpPr>
-          <p:cNvPr id="59" name="TextBox 58"/>
-          <p:cNvSpPr txBox="1"/>
-          <p:nvPr/>
-        </p:nvSpPr>
-        <p:spPr>
-          <a:xfrm>
-            <a:off x="346611" y="2969976"/>
-            <a:ext cx="2206089" cy="1708160"/>
-          </a:xfrm>
-          <a:prstGeom prst="rect">
-            <a:avLst/>
-          </a:prstGeom>
-          <a:noFill/>
-        </p:spPr>
-        <p:txBody>
-          <a:bodyPr wrap="square" rtlCol="0">
-            <a:spAutoFit/>
-          </a:bodyPr>
-          <a:lstStyle/>
-          <a:p>
-            <a:r>
-              <a:rPr lang="en-US" sz="1050" dirty="0" smtClean="0">
-                <a:latin typeface="Avenir Light"/>
-                <a:cs typeface="Avenir Light"/>
-              </a:rPr>
-              <a:t>This is some content where Studyman Buddyson is explaining how stuck he is on this crazy dynamic programming problem. He skipped lecture too, so he’s completely screwed. Silly Studyman Buddyson. Good thing we’re making StudyBuddy, so he doesn’t have to face that monster homework alone.</a:t>
-            </a:r>
-            <a:endParaRPr lang="en-US" sz="1050" dirty="0">
-              <a:latin typeface="Avenir Light"/>
-              <a:cs typeface="Avenir Light"/>
-            </a:endParaRPr>
-          </a:p>
-        </p:txBody>
-      </p:sp>
-      <p:pic>
-        <p:nvPicPr>
-          <p:cNvPr id="60" name="Picture 59"/>
-          <p:cNvPicPr>
-            <a:picLocks noChangeAspect="1"/>
-          </p:cNvPicPr>
-          <p:nvPr/>
-        </p:nvPicPr>
-        <p:blipFill>
-          <a:blip r:embed="rId2" cstate="screen">
-            <a:extLst>
-              <a:ext uri="{28A0092B-C50C-407E-A947-70E740481C1C}">
-                <a14:useLocalDpi xmlns:a14="http://schemas.microsoft.com/office/drawing/2010/main"/>
-              </a:ext>
-            </a:extLst>
-          </a:blip>
-          <a:stretch>
-            <a:fillRect/>
-          </a:stretch>
-        </p:blipFill>
-        <p:spPr>
-          <a:xfrm>
-            <a:off x="346611" y="4736715"/>
-            <a:ext cx="143934" cy="143934"/>
-          </a:xfrm>
-          <a:prstGeom prst="rect">
-            <a:avLst/>
-          </a:prstGeom>
-        </p:spPr>
-      </p:pic>
-      <p:sp>
-        <p:nvSpPr>
-          <p:cNvPr id="61" name="TextBox 60"/>
-          <p:cNvSpPr txBox="1"/>
-          <p:nvPr/>
-        </p:nvSpPr>
-        <p:spPr>
-          <a:xfrm>
-            <a:off x="490538" y="4678136"/>
-            <a:ext cx="786436" cy="261610"/>
-          </a:xfrm>
-          <a:prstGeom prst="rect">
-            <a:avLst/>
-          </a:prstGeom>
-          <a:noFill/>
-        </p:spPr>
-        <p:txBody>
-          <a:bodyPr wrap="none" rtlCol="0">
-            <a:spAutoFit/>
-          </a:bodyPr>
-          <a:lstStyle/>
-          <a:p>
-            <a:r>
-              <a:rPr lang="en-US" sz="1050" dirty="0" smtClean="0">
-                <a:solidFill>
-                  <a:srgbClr val="7F7F7F"/>
-                </a:solidFill>
-                <a:latin typeface="Avenir Light"/>
-                <a:cs typeface="Avenir Light"/>
-              </a:rPr>
-              <a:t>EECS 281</a:t>
-            </a:r>
-            <a:endParaRPr lang="en-US" sz="1050" dirty="0">
-              <a:solidFill>
-                <a:srgbClr val="7F7F7F"/>
-              </a:solidFill>
-              <a:latin typeface="Avenir Light"/>
-              <a:cs typeface="Avenir Light"/>
-            </a:endParaRPr>
-          </a:p>
-        </p:txBody>
-      </p:sp>
-      <p:pic>
-        <p:nvPicPr>
-          <p:cNvPr id="62" name="Picture 61"/>
-          <p:cNvPicPr>
-            <a:picLocks noChangeAspect="1"/>
-          </p:cNvPicPr>
-          <p:nvPr/>
-        </p:nvPicPr>
-        <p:blipFill>
-          <a:blip r:embed="rId3" cstate="screen">
-            <a:extLst>
-              <a:ext uri="{28A0092B-C50C-407E-A947-70E740481C1C}">
-                <a14:useLocalDpi xmlns:a14="http://schemas.microsoft.com/office/drawing/2010/main"/>
-              </a:ext>
-            </a:extLst>
-          </a:blip>
-          <a:stretch>
-            <a:fillRect/>
-          </a:stretch>
-        </p:blipFill>
-        <p:spPr>
-          <a:xfrm>
-            <a:off x="2032726" y="4728251"/>
-            <a:ext cx="194733" cy="194733"/>
-          </a:xfrm>
-          <a:prstGeom prst="rect">
-            <a:avLst/>
-          </a:prstGeom>
-        </p:spPr>
-      </p:pic>
-      <p:sp>
-        <p:nvSpPr>
-          <p:cNvPr id="63" name="TextBox 62"/>
-          <p:cNvSpPr txBox="1"/>
-          <p:nvPr/>
-        </p:nvSpPr>
-        <p:spPr>
-          <a:xfrm>
-            <a:off x="2190327" y="4678136"/>
-            <a:ext cx="451273" cy="261610"/>
-          </a:xfrm>
-          <a:prstGeom prst="rect">
-            <a:avLst/>
-          </a:prstGeom>
-          <a:noFill/>
-        </p:spPr>
-        <p:txBody>
-          <a:bodyPr wrap="none" rtlCol="0">
-            <a:spAutoFit/>
-          </a:bodyPr>
-          <a:lstStyle/>
-          <a:p>
-            <a:r>
-              <a:rPr lang="en-US" sz="1100" dirty="0" smtClean="0">
-                <a:solidFill>
-                  <a:srgbClr val="7F7F7F"/>
-                </a:solidFill>
-                <a:latin typeface="Avenir Light"/>
-                <a:cs typeface="Avenir Light"/>
-              </a:rPr>
-              <a:t>BBB</a:t>
-            </a:r>
-            <a:endParaRPr lang="en-US" sz="1100" dirty="0">
-              <a:solidFill>
-                <a:srgbClr val="7F7F7F"/>
-              </a:solidFill>
-              <a:latin typeface="Avenir Light"/>
-              <a:cs typeface="Avenir Light"/>
-            </a:endParaRPr>
-          </a:p>
-        </p:txBody>
-      </p:sp>
-      <p:sp>
-        <p:nvSpPr>
-          <p:cNvPr id="64" name="TextBox 63"/>
-          <p:cNvSpPr txBox="1"/>
-          <p:nvPr/>
-        </p:nvSpPr>
-        <p:spPr>
-          <a:xfrm>
-            <a:off x="380480" y="5050906"/>
-            <a:ext cx="2172220" cy="430887"/>
-          </a:xfrm>
-          <a:prstGeom prst="rect">
-            <a:avLst/>
-          </a:prstGeom>
-          <a:noFill/>
-        </p:spPr>
-        <p:txBody>
-          <a:bodyPr wrap="square" rtlCol="0">
-            <a:spAutoFit/>
-          </a:bodyPr>
-          <a:lstStyle/>
-          <a:p>
-            <a:r>
-              <a:rPr lang="en-US" sz="1050" dirty="0" smtClean="0">
-                <a:solidFill>
-                  <a:srgbClr val="7F7F7F"/>
-                </a:solidFill>
-                <a:latin typeface="Avenir Light"/>
-                <a:cs typeface="Avenir Light"/>
-              </a:rPr>
-              <a:t>4 people are following | Posted 15 minutes ago |</a:t>
-            </a:r>
-            <a:endParaRPr lang="en-US" sz="1050" dirty="0">
-              <a:solidFill>
-                <a:srgbClr val="7F7F7F"/>
-              </a:solidFill>
-              <a:latin typeface="Avenir Light"/>
-              <a:cs typeface="Avenir Light"/>
-            </a:endParaRPr>
-          </a:p>
-        </p:txBody>
-      </p:sp>
-      <p:sp>
-        <p:nvSpPr>
-          <p:cNvPr id="65" name="Rounded Rectangle 64"/>
-          <p:cNvSpPr/>
-          <p:nvPr/>
-        </p:nvSpPr>
-        <p:spPr>
-          <a:xfrm>
-            <a:off x="1947333" y="5420469"/>
-            <a:ext cx="694267" cy="237754"/>
-          </a:xfrm>
-          <a:prstGeom prst="roundRect">
-            <a:avLst/>
-          </a:prstGeom>
-          <a:solidFill>
-            <a:schemeClr val="accent3">
-              <a:lumMod val="75000"/>
-            </a:schemeClr>
-          </a:solidFill>
-          <a:ln>
-            <a:noFill/>
-          </a:ln>
-          <a:effectLst/>
-        </p:spPr>
-        <p:style>
-          <a:lnRef idx="1">
-            <a:schemeClr val="accent1"/>
-          </a:lnRef>
-          <a:fillRef idx="3">
-            <a:schemeClr val="accent1"/>
-          </a:fillRef>
-          <a:effectRef idx="2">
-            <a:schemeClr val="accent1"/>
-          </a:effectRef>
-          <a:fontRef idx="minor">
-            <a:schemeClr val="lt1"/>
-          </a:fontRef>
-        </p:style>
-        <p:txBody>
-          <a:bodyPr rtlCol="0" anchor="ctr"/>
-          <a:lstStyle/>
-          <a:p>
-            <a:pPr algn="ctr"/>
-            <a:r>
-              <a:rPr lang="en-US" sz="1200" dirty="0" smtClean="0"/>
-              <a:t>+ Join!</a:t>
-            </a:r>
-            <a:endParaRPr lang="en-US" sz="1200" dirty="0"/>
-          </a:p>
-        </p:txBody>
-      </p:sp>
-      <p:pic>
-        <p:nvPicPr>
-          <p:cNvPr id="2" name="Picture 1" descr="icon2.png"/>
-          <p:cNvPicPr>
-            <a:picLocks noChangeAspect="1"/>
-          </p:cNvPicPr>
-          <p:nvPr/>
-        </p:nvPicPr>
-        <p:blipFill>
-          <a:blip r:embed="rId4">
-            <a:extLst>
-              <a:ext uri="{28A0092B-C50C-407E-A947-70E740481C1C}">
-                <a14:useLocalDpi xmlns:a14="http://schemas.microsoft.com/office/drawing/2010/main" val="0"/>
-              </a:ext>
-            </a:extLst>
-          </a:blip>
-          <a:stretch>
-            <a:fillRect/>
-          </a:stretch>
-        </p:blipFill>
-        <p:spPr>
-          <a:xfrm>
-            <a:off x="486826" y="-38100"/>
-            <a:ext cx="685800" cy="685800"/>
-          </a:xfrm>
-          <a:prstGeom prst="rect">
-            <a:avLst/>
-          </a:prstGeom>
-        </p:spPr>
-      </p:pic>
-      <p:sp>
-        <p:nvSpPr>
-          <p:cNvPr id="55" name="Rectangle 54"/>
-          <p:cNvSpPr/>
-          <p:nvPr/>
-        </p:nvSpPr>
-        <p:spPr>
-          <a:xfrm>
-            <a:off x="2946400" y="-286409"/>
-            <a:ext cx="6248400" cy="7454900"/>
-          </a:xfrm>
-          <a:prstGeom prst="rect">
-            <a:avLst/>
-          </a:prstGeom>
-          <a:solidFill>
-            <a:schemeClr val="tx1"/>
-          </a:solidFill>
-          <a:ln>
-            <a:noFill/>
-          </a:ln>
-          <a:effectLst/>
-        </p:spPr>
-        <p:style>
-          <a:lnRef idx="1">
-            <a:schemeClr val="accent1"/>
-          </a:lnRef>
-          <a:fillRef idx="3">
-            <a:schemeClr val="accent1"/>
-          </a:fillRef>
-          <a:effectRef idx="2">
-            <a:schemeClr val="accent1"/>
-          </a:effectRef>
-          <a:fontRef idx="minor">
-            <a:schemeClr val="lt1"/>
-          </a:fontRef>
-        </p:style>
-        <p:txBody>
-          <a:bodyPr rtlCol="0" anchor="ctr"/>
-          <a:lstStyle/>
-          <a:p>
-            <a:pPr algn="ctr"/>
-            <a:endParaRPr lang="en-US"/>
-          </a:p>
-        </p:txBody>
-      </p:sp>
-      <p:sp>
-        <p:nvSpPr>
-          <p:cNvPr id="21" name="Line Callout 1 20"/>
-          <p:cNvSpPr/>
-          <p:nvPr/>
-        </p:nvSpPr>
-        <p:spPr>
-          <a:xfrm>
-            <a:off x="2815356" y="51368"/>
-            <a:ext cx="1706673" cy="1112632"/>
-          </a:xfrm>
-          <a:prstGeom prst="borderCallout1">
-            <a:avLst>
-              <a:gd name="adj1" fmla="val 46928"/>
-              <a:gd name="adj2" fmla="val -833"/>
-              <a:gd name="adj3" fmla="val 157366"/>
-              <a:gd name="adj4" fmla="val -56530"/>
-            </a:avLst>
-          </a:prstGeom>
-          <a:solidFill>
-            <a:schemeClr val="bg1"/>
-          </a:solidFill>
-          <a:ln>
-            <a:solidFill>
-              <a:schemeClr val="tx1"/>
-            </a:solidFill>
-          </a:ln>
-          <a:effectLst/>
-        </p:spPr>
-        <p:style>
-          <a:lnRef idx="1">
-            <a:schemeClr val="accent1"/>
-          </a:lnRef>
-          <a:fillRef idx="3">
-            <a:schemeClr val="accent1"/>
-          </a:fillRef>
-          <a:effectRef idx="2">
-            <a:schemeClr val="accent1"/>
-          </a:effectRef>
-          <a:fontRef idx="minor">
-            <a:schemeClr val="lt1"/>
-          </a:fontRef>
-        </p:style>
-        <p:txBody>
-          <a:bodyPr rtlCol="0" anchor="ctr"/>
-          <a:lstStyle/>
-          <a:p>
-            <a:pPr algn="ctr"/>
-            <a:r>
-              <a:rPr lang="en-US" sz="1400" dirty="0" smtClean="0">
-                <a:solidFill>
-                  <a:srgbClr val="7F7F7F"/>
-                </a:solidFill>
-              </a:rPr>
-              <a:t>On mobile size, cards and poster get narrower</a:t>
-            </a:r>
-            <a:endParaRPr lang="en-US" sz="1400" dirty="0">
-              <a:solidFill>
-                <a:srgbClr val="7F7F7F"/>
-              </a:solidFill>
-            </a:endParaRPr>
-          </a:p>
-        </p:txBody>
-      </p:sp>
-      <p:sp>
-        <p:nvSpPr>
-          <p:cNvPr id="22" name="Line Callout 1 21"/>
-          <p:cNvSpPr/>
-          <p:nvPr/>
-        </p:nvSpPr>
-        <p:spPr>
-          <a:xfrm>
-            <a:off x="490545" y="2540568"/>
-            <a:ext cx="1706673" cy="1112632"/>
-          </a:xfrm>
-          <a:prstGeom prst="borderCallout1">
-            <a:avLst>
-              <a:gd name="adj1" fmla="val 46928"/>
-              <a:gd name="adj2" fmla="val -833"/>
-              <a:gd name="adj3" fmla="val -181641"/>
-              <a:gd name="adj4" fmla="val -17091"/>
-            </a:avLst>
-          </a:prstGeom>
-          <a:solidFill>
-            <a:schemeClr val="bg1"/>
-          </a:solidFill>
-          <a:ln>
-            <a:solidFill>
-              <a:schemeClr val="tx1"/>
-            </a:solidFill>
-          </a:ln>
-          <a:effectLst/>
-        </p:spPr>
-        <p:style>
-          <a:lnRef idx="1">
-            <a:schemeClr val="accent1"/>
-          </a:lnRef>
-          <a:fillRef idx="3">
-            <a:schemeClr val="accent1"/>
-          </a:fillRef>
-          <a:effectRef idx="2">
-            <a:schemeClr val="accent1"/>
-          </a:effectRef>
-          <a:fontRef idx="minor">
-            <a:schemeClr val="lt1"/>
-          </a:fontRef>
-        </p:style>
-        <p:txBody>
-          <a:bodyPr rtlCol="0" anchor="ctr"/>
-          <a:lstStyle/>
-          <a:p>
-            <a:pPr algn="ctr"/>
-            <a:r>
-              <a:rPr lang="en-US" sz="1400" dirty="0" smtClean="0">
-                <a:solidFill>
-                  <a:srgbClr val="7F7F7F"/>
-                </a:solidFill>
-              </a:rPr>
-              <a:t>Profile Icon is now on the side, and brand reverts to single logo</a:t>
-            </a:r>
-            <a:endParaRPr lang="en-US" sz="1400" dirty="0">
-              <a:solidFill>
-                <a:srgbClr val="7F7F7F"/>
-              </a:solidFill>
-            </a:endParaRPr>
-          </a:p>
-        </p:txBody>
-      </p:sp>
-      <p:pic>
-        <p:nvPicPr>
-          <p:cNvPr id="3" name="Picture 2"/>
-          <p:cNvPicPr>
-            <a:picLocks noChangeAspect="1"/>
-          </p:cNvPicPr>
-          <p:nvPr/>
-        </p:nvPicPr>
-        <p:blipFill>
-          <a:blip r:embed="rId5"/>
-          <a:stretch>
-            <a:fillRect/>
-          </a:stretch>
-        </p:blipFill>
-        <p:spPr>
-          <a:xfrm>
-            <a:off x="32516" y="92966"/>
-            <a:ext cx="458029" cy="400775"/>
-          </a:xfrm>
-          <a:prstGeom prst="rect">
-            <a:avLst/>
-          </a:prstGeom>
-        </p:spPr>
-      </p:pic>
-    </p:spTree>
-    <p:extLst>
-      <p:ext uri="{BB962C8B-B14F-4D97-AF65-F5344CB8AC3E}">
-        <p14:creationId xmlns:p14="http://schemas.microsoft.com/office/powerpoint/2010/main" val="2719345864"/>
       </p:ext>
     </p:extLst>
   </p:cSld>
@@ -10411,7 +10290,7 @@
         </p:nvSpPr>
         <p:spPr>
           <a:xfrm>
-            <a:off x="554467" y="105658"/>
+            <a:off x="1121826" y="114292"/>
             <a:ext cx="1519774" cy="369332"/>
           </a:xfrm>
           <a:prstGeom prst="rect">
@@ -10435,21 +10314,9 @@
                 <a:latin typeface="Avenir Next Regular"/>
                 <a:cs typeface="Avenir Next Regular"/>
               </a:rPr>
-              <a:t>Dynami</a:t>
-            </a:r>
-            <a:r>
-              <a:rPr lang="en-US" b="1" dirty="0" smtClean="0">
-                <a:solidFill>
-                  <a:schemeClr val="bg1">
-                    <a:lumMod val="95000"/>
-                  </a:schemeClr>
-                </a:solidFill>
-                <a:latin typeface="Avenir Next Regular"/>
-                <a:cs typeface="Avenir Next Regular"/>
-              </a:rPr>
-              <a:t>|</a:t>
-            </a:r>
-            <a:endParaRPr lang="en-US" b="1" dirty="0">
+              <a:t>Search</a:t>
+            </a:r>
+            <a:endParaRPr lang="en-US" dirty="0">
               <a:solidFill>
                 <a:schemeClr val="bg1">
                   <a:lumMod val="95000"/>
@@ -11108,6 +10975,36 @@
           </a:p>
         </p:txBody>
       </p:sp>
+      <p:pic>
+        <p:nvPicPr>
+          <p:cNvPr id="2" name="Picture 1" descr="icon2.png"/>
+          <p:cNvPicPr>
+            <a:picLocks noChangeAspect="1"/>
+          </p:cNvPicPr>
+          <p:nvPr/>
+        </p:nvPicPr>
+        <p:blipFill>
+          <a:blip r:embed="rId4">
+            <a:extLst>
+              <a:ext uri="{28A0092B-C50C-407E-A947-70E740481C1C}">
+                <a14:useLocalDpi xmlns:a14="http://schemas.microsoft.com/office/drawing/2010/main" val="0"/>
+              </a:ext>
+            </a:extLst>
+          </a:blip>
+          <a:stretch>
+            <a:fillRect/>
+          </a:stretch>
+        </p:blipFill>
+        <p:spPr>
+          <a:xfrm>
+            <a:off x="486826" y="-38100"/>
+            <a:ext cx="685800" cy="685800"/>
+          </a:xfrm>
+          <a:prstGeom prst="rect">
+            <a:avLst/>
+          </a:prstGeom>
+        </p:spPr>
+      </p:pic>
       <p:sp>
         <p:nvSpPr>
           <p:cNvPr id="55" name="Rectangle 54"/>
@@ -11153,47 +11050,23 @@
           </a:p>
         </p:txBody>
       </p:sp>
-      <p:pic>
-        <p:nvPicPr>
-          <p:cNvPr id="67" name="Picture 66"/>
-          <p:cNvPicPr>
-            <a:picLocks noChangeAspect="1"/>
-          </p:cNvPicPr>
-          <p:nvPr/>
-        </p:nvPicPr>
-        <p:blipFill>
-          <a:blip r:embed="rId4"/>
-          <a:stretch>
-            <a:fillRect/>
-          </a:stretch>
-        </p:blipFill>
-        <p:spPr>
-          <a:xfrm>
-            <a:off x="32516" y="92966"/>
-            <a:ext cx="458029" cy="400775"/>
-          </a:xfrm>
-          <a:prstGeom prst="rect">
-            <a:avLst/>
-          </a:prstGeom>
-        </p:spPr>
-      </p:pic>
-      <p:sp>
-        <p:nvSpPr>
-          <p:cNvPr id="22" name="Line Callout 1 21"/>
+      <p:sp>
+        <p:nvSpPr>
+          <p:cNvPr id="21" name="Line Callout 1 20"/>
           <p:cNvSpPr/>
           <p:nvPr/>
         </p:nvSpPr>
         <p:spPr>
           <a:xfrm>
-            <a:off x="1276974" y="2413659"/>
+            <a:off x="2815356" y="51368"/>
             <a:ext cx="1706673" cy="1112632"/>
           </a:xfrm>
           <a:prstGeom prst="borderCallout1">
             <a:avLst>
               <a:gd name="adj1" fmla="val 46928"/>
               <a:gd name="adj2" fmla="val -833"/>
-              <a:gd name="adj3" fmla="val -181641"/>
-              <a:gd name="adj4" fmla="val -17091"/>
+              <a:gd name="adj3" fmla="val 157366"/>
+              <a:gd name="adj4" fmla="val -56530"/>
             </a:avLst>
           </a:prstGeom>
           <a:solidFill>
@@ -11231,7 +11104,7 @@
                   <a:srgbClr val="7F7F7F"/>
                 </a:solidFill>
               </a:rPr>
-              <a:t>Brand disappears when searching</a:t>
+              <a:t>On mobile size, cards and poster get narrower</a:t>
             </a:r>
             <a:endParaRPr lang="en-US" sz="1400" dirty="0">
               <a:solidFill>
@@ -11241,10 +11114,98 @@
           </a:p>
         </p:txBody>
       </p:sp>
+      <p:sp>
+        <p:nvSpPr>
+          <p:cNvPr id="22" name="Line Callout 1 21"/>
+          <p:cNvSpPr/>
+          <p:nvPr/>
+        </p:nvSpPr>
+        <p:spPr>
+          <a:xfrm>
+            <a:off x="490545" y="2540568"/>
+            <a:ext cx="1706673" cy="1112632"/>
+          </a:xfrm>
+          <a:prstGeom prst="borderCallout1">
+            <a:avLst>
+              <a:gd name="adj1" fmla="val 46928"/>
+              <a:gd name="adj2" fmla="val -833"/>
+              <a:gd name="adj3" fmla="val -181641"/>
+              <a:gd name="adj4" fmla="val -17091"/>
+            </a:avLst>
+          </a:prstGeom>
+          <a:solidFill>
+            <a:schemeClr val="bg1"/>
+          </a:solidFill>
+          <a:ln>
+            <a:solidFill>
+              <a:schemeClr val="tx1"/>
+            </a:solidFill>
+          </a:ln>
+          <a:effectLst/>
+        </p:spPr>
+        <p:style>
+          <a:lnRef idx="1">
+            <a:schemeClr val="accent1"/>
+          </a:lnRef>
+          <a:fillRef idx="3">
+            <a:schemeClr val="accent1"/>
+          </a:fillRef>
+          <a:effectRef idx="2">
+            <a:schemeClr val="accent1"/>
+          </a:effectRef>
+          <a:fontRef idx="minor">
+            <a:schemeClr val="lt1"/>
+          </a:fontRef>
+        </p:style>
+        <p:txBody>
+          <a:bodyPr rtlCol="0" anchor="ctr"/>
+          <a:lstStyle/>
+          <a:p>
+            <a:pPr algn="ctr"/>
+            <a:r>
+              <a:rPr lang="en-US" sz="1400" dirty="0" smtClean="0">
+                <a:solidFill>
+                  <a:srgbClr val="7F7F7F"/>
+                </a:solidFill>
+              </a:rPr>
+              <a:t>Profile Icon is now on the side, and brand reverts to single logo</a:t>
+            </a:r>
+            <a:endParaRPr lang="en-US" sz="1400" dirty="0">
+              <a:solidFill>
+                <a:srgbClr val="7F7F7F"/>
+              </a:solidFill>
+            </a:endParaRPr>
+          </a:p>
+        </p:txBody>
+      </p:sp>
+      <p:pic>
+        <p:nvPicPr>
+          <p:cNvPr id="3" name="Picture 2"/>
+          <p:cNvPicPr>
+            <a:picLocks noChangeAspect="1"/>
+          </p:cNvPicPr>
+          <p:nvPr/>
+        </p:nvPicPr>
+        <p:blipFill>
+          <a:blip r:embed="rId5"/>
+          <a:stretch>
+            <a:fillRect/>
+          </a:stretch>
+        </p:blipFill>
+        <p:spPr>
+          <a:xfrm>
+            <a:off x="32516" y="92966"/>
+            <a:ext cx="458029" cy="400775"/>
+          </a:xfrm>
+          <a:prstGeom prst="rect">
+            <a:avLst/>
+          </a:prstGeom>
+        </p:spPr>
+      </p:pic>
     </p:spTree>
     <p:extLst>
       <p:ext uri="{BB962C8B-B14F-4D97-AF65-F5344CB8AC3E}">
-        <p14:creationId xmlns:p14="http://schemas.microsoft.com/office/powerpoint/2010/main" val="1424283927"/>
+        <p14:creationId xmlns:p14="http://schemas.microsoft.com/office/powerpoint/2010/main" val="2719345864"/>
       </p:ext>
     </p:extLst>
   </p:cSld>
@@ -11333,7 +11294,7 @@
         </p:nvSpPr>
         <p:spPr>
           <a:xfrm>
-            <a:off x="1121826" y="114292"/>
+            <a:off x="554467" y="105658"/>
             <a:ext cx="1519774" cy="369332"/>
           </a:xfrm>
           <a:prstGeom prst="rect">
@@ -11357,9 +11318,21 @@
                 <a:latin typeface="Avenir Next Regular"/>
                 <a:cs typeface="Avenir Next Regular"/>
               </a:rPr>
-              <a:t>Search</a:t>
-            </a:r>
-            <a:endParaRPr lang="en-US" dirty="0">
+              <a:t>Dynami</a:t>
+            </a:r>
+            <a:r>
+              <a:rPr lang="en-US" b="1" dirty="0" smtClean="0">
+                <a:solidFill>
+                  <a:schemeClr val="bg1">
+                    <a:lumMod val="95000"/>
+                  </a:schemeClr>
+                </a:solidFill>
+                <a:latin typeface="Avenir Next Regular"/>
+                <a:cs typeface="Avenir Next Regular"/>
+              </a:rPr>
+              <a:t>|</a:t>
+            </a:r>
+            <a:endParaRPr lang="en-US" b="1" dirty="0">
               <a:solidFill>
                 <a:schemeClr val="bg1">
                   <a:lumMod val="95000"/>
@@ -11418,564 +11391,16 @@
           </a:p>
         </p:txBody>
       </p:sp>
-      <p:cxnSp>
-        <p:nvCxnSpPr>
-          <p:cNvPr id="54" name="Straight Connector 53"/>
-          <p:cNvCxnSpPr/>
-          <p:nvPr/>
-        </p:nvCxnSpPr>
-        <p:spPr>
-          <a:xfrm>
-            <a:off x="143411" y="4246031"/>
-            <a:ext cx="2532056" cy="0"/>
-          </a:xfrm>
-          <a:prstGeom prst="line">
-            <a:avLst/>
-          </a:prstGeom>
-          <a:ln w="9525" cmpd="sng">
-            <a:solidFill>
-              <a:schemeClr val="tx1">
-                <a:lumMod val="50000"/>
-                <a:lumOff val="50000"/>
-              </a:schemeClr>
-            </a:solidFill>
-          </a:ln>
-          <a:effectLst/>
-        </p:spPr>
-        <p:style>
-          <a:lnRef idx="2">
-            <a:schemeClr val="accent1"/>
-          </a:lnRef>
-          <a:fillRef idx="0">
-            <a:schemeClr val="accent1"/>
-          </a:fillRef>
-          <a:effectRef idx="1">
-            <a:schemeClr val="accent1"/>
-          </a:effectRef>
-          <a:fontRef idx="minor">
-            <a:schemeClr val="tx1"/>
-          </a:fontRef>
-        </p:style>
-      </p:cxnSp>
-      <p:sp>
-        <p:nvSpPr>
-          <p:cNvPr id="56" name="Rectangle 55"/>
+      <p:sp>
+        <p:nvSpPr>
+          <p:cNvPr id="51" name="Rectangle 50"/>
           <p:cNvSpPr/>
           <p:nvPr/>
         </p:nvSpPr>
         <p:spPr>
           <a:xfrm>
-            <a:off x="211144" y="4356100"/>
-            <a:ext cx="2532056" cy="3598334"/>
-          </a:xfrm>
-          <a:prstGeom prst="rect">
-            <a:avLst/>
-          </a:prstGeom>
-          <a:solidFill>
-            <a:schemeClr val="bg1">
-              <a:lumMod val="95000"/>
-            </a:schemeClr>
-          </a:solidFill>
-          <a:ln>
-            <a:noFill/>
-          </a:ln>
-          <a:effectLst>
-            <a:outerShdw blurRad="50800" dist="38100" dir="5400000" algn="t" rotWithShape="0">
-              <a:prstClr val="black">
-                <a:alpha val="40000"/>
-              </a:prstClr>
-            </a:outerShdw>
-          </a:effectLst>
-        </p:spPr>
-        <p:style>
-          <a:lnRef idx="1">
-            <a:schemeClr val="accent1"/>
-          </a:lnRef>
-          <a:fillRef idx="3">
-            <a:schemeClr val="accent1"/>
-          </a:fillRef>
-          <a:effectRef idx="2">
-            <a:schemeClr val="accent1"/>
-          </a:effectRef>
-          <a:fontRef idx="minor">
-            <a:schemeClr val="lt1"/>
-          </a:fontRef>
-        </p:style>
-        <p:txBody>
-          <a:bodyPr rtlCol="0" anchor="ctr"/>
-          <a:lstStyle/>
-          <a:p>
-            <a:pPr algn="ctr"/>
-            <a:endParaRPr lang="en-US">
-              <a:solidFill>
-                <a:schemeClr val="bg1">
-                  <a:lumMod val="95000"/>
-                </a:schemeClr>
-              </a:solidFill>
-            </a:endParaRPr>
-          </a:p>
-        </p:txBody>
-      </p:sp>
-      <p:sp>
-        <p:nvSpPr>
-          <p:cNvPr id="57" name="TextBox 56"/>
-          <p:cNvSpPr txBox="1"/>
-          <p:nvPr/>
-        </p:nvSpPr>
-        <p:spPr>
-          <a:xfrm>
-            <a:off x="211145" y="4356100"/>
-            <a:ext cx="2532056" cy="584776"/>
-          </a:xfrm>
-          <a:prstGeom prst="rect">
-            <a:avLst/>
-          </a:prstGeom>
-          <a:noFill/>
-        </p:spPr>
-        <p:txBody>
-          <a:bodyPr wrap="square" rtlCol="0">
-            <a:spAutoFit/>
-          </a:bodyPr>
-          <a:lstStyle/>
-          <a:p>
-            <a:r>
-              <a:rPr lang="en-US" sz="1600" dirty="0" smtClean="0">
-                <a:latin typeface="Avenir Medium"/>
-                <a:cs typeface="Avenir Medium"/>
-              </a:rPr>
-              <a:t>Stuck on Dynamic Programming</a:t>
-            </a:r>
-            <a:endParaRPr lang="en-US" sz="1600" dirty="0">
-              <a:latin typeface="Avenir Medium"/>
-              <a:cs typeface="Avenir Medium"/>
-            </a:endParaRPr>
-          </a:p>
-        </p:txBody>
-      </p:sp>
-      <p:sp>
-        <p:nvSpPr>
-          <p:cNvPr id="58" name="TextBox 57"/>
-          <p:cNvSpPr txBox="1"/>
-          <p:nvPr/>
-        </p:nvSpPr>
-        <p:spPr>
-          <a:xfrm>
-            <a:off x="211144" y="4864676"/>
-            <a:ext cx="1468671" cy="276999"/>
-          </a:xfrm>
-          <a:prstGeom prst="rect">
-            <a:avLst/>
-          </a:prstGeom>
-          <a:noFill/>
-        </p:spPr>
-        <p:txBody>
-          <a:bodyPr wrap="none" rtlCol="0">
-            <a:spAutoFit/>
-          </a:bodyPr>
-          <a:lstStyle/>
-          <a:p>
-            <a:r>
-              <a:rPr lang="en-US" sz="1200" dirty="0" smtClean="0">
-                <a:solidFill>
-                  <a:schemeClr val="bg1">
-                    <a:lumMod val="50000"/>
-                  </a:schemeClr>
-                </a:solidFill>
-              </a:rPr>
-              <a:t>Studyman Buddyson</a:t>
-            </a:r>
-            <a:endParaRPr lang="en-US" sz="1200" dirty="0">
-              <a:solidFill>
-                <a:schemeClr val="bg1">
-                  <a:lumMod val="50000"/>
-                </a:schemeClr>
-              </a:solidFill>
-            </a:endParaRPr>
-          </a:p>
-        </p:txBody>
-      </p:sp>
-      <p:sp>
-        <p:nvSpPr>
-          <p:cNvPr id="59" name="TextBox 58"/>
-          <p:cNvSpPr txBox="1"/>
-          <p:nvPr/>
-        </p:nvSpPr>
-        <p:spPr>
-          <a:xfrm>
-            <a:off x="346611" y="5141676"/>
-            <a:ext cx="2206089" cy="1708160"/>
-          </a:xfrm>
-          <a:prstGeom prst="rect">
-            <a:avLst/>
-          </a:prstGeom>
-          <a:noFill/>
-        </p:spPr>
-        <p:txBody>
-          <a:bodyPr wrap="square" rtlCol="0">
-            <a:spAutoFit/>
-          </a:bodyPr>
-          <a:lstStyle/>
-          <a:p>
-            <a:r>
-              <a:rPr lang="en-US" sz="1050" dirty="0" smtClean="0">
-                <a:latin typeface="Avenir Light"/>
-                <a:cs typeface="Avenir Light"/>
-              </a:rPr>
-              <a:t>This is some content where Studyman Buddyson is explaining how stuck he is on this crazy dynamic programming problem. He skipped lecture too, so he’s completely screwed. Silly Studyman Buddyson. Good thing we’re making StudyBuddy, so he doesn’t have to face that monster homework alone.</a:t>
-            </a:r>
-            <a:endParaRPr lang="en-US" sz="1050" dirty="0">
-              <a:latin typeface="Avenir Light"/>
-              <a:cs typeface="Avenir Light"/>
-            </a:endParaRPr>
-          </a:p>
-        </p:txBody>
-      </p:sp>
-      <p:pic>
-        <p:nvPicPr>
-          <p:cNvPr id="60" name="Picture 59"/>
-          <p:cNvPicPr>
-            <a:picLocks noChangeAspect="1"/>
-          </p:cNvPicPr>
-          <p:nvPr/>
-        </p:nvPicPr>
-        <p:blipFill>
-          <a:blip r:embed="rId2" cstate="screen">
-            <a:extLst>
-              <a:ext uri="{28A0092B-C50C-407E-A947-70E740481C1C}">
-                <a14:useLocalDpi xmlns:a14="http://schemas.microsoft.com/office/drawing/2010/main"/>
-              </a:ext>
-            </a:extLst>
-          </a:blip>
-          <a:stretch>
-            <a:fillRect/>
-          </a:stretch>
-        </p:blipFill>
-        <p:spPr>
-          <a:xfrm>
-            <a:off x="346611" y="6908415"/>
-            <a:ext cx="143934" cy="143934"/>
-          </a:xfrm>
-          <a:prstGeom prst="rect">
-            <a:avLst/>
-          </a:prstGeom>
-        </p:spPr>
-      </p:pic>
-      <p:sp>
-        <p:nvSpPr>
-          <p:cNvPr id="61" name="TextBox 60"/>
-          <p:cNvSpPr txBox="1"/>
-          <p:nvPr/>
-        </p:nvSpPr>
-        <p:spPr>
-          <a:xfrm>
-            <a:off x="490538" y="6849836"/>
-            <a:ext cx="786436" cy="261610"/>
-          </a:xfrm>
-          <a:prstGeom prst="rect">
-            <a:avLst/>
-          </a:prstGeom>
-          <a:noFill/>
-        </p:spPr>
-        <p:txBody>
-          <a:bodyPr wrap="none" rtlCol="0">
-            <a:spAutoFit/>
-          </a:bodyPr>
-          <a:lstStyle/>
-          <a:p>
-            <a:r>
-              <a:rPr lang="en-US" sz="1050" dirty="0" smtClean="0">
-                <a:solidFill>
-                  <a:srgbClr val="7F7F7F"/>
-                </a:solidFill>
-                <a:latin typeface="Avenir Light"/>
-                <a:cs typeface="Avenir Light"/>
-              </a:rPr>
-              <a:t>EECS 281</a:t>
-            </a:r>
-            <a:endParaRPr lang="en-US" sz="1050" dirty="0">
-              <a:solidFill>
-                <a:srgbClr val="7F7F7F"/>
-              </a:solidFill>
-              <a:latin typeface="Avenir Light"/>
-              <a:cs typeface="Avenir Light"/>
-            </a:endParaRPr>
-          </a:p>
-        </p:txBody>
-      </p:sp>
-      <p:pic>
-        <p:nvPicPr>
-          <p:cNvPr id="62" name="Picture 61"/>
-          <p:cNvPicPr>
-            <a:picLocks noChangeAspect="1"/>
-          </p:cNvPicPr>
-          <p:nvPr/>
-        </p:nvPicPr>
-        <p:blipFill>
-          <a:blip r:embed="rId3" cstate="screen">
-            <a:extLst>
-              <a:ext uri="{28A0092B-C50C-407E-A947-70E740481C1C}">
-                <a14:useLocalDpi xmlns:a14="http://schemas.microsoft.com/office/drawing/2010/main"/>
-              </a:ext>
-            </a:extLst>
-          </a:blip>
-          <a:stretch>
-            <a:fillRect/>
-          </a:stretch>
-        </p:blipFill>
-        <p:spPr>
-          <a:xfrm>
-            <a:off x="2032726" y="6899951"/>
-            <a:ext cx="194733" cy="194733"/>
-          </a:xfrm>
-          <a:prstGeom prst="rect">
-            <a:avLst/>
-          </a:prstGeom>
-        </p:spPr>
-      </p:pic>
-      <p:sp>
-        <p:nvSpPr>
-          <p:cNvPr id="63" name="TextBox 62"/>
-          <p:cNvSpPr txBox="1"/>
-          <p:nvPr/>
-        </p:nvSpPr>
-        <p:spPr>
-          <a:xfrm>
-            <a:off x="2190327" y="6849836"/>
-            <a:ext cx="451273" cy="261610"/>
-          </a:xfrm>
-          <a:prstGeom prst="rect">
-            <a:avLst/>
-          </a:prstGeom>
-          <a:noFill/>
-        </p:spPr>
-        <p:txBody>
-          <a:bodyPr wrap="none" rtlCol="0">
-            <a:spAutoFit/>
-          </a:bodyPr>
-          <a:lstStyle/>
-          <a:p>
-            <a:r>
-              <a:rPr lang="en-US" sz="1100" dirty="0" smtClean="0">
-                <a:solidFill>
-                  <a:srgbClr val="7F7F7F"/>
-                </a:solidFill>
-                <a:latin typeface="Avenir Light"/>
-                <a:cs typeface="Avenir Light"/>
-              </a:rPr>
-              <a:t>BBB</a:t>
-            </a:r>
-            <a:endParaRPr lang="en-US" sz="1100" dirty="0">
-              <a:solidFill>
-                <a:srgbClr val="7F7F7F"/>
-              </a:solidFill>
-              <a:latin typeface="Avenir Light"/>
-              <a:cs typeface="Avenir Light"/>
-            </a:endParaRPr>
-          </a:p>
-        </p:txBody>
-      </p:sp>
-      <p:sp>
-        <p:nvSpPr>
-          <p:cNvPr id="64" name="TextBox 63"/>
-          <p:cNvSpPr txBox="1"/>
-          <p:nvPr/>
-        </p:nvSpPr>
-        <p:spPr>
-          <a:xfrm>
-            <a:off x="380480" y="7222606"/>
-            <a:ext cx="2172220" cy="430887"/>
-          </a:xfrm>
-          <a:prstGeom prst="rect">
-            <a:avLst/>
-          </a:prstGeom>
-          <a:noFill/>
-        </p:spPr>
-        <p:txBody>
-          <a:bodyPr wrap="square" rtlCol="0">
-            <a:spAutoFit/>
-          </a:bodyPr>
-          <a:lstStyle/>
-          <a:p>
-            <a:r>
-              <a:rPr lang="en-US" sz="1050" dirty="0" smtClean="0">
-                <a:solidFill>
-                  <a:srgbClr val="7F7F7F"/>
-                </a:solidFill>
-                <a:latin typeface="Avenir Light"/>
-                <a:cs typeface="Avenir Light"/>
-              </a:rPr>
-              <a:t>4 people are following | Posted 15 minutes ago |</a:t>
-            </a:r>
-            <a:endParaRPr lang="en-US" sz="1050" dirty="0">
-              <a:solidFill>
-                <a:srgbClr val="7F7F7F"/>
-              </a:solidFill>
-              <a:latin typeface="Avenir Light"/>
-              <a:cs typeface="Avenir Light"/>
-            </a:endParaRPr>
-          </a:p>
-        </p:txBody>
-      </p:sp>
-      <p:sp>
-        <p:nvSpPr>
-          <p:cNvPr id="65" name="Rounded Rectangle 64"/>
-          <p:cNvSpPr/>
-          <p:nvPr/>
-        </p:nvSpPr>
-        <p:spPr>
-          <a:xfrm>
-            <a:off x="1947333" y="7592169"/>
-            <a:ext cx="694267" cy="237754"/>
-          </a:xfrm>
-          <a:prstGeom prst="roundRect">
-            <a:avLst/>
-          </a:prstGeom>
-          <a:solidFill>
-            <a:schemeClr val="accent3">
-              <a:lumMod val="75000"/>
-            </a:schemeClr>
-          </a:solidFill>
-          <a:ln>
-            <a:noFill/>
-          </a:ln>
-          <a:effectLst/>
-        </p:spPr>
-        <p:style>
-          <a:lnRef idx="1">
-            <a:schemeClr val="accent1"/>
-          </a:lnRef>
-          <a:fillRef idx="3">
-            <a:schemeClr val="accent1"/>
-          </a:fillRef>
-          <a:effectRef idx="2">
-            <a:schemeClr val="accent1"/>
-          </a:effectRef>
-          <a:fontRef idx="minor">
-            <a:schemeClr val="lt1"/>
-          </a:fontRef>
-        </p:style>
-        <p:txBody>
-          <a:bodyPr rtlCol="0" anchor="ctr"/>
-          <a:lstStyle/>
-          <a:p>
-            <a:pPr algn="ctr"/>
-            <a:r>
-              <a:rPr lang="en-US" sz="1200" dirty="0" smtClean="0"/>
-              <a:t>+ Join!</a:t>
-            </a:r>
-            <a:endParaRPr lang="en-US" sz="1200" dirty="0"/>
-          </a:p>
-        </p:txBody>
-      </p:sp>
-      <p:pic>
-        <p:nvPicPr>
-          <p:cNvPr id="2" name="Picture 1" descr="icon2.png"/>
-          <p:cNvPicPr>
-            <a:picLocks noChangeAspect="1"/>
-          </p:cNvPicPr>
-          <p:nvPr/>
-        </p:nvPicPr>
-        <p:blipFill>
-          <a:blip r:embed="rId4">
-            <a:extLst>
-              <a:ext uri="{28A0092B-C50C-407E-A947-70E740481C1C}">
-                <a14:useLocalDpi xmlns:a14="http://schemas.microsoft.com/office/drawing/2010/main" val="0"/>
-              </a:ext>
-            </a:extLst>
-          </a:blip>
-          <a:stretch>
-            <a:fillRect/>
-          </a:stretch>
-        </p:blipFill>
-        <p:spPr>
-          <a:xfrm>
-            <a:off x="486826" y="-38100"/>
-            <a:ext cx="685800" cy="685800"/>
-          </a:xfrm>
-          <a:prstGeom prst="rect">
-            <a:avLst/>
-          </a:prstGeom>
-        </p:spPr>
-      </p:pic>
-      <p:sp>
-        <p:nvSpPr>
-          <p:cNvPr id="55" name="Rectangle 54"/>
-          <p:cNvSpPr/>
-          <p:nvPr/>
-        </p:nvSpPr>
-        <p:spPr>
-          <a:xfrm>
-            <a:off x="2946400" y="-286409"/>
-            <a:ext cx="6248400" cy="7454900"/>
-          </a:xfrm>
-          <a:prstGeom prst="rect">
-            <a:avLst/>
-          </a:prstGeom>
-          <a:solidFill>
-            <a:schemeClr val="tx1"/>
-          </a:solidFill>
-          <a:ln>
-            <a:noFill/>
-          </a:ln>
-          <a:effectLst/>
-        </p:spPr>
-        <p:style>
-          <a:lnRef idx="1">
-            <a:schemeClr val="accent1"/>
-          </a:lnRef>
-          <a:fillRef idx="3">
-            <a:schemeClr val="accent1"/>
-          </a:fillRef>
-          <a:effectRef idx="2">
-            <a:schemeClr val="accent1"/>
-          </a:effectRef>
-          <a:fontRef idx="minor">
-            <a:schemeClr val="lt1"/>
-          </a:fontRef>
-        </p:style>
-        <p:txBody>
-          <a:bodyPr rtlCol="0" anchor="ctr"/>
-          <a:lstStyle/>
-          <a:p>
-            <a:pPr algn="ctr"/>
-            <a:endParaRPr lang="en-US"/>
-          </a:p>
-        </p:txBody>
-      </p:sp>
-      <p:pic>
-        <p:nvPicPr>
-          <p:cNvPr id="67" name="Picture 66"/>
-          <p:cNvPicPr>
-            <a:picLocks noChangeAspect="1"/>
-          </p:cNvPicPr>
-          <p:nvPr/>
-        </p:nvPicPr>
-        <p:blipFill>
-          <a:blip r:embed="rId5"/>
-          <a:stretch>
-            <a:fillRect/>
-          </a:stretch>
-        </p:blipFill>
-        <p:spPr>
-          <a:xfrm>
-            <a:off x="32516" y="92966"/>
-            <a:ext cx="458029" cy="400775"/>
-          </a:xfrm>
-          <a:prstGeom prst="rect">
-            <a:avLst/>
-          </a:prstGeom>
-        </p:spPr>
-      </p:pic>
-      <p:sp>
-        <p:nvSpPr>
-          <p:cNvPr id="22" name="Rectangle 21"/>
-          <p:cNvSpPr/>
-          <p:nvPr/>
-        </p:nvSpPr>
-        <p:spPr>
-          <a:xfrm>
-            <a:off x="211667" y="698500"/>
-            <a:ext cx="2531533" cy="3340100"/>
+            <a:off x="211144" y="762002"/>
+            <a:ext cx="2532056" cy="990000"/>
           </a:xfrm>
           <a:prstGeom prst="rect">
             <a:avLst/>
@@ -12031,14 +11456,14 @@
       </p:sp>
       <p:sp>
         <p:nvSpPr>
-          <p:cNvPr id="23" name="Rectangle 22"/>
+          <p:cNvPr id="52" name="Rectangle 51"/>
           <p:cNvSpPr/>
           <p:nvPr/>
         </p:nvSpPr>
         <p:spPr>
           <a:xfrm>
-            <a:off x="200313" y="673100"/>
-            <a:ext cx="2566940" cy="304800"/>
+            <a:off x="211144" y="762001"/>
+            <a:ext cx="2532056" cy="279400"/>
           </a:xfrm>
           <a:prstGeom prst="rect">
             <a:avLst/>
@@ -12081,14 +11506,14 @@
       </p:sp>
       <p:sp>
         <p:nvSpPr>
-          <p:cNvPr id="24" name="TextBox 23"/>
+          <p:cNvPr id="53" name="TextBox 52"/>
           <p:cNvSpPr txBox="1"/>
           <p:nvPr/>
         </p:nvSpPr>
         <p:spPr>
           <a:xfrm>
-            <a:off x="211667" y="1426278"/>
-            <a:ext cx="2531534" cy="861774"/>
+            <a:off x="346611" y="1103726"/>
+            <a:ext cx="2294989" cy="584776"/>
           </a:xfrm>
           <a:prstGeom prst="rect">
             <a:avLst/>
@@ -12104,49 +11529,29 @@
             <a:r>
               <a:rPr lang="en-US" sz="1600" dirty="0" smtClean="0">
                 <a:solidFill>
-                  <a:schemeClr val="bg1">
-                    <a:lumMod val="50000"/>
-                  </a:schemeClr>
+                  <a:srgbClr val="A6A6A6"/>
                 </a:solidFill>
-                <a:latin typeface="Avenir Light"/>
-                <a:cs typeface="Avenir Light"/>
               </a:rPr>
-              <a:t>We start typing the new post here. The focus automatica</a:t>
-            </a:r>
-            <a:r>
-              <a:rPr lang="en-US" b="1" dirty="0" smtClean="0">
-                <a:solidFill>
-                  <a:schemeClr val="bg1">
-                    <a:lumMod val="50000"/>
-                  </a:schemeClr>
-                </a:solidFill>
-                <a:latin typeface="Avenir Light"/>
-                <a:cs typeface="Avenir Light"/>
-              </a:rPr>
-              <a:t>|</a:t>
-            </a:r>
-            <a:endParaRPr lang="en-US" b="1" dirty="0">
+              <a:t>Start Typing to get a StudyBuddy…</a:t>
+            </a:r>
+            <a:endParaRPr lang="en-US" sz="1600" dirty="0">
               <a:solidFill>
-                <a:schemeClr val="bg1">
-                  <a:lumMod val="50000"/>
-                </a:schemeClr>
+                <a:srgbClr val="A6A6A6"/>
               </a:solidFill>
-              <a:latin typeface="Avenir Light"/>
-              <a:cs typeface="Avenir Light"/>
             </a:endParaRPr>
           </a:p>
         </p:txBody>
       </p:sp>
       <p:cxnSp>
         <p:nvCxnSpPr>
-          <p:cNvPr id="25" name="Straight Connector 24"/>
+          <p:cNvPr id="54" name="Straight Connector 53"/>
           <p:cNvCxnSpPr/>
           <p:nvPr/>
         </p:nvCxnSpPr>
         <p:spPr>
           <a:xfrm>
-            <a:off x="200313" y="1398797"/>
-            <a:ext cx="2560013" cy="0"/>
+            <a:off x="211144" y="1960031"/>
+            <a:ext cx="2532056" cy="0"/>
           </a:xfrm>
           <a:prstGeom prst="line">
             <a:avLst/>
@@ -12176,114 +11581,35 @@
           </a:fontRef>
         </p:style>
       </p:cxnSp>
-      <p:cxnSp>
-        <p:nvCxnSpPr>
-          <p:cNvPr id="26" name="Straight Connector 25"/>
-          <p:cNvCxnSpPr/>
-          <p:nvPr/>
-        </p:nvCxnSpPr>
-        <p:spPr>
-          <a:xfrm>
-            <a:off x="200313" y="2279335"/>
-            <a:ext cx="2566940" cy="0"/>
-          </a:xfrm>
-          <a:prstGeom prst="line">
-            <a:avLst/>
-          </a:prstGeom>
-          <a:ln w="9525" cmpd="sng">
-            <a:solidFill>
-              <a:schemeClr val="tx1">
-                <a:lumMod val="50000"/>
-                <a:lumOff val="50000"/>
-              </a:schemeClr>
-            </a:solidFill>
-          </a:ln>
-          <a:effectLst/>
-        </p:spPr>
-        <p:style>
-          <a:lnRef idx="2">
-            <a:schemeClr val="accent1"/>
-          </a:lnRef>
-          <a:fillRef idx="0">
-            <a:schemeClr val="accent1"/>
-          </a:fillRef>
-          <a:effectRef idx="1">
-            <a:schemeClr val="accent1"/>
-          </a:effectRef>
-          <a:fontRef idx="minor">
-            <a:schemeClr val="tx1"/>
-          </a:fontRef>
-        </p:style>
-      </p:cxnSp>
-      <p:sp>
-        <p:nvSpPr>
-          <p:cNvPr id="27" name="TextBox 26"/>
-          <p:cNvSpPr txBox="1"/>
-          <p:nvPr/>
-        </p:nvSpPr>
-        <p:spPr>
-          <a:xfrm>
-            <a:off x="200313" y="1011768"/>
-            <a:ext cx="2542887" cy="338554"/>
-          </a:xfrm>
-          <a:prstGeom prst="rect">
-            <a:avLst/>
-          </a:prstGeom>
-          <a:noFill/>
-        </p:spPr>
-        <p:txBody>
-          <a:bodyPr wrap="square" rtlCol="0">
-            <a:spAutoFit/>
-          </a:bodyPr>
-          <a:lstStyle/>
-          <a:p>
-            <a:r>
-              <a:rPr lang="en-US" sz="1600" dirty="0" smtClean="0">
-                <a:solidFill>
-                  <a:srgbClr val="A6A6A6"/>
-                </a:solidFill>
-                <a:latin typeface="Avenir Light"/>
-                <a:cs typeface="Avenir Light"/>
-              </a:rPr>
-              <a:t>Click to add a title</a:t>
-            </a:r>
-            <a:endParaRPr lang="en-US" b="1" dirty="0">
-              <a:solidFill>
-                <a:srgbClr val="A6A6A6"/>
-              </a:solidFill>
-              <a:latin typeface="Avenir Light"/>
-              <a:cs typeface="Avenir Light"/>
-            </a:endParaRPr>
-          </a:p>
-        </p:txBody>
-      </p:sp>
-      <p:sp>
-        <p:nvSpPr>
-          <p:cNvPr id="28" name="Rectangle 27"/>
+      <p:sp>
+        <p:nvSpPr>
+          <p:cNvPr id="56" name="Rectangle 55"/>
           <p:cNvSpPr/>
           <p:nvPr/>
         </p:nvSpPr>
         <p:spPr>
           <a:xfrm>
-            <a:off x="380480" y="2366433"/>
-            <a:ext cx="1371600" cy="284001"/>
+            <a:off x="211144" y="2184400"/>
+            <a:ext cx="2532056" cy="3598334"/>
           </a:xfrm>
           <a:prstGeom prst="rect">
             <a:avLst/>
           </a:prstGeom>
           <a:solidFill>
             <a:schemeClr val="bg1">
-              <a:lumMod val="85000"/>
+              <a:lumMod val="95000"/>
             </a:schemeClr>
           </a:solidFill>
           <a:ln>
-            <a:solidFill>
-              <a:schemeClr val="bg1">
-                <a:lumMod val="50000"/>
-              </a:schemeClr>
-            </a:solidFill>
+            <a:noFill/>
           </a:ln>
-          <a:effectLst/>
+          <a:effectLst>
+            <a:outerShdw blurRad="50800" dist="38100" dir="5400000" algn="t" rotWithShape="0">
+              <a:prstClr val="black">
+                <a:alpha val="40000"/>
+              </a:prstClr>
+            </a:outerShdw>
+          </a:effectLst>
         </p:spPr>
         <p:style>
           <a:lnRef idx="1">
@@ -12303,25 +11629,194 @@
           <a:bodyPr rtlCol="0" anchor="ctr"/>
           <a:lstStyle/>
           <a:p>
+            <a:pPr algn="ctr"/>
+            <a:endParaRPr lang="en-US">
+              <a:solidFill>
+                <a:schemeClr val="bg1">
+                  <a:lumMod val="95000"/>
+                </a:schemeClr>
+              </a:solidFill>
+            </a:endParaRPr>
+          </a:p>
+        </p:txBody>
+      </p:sp>
+      <p:sp>
+        <p:nvSpPr>
+          <p:cNvPr id="57" name="TextBox 56"/>
+          <p:cNvSpPr txBox="1"/>
+          <p:nvPr/>
+        </p:nvSpPr>
+        <p:spPr>
+          <a:xfrm>
+            <a:off x="211145" y="2184400"/>
+            <a:ext cx="2532056" cy="584776"/>
+          </a:xfrm>
+          <a:prstGeom prst="rect">
+            <a:avLst/>
+          </a:prstGeom>
+          <a:noFill/>
+        </p:spPr>
+        <p:txBody>
+          <a:bodyPr wrap="square" rtlCol="0">
+            <a:spAutoFit/>
+          </a:bodyPr>
+          <a:lstStyle/>
+          <a:p>
             <a:r>
               <a:rPr lang="en-US" sz="1600" dirty="0" smtClean="0">
+                <a:latin typeface="Avenir Medium"/>
+                <a:cs typeface="Avenir Medium"/>
+              </a:rPr>
+              <a:t>Stuck on Dynamic Programming</a:t>
+            </a:r>
+            <a:endParaRPr lang="en-US" sz="1600" dirty="0">
+              <a:latin typeface="Avenir Medium"/>
+              <a:cs typeface="Avenir Medium"/>
+            </a:endParaRPr>
+          </a:p>
+        </p:txBody>
+      </p:sp>
+      <p:sp>
+        <p:nvSpPr>
+          <p:cNvPr id="58" name="TextBox 57"/>
+          <p:cNvSpPr txBox="1"/>
+          <p:nvPr/>
+        </p:nvSpPr>
+        <p:spPr>
+          <a:xfrm>
+            <a:off x="211144" y="2692976"/>
+            <a:ext cx="1468671" cy="276999"/>
+          </a:xfrm>
+          <a:prstGeom prst="rect">
+            <a:avLst/>
+          </a:prstGeom>
+          <a:noFill/>
+        </p:spPr>
+        <p:txBody>
+          <a:bodyPr wrap="none" rtlCol="0">
+            <a:spAutoFit/>
+          </a:bodyPr>
+          <a:lstStyle/>
+          <a:p>
+            <a:r>
+              <a:rPr lang="en-US" sz="1200" dirty="0" smtClean="0">
                 <a:solidFill>
-                  <a:srgbClr val="7F7F7F"/>
+                  <a:schemeClr val="bg1">
+                    <a:lumMod val="50000"/>
+                  </a:schemeClr>
                 </a:solidFill>
               </a:rPr>
-              <a:t> </a:t>
-            </a:r>
-            <a:r>
-              <a:rPr lang="en-US" sz="1600" dirty="0" smtClean="0">
+              <a:t>Studyman Buddyson</a:t>
+            </a:r>
+            <a:endParaRPr lang="en-US" sz="1200" dirty="0">
+              <a:solidFill>
+                <a:schemeClr val="bg1">
+                  <a:lumMod val="50000"/>
+                </a:schemeClr>
+              </a:solidFill>
+            </a:endParaRPr>
+          </a:p>
+        </p:txBody>
+      </p:sp>
+      <p:sp>
+        <p:nvSpPr>
+          <p:cNvPr id="59" name="TextBox 58"/>
+          <p:cNvSpPr txBox="1"/>
+          <p:nvPr/>
+        </p:nvSpPr>
+        <p:spPr>
+          <a:xfrm>
+            <a:off x="346611" y="2969976"/>
+            <a:ext cx="2206089" cy="1708160"/>
+          </a:xfrm>
+          <a:prstGeom prst="rect">
+            <a:avLst/>
+          </a:prstGeom>
+          <a:noFill/>
+        </p:spPr>
+        <p:txBody>
+          <a:bodyPr wrap="square" rtlCol="0">
+            <a:spAutoFit/>
+          </a:bodyPr>
+          <a:lstStyle/>
+          <a:p>
+            <a:r>
+              <a:rPr lang="en-US" sz="1050" dirty="0" smtClean="0">
+                <a:latin typeface="Avenir Light"/>
+                <a:cs typeface="Avenir Light"/>
+              </a:rPr>
+              <a:t>This is some content where Studyman Buddyson is explaining how stuck he is on this crazy dynamic programming problem. He skipped lecture too, so he’s completely screwed. Silly Studyman Buddyson. Good thing we’re making StudyBuddy, so he doesn’t have to face that monster homework alone.</a:t>
+            </a:r>
+            <a:endParaRPr lang="en-US" sz="1050" dirty="0">
+              <a:latin typeface="Avenir Light"/>
+              <a:cs typeface="Avenir Light"/>
+            </a:endParaRPr>
+          </a:p>
+        </p:txBody>
+      </p:sp>
+      <p:pic>
+        <p:nvPicPr>
+          <p:cNvPr id="60" name="Picture 59"/>
+          <p:cNvPicPr>
+            <a:picLocks noChangeAspect="1"/>
+          </p:cNvPicPr>
+          <p:nvPr/>
+        </p:nvPicPr>
+        <p:blipFill>
+          <a:blip r:embed="rId2" cstate="screen">
+            <a:extLst>
+              <a:ext uri="{28A0092B-C50C-407E-A947-70E740481C1C}">
+                <a14:useLocalDpi xmlns:a14="http://schemas.microsoft.com/office/drawing/2010/main"/>
+              </a:ext>
+            </a:extLst>
+          </a:blip>
+          <a:stretch>
+            <a:fillRect/>
+          </a:stretch>
+        </p:blipFill>
+        <p:spPr>
+          <a:xfrm>
+            <a:off x="346611" y="4736715"/>
+            <a:ext cx="143934" cy="143934"/>
+          </a:xfrm>
+          <a:prstGeom prst="rect">
+            <a:avLst/>
+          </a:prstGeom>
+        </p:spPr>
+      </p:pic>
+      <p:sp>
+        <p:nvSpPr>
+          <p:cNvPr id="61" name="TextBox 60"/>
+          <p:cNvSpPr txBox="1"/>
+          <p:nvPr/>
+        </p:nvSpPr>
+        <p:spPr>
+          <a:xfrm>
+            <a:off x="490538" y="4678136"/>
+            <a:ext cx="786436" cy="261610"/>
+          </a:xfrm>
+          <a:prstGeom prst="rect">
+            <a:avLst/>
+          </a:prstGeom>
+          <a:noFill/>
+        </p:spPr>
+        <p:txBody>
+          <a:bodyPr wrap="none" rtlCol="0">
+            <a:spAutoFit/>
+          </a:bodyPr>
+          <a:lstStyle/>
+          <a:p>
+            <a:r>
+              <a:rPr lang="en-US" sz="1050" dirty="0" smtClean="0">
                 <a:solidFill>
                   <a:srgbClr val="7F7F7F"/>
                 </a:solidFill>
                 <a:latin typeface="Avenir Light"/>
                 <a:cs typeface="Avenir Light"/>
               </a:rPr>
-              <a:t>Class</a:t>
-            </a:r>
-            <a:endParaRPr lang="en-US" sz="1600" dirty="0">
+              <a:t>EECS 281</a:t>
+            </a:r>
+            <a:endParaRPr lang="en-US" sz="1050" dirty="0">
               <a:solidFill>
                 <a:srgbClr val="7F7F7F"/>
               </a:solidFill>
@@ -12331,120 +11826,69 @@
           </a:p>
         </p:txBody>
       </p:sp>
-      <p:sp>
-        <p:nvSpPr>
-          <p:cNvPr id="29" name="Isosceles Triangle 28"/>
-          <p:cNvSpPr/>
-          <p:nvPr/>
-        </p:nvSpPr>
-        <p:spPr>
-          <a:xfrm rot="10800000">
-            <a:off x="1489614" y="2478277"/>
-            <a:ext cx="177800" cy="90833"/>
-          </a:xfrm>
-          <a:prstGeom prst="triangle">
-            <a:avLst/>
-          </a:prstGeom>
-          <a:solidFill>
-            <a:schemeClr val="bg1">
-              <a:lumMod val="50000"/>
-            </a:schemeClr>
-          </a:solidFill>
-          <a:ln>
-            <a:solidFill>
-              <a:srgbClr val="7F7F7F"/>
-            </a:solidFill>
-          </a:ln>
-          <a:effectLst/>
-        </p:spPr>
-        <p:style>
-          <a:lnRef idx="1">
-            <a:schemeClr val="accent1"/>
-          </a:lnRef>
-          <a:fillRef idx="3">
-            <a:schemeClr val="accent1"/>
-          </a:fillRef>
-          <a:effectRef idx="2">
-            <a:schemeClr val="accent1"/>
-          </a:effectRef>
-          <a:fontRef idx="minor">
-            <a:schemeClr val="lt1"/>
-          </a:fontRef>
-        </p:style>
-        <p:txBody>
-          <a:bodyPr rtlCol="0" anchor="ctr"/>
-          <a:lstStyle/>
-          <a:p>
-            <a:pPr algn="ctr"/>
-            <a:endParaRPr lang="en-US"/>
-          </a:p>
-        </p:txBody>
-      </p:sp>
-      <p:sp>
-        <p:nvSpPr>
-          <p:cNvPr id="30" name="Rectangle 29"/>
-          <p:cNvSpPr/>
-          <p:nvPr/>
-        </p:nvSpPr>
-        <p:spPr>
-          <a:xfrm>
-            <a:off x="372014" y="2798233"/>
-            <a:ext cx="1371600" cy="284001"/>
-          </a:xfrm>
-          <a:prstGeom prst="rect">
-            <a:avLst/>
-          </a:prstGeom>
-          <a:solidFill>
-            <a:schemeClr val="bg1">
-              <a:lumMod val="85000"/>
-            </a:schemeClr>
-          </a:solidFill>
-          <a:ln>
-            <a:solidFill>
-              <a:schemeClr val="bg1">
-                <a:lumMod val="50000"/>
-              </a:schemeClr>
-            </a:solidFill>
-          </a:ln>
-          <a:effectLst/>
-        </p:spPr>
-        <p:style>
-          <a:lnRef idx="1">
-            <a:schemeClr val="accent1"/>
-          </a:lnRef>
-          <a:fillRef idx="3">
-            <a:schemeClr val="accent1"/>
-          </a:fillRef>
-          <a:effectRef idx="2">
-            <a:schemeClr val="accent1"/>
-          </a:effectRef>
-          <a:fontRef idx="minor">
-            <a:schemeClr val="lt1"/>
-          </a:fontRef>
-        </p:style>
-        <p:txBody>
-          <a:bodyPr rtlCol="0" anchor="ctr"/>
-          <a:lstStyle/>
-          <a:p>
-            <a:r>
-              <a:rPr lang="en-US" sz="1600" dirty="0" smtClean="0">
-                <a:solidFill>
-                  <a:srgbClr val="7F7F7F"/>
-                </a:solidFill>
-              </a:rPr>
-              <a:t> </a:t>
-            </a:r>
-            <a:r>
-              <a:rPr lang="en-US" sz="1600" dirty="0" smtClean="0">
+      <p:pic>
+        <p:nvPicPr>
+          <p:cNvPr id="62" name="Picture 61"/>
+          <p:cNvPicPr>
+            <a:picLocks noChangeAspect="1"/>
+          </p:cNvPicPr>
+          <p:nvPr/>
+        </p:nvPicPr>
+        <p:blipFill>
+          <a:blip r:embed="rId3" cstate="screen">
+            <a:extLst>
+              <a:ext uri="{28A0092B-C50C-407E-A947-70E740481C1C}">
+                <a14:useLocalDpi xmlns:a14="http://schemas.microsoft.com/office/drawing/2010/main"/>
+              </a:ext>
+            </a:extLst>
+          </a:blip>
+          <a:stretch>
+            <a:fillRect/>
+          </a:stretch>
+        </p:blipFill>
+        <p:spPr>
+          <a:xfrm>
+            <a:off x="2032726" y="4728251"/>
+            <a:ext cx="194733" cy="194733"/>
+          </a:xfrm>
+          <a:prstGeom prst="rect">
+            <a:avLst/>
+          </a:prstGeom>
+        </p:spPr>
+      </p:pic>
+      <p:sp>
+        <p:nvSpPr>
+          <p:cNvPr id="63" name="TextBox 62"/>
+          <p:cNvSpPr txBox="1"/>
+          <p:nvPr/>
+        </p:nvSpPr>
+        <p:spPr>
+          <a:xfrm>
+            <a:off x="2190327" y="4678136"/>
+            <a:ext cx="451273" cy="261610"/>
+          </a:xfrm>
+          <a:prstGeom prst="rect">
+            <a:avLst/>
+          </a:prstGeom>
+          <a:noFill/>
+        </p:spPr>
+        <p:txBody>
+          <a:bodyPr wrap="none" rtlCol="0">
+            <a:spAutoFit/>
+          </a:bodyPr>
+          <a:lstStyle/>
+          <a:p>
+            <a:r>
+              <a:rPr lang="en-US" sz="1100" dirty="0" smtClean="0">
                 <a:solidFill>
                   <a:srgbClr val="7F7F7F"/>
                 </a:solidFill>
                 <a:latin typeface="Avenir Light"/>
                 <a:cs typeface="Avenir Light"/>
               </a:rPr>
-              <a:t>Place</a:t>
-            </a:r>
-            <a:endParaRPr lang="en-US" sz="1600" dirty="0">
+              <a:t>BBB</a:t>
+            </a:r>
+            <a:endParaRPr lang="en-US" sz="1100" dirty="0">
               <a:solidFill>
                 <a:srgbClr val="7F7F7F"/>
               </a:solidFill>
@@ -12456,118 +11900,37 @@
       </p:sp>
       <p:sp>
         <p:nvSpPr>
-          <p:cNvPr id="31" name="Isosceles Triangle 30"/>
-          <p:cNvSpPr/>
-          <p:nvPr/>
-        </p:nvSpPr>
-        <p:spPr>
-          <a:xfrm rot="10800000">
-            <a:off x="1488121" y="2904278"/>
-            <a:ext cx="177800" cy="90833"/>
-          </a:xfrm>
-          <a:prstGeom prst="triangle">
-            <a:avLst/>
-          </a:prstGeom>
-          <a:solidFill>
-            <a:schemeClr val="bg1">
-              <a:lumMod val="50000"/>
-            </a:schemeClr>
-          </a:solidFill>
-          <a:ln>
-            <a:solidFill>
-              <a:srgbClr val="7F7F7F"/>
-            </a:solidFill>
-          </a:ln>
-          <a:effectLst/>
-        </p:spPr>
-        <p:style>
-          <a:lnRef idx="1">
-            <a:schemeClr val="accent1"/>
-          </a:lnRef>
-          <a:fillRef idx="3">
-            <a:schemeClr val="accent1"/>
-          </a:fillRef>
-          <a:effectRef idx="2">
-            <a:schemeClr val="accent1"/>
-          </a:effectRef>
-          <a:fontRef idx="minor">
-            <a:schemeClr val="lt1"/>
-          </a:fontRef>
-        </p:style>
-        <p:txBody>
-          <a:bodyPr rtlCol="0" anchor="ctr"/>
-          <a:lstStyle/>
-          <a:p>
-            <a:pPr algn="ctr"/>
-            <a:endParaRPr lang="en-US"/>
-          </a:p>
-        </p:txBody>
-      </p:sp>
-      <p:sp>
-        <p:nvSpPr>
-          <p:cNvPr id="32" name="Rectangle 31"/>
-          <p:cNvSpPr/>
-          <p:nvPr/>
-        </p:nvSpPr>
-        <p:spPr>
-          <a:xfrm>
-            <a:off x="372014" y="3230033"/>
-            <a:ext cx="1371600" cy="284001"/>
-          </a:xfrm>
-          <a:prstGeom prst="rect">
-            <a:avLst/>
-          </a:prstGeom>
-          <a:solidFill>
-            <a:schemeClr val="bg1">
-              <a:lumMod val="85000"/>
-            </a:schemeClr>
-          </a:solidFill>
-          <a:ln>
-            <a:solidFill>
-              <a:schemeClr val="bg1">
-                <a:lumMod val="50000"/>
-              </a:schemeClr>
-            </a:solidFill>
-          </a:ln>
-          <a:effectLst/>
-        </p:spPr>
-        <p:style>
-          <a:lnRef idx="1">
-            <a:schemeClr val="accent1"/>
-          </a:lnRef>
-          <a:fillRef idx="3">
-            <a:schemeClr val="accent1"/>
-          </a:fillRef>
-          <a:effectRef idx="2">
-            <a:schemeClr val="accent1"/>
-          </a:effectRef>
-          <a:fontRef idx="minor">
-            <a:schemeClr val="lt1"/>
-          </a:fontRef>
-        </p:style>
-        <p:txBody>
-          <a:bodyPr rtlCol="0" anchor="ctr"/>
-          <a:lstStyle/>
-          <a:p>
-            <a:r>
-              <a:rPr lang="en-US" sz="1600" dirty="0" smtClean="0">
-                <a:solidFill>
-                  <a:srgbClr val="7F7F7F"/>
-                </a:solidFill>
-              </a:rPr>
-              <a:t> </a:t>
-            </a:r>
-            <a:r>
-              <a:rPr lang="en-US" sz="1600" dirty="0" smtClean="0">
+          <p:cNvPr id="64" name="TextBox 63"/>
+          <p:cNvSpPr txBox="1"/>
+          <p:nvPr/>
+        </p:nvSpPr>
+        <p:spPr>
+          <a:xfrm>
+            <a:off x="380480" y="5050906"/>
+            <a:ext cx="2172220" cy="430887"/>
+          </a:xfrm>
+          <a:prstGeom prst="rect">
+            <a:avLst/>
+          </a:prstGeom>
+          <a:noFill/>
+        </p:spPr>
+        <p:txBody>
+          <a:bodyPr wrap="square" rtlCol="0">
+            <a:spAutoFit/>
+          </a:bodyPr>
+          <a:lstStyle/>
+          <a:p>
+            <a:r>
+              <a:rPr lang="en-US" sz="1050" dirty="0" smtClean="0">
                 <a:solidFill>
                   <a:srgbClr val="7F7F7F"/>
                 </a:solidFill>
                 <a:latin typeface="Avenir Light"/>
                 <a:cs typeface="Avenir Light"/>
               </a:rPr>
-              <a:t>Limit To</a:t>
-            </a:r>
-            <a:endParaRPr lang="en-US" sz="1600" dirty="0">
+              <a:t>4 people are following | Posted 15 minutes ago |</a:t>
+            </a:r>
+            <a:endParaRPr lang="en-US" sz="1050" dirty="0">
               <a:solidFill>
                 <a:srgbClr val="7F7F7F"/>
               </a:solidFill>
@@ -12579,63 +11942,14 @@
       </p:sp>
       <p:sp>
         <p:nvSpPr>
-          <p:cNvPr id="33" name="Isosceles Triangle 32"/>
+          <p:cNvPr id="65" name="Rounded Rectangle 64"/>
           <p:cNvSpPr/>
           <p:nvPr/>
         </p:nvSpPr>
         <p:spPr>
-          <a:xfrm rot="10800000">
-            <a:off x="1489613" y="3334301"/>
-            <a:ext cx="177800" cy="90833"/>
-          </a:xfrm>
-          <a:prstGeom prst="triangle">
-            <a:avLst/>
-          </a:prstGeom>
-          <a:solidFill>
-            <a:schemeClr val="bg1">
-              <a:lumMod val="50000"/>
-            </a:schemeClr>
-          </a:solidFill>
-          <a:ln>
-            <a:solidFill>
-              <a:srgbClr val="7F7F7F"/>
-            </a:solidFill>
-          </a:ln>
-          <a:effectLst/>
-        </p:spPr>
-        <p:style>
-          <a:lnRef idx="1">
-            <a:schemeClr val="accent1"/>
-          </a:lnRef>
-          <a:fillRef idx="3">
-            <a:schemeClr val="accent1"/>
-          </a:fillRef>
-          <a:effectRef idx="2">
-            <a:schemeClr val="accent1"/>
-          </a:effectRef>
-          <a:fontRef idx="minor">
-            <a:schemeClr val="lt1"/>
-          </a:fontRef>
-        </p:style>
-        <p:txBody>
-          <a:bodyPr rtlCol="0" anchor="ctr"/>
-          <a:lstStyle/>
-          <a:p>
-            <a:pPr algn="ctr"/>
-            <a:endParaRPr lang="en-US"/>
-          </a:p>
-        </p:txBody>
-      </p:sp>
-      <p:sp>
-        <p:nvSpPr>
-          <p:cNvPr id="34" name="Rounded Rectangle 33"/>
-          <p:cNvSpPr/>
-          <p:nvPr/>
-        </p:nvSpPr>
-        <p:spPr>
-          <a:xfrm>
-            <a:off x="354558" y="3617411"/>
-            <a:ext cx="694267" cy="310350"/>
+          <a:xfrm>
+            <a:off x="1947333" y="5420469"/>
+            <a:ext cx="694267" cy="237754"/>
           </a:xfrm>
           <a:prstGeom prst="roundRect">
             <a:avLst/>
@@ -12670,17 +11984,150 @@
           <a:p>
             <a:pPr algn="ctr"/>
             <a:r>
-              <a:rPr lang="en-US" sz="1200" b="1" dirty="0" smtClean="0"/>
-              <a:t>POST</a:t>
-            </a:r>
-            <a:endParaRPr lang="en-US" sz="1200" b="1" dirty="0"/>
+              <a:rPr lang="en-US" sz="1200" dirty="0" smtClean="0"/>
+              <a:t>+ Join!</a:t>
+            </a:r>
+            <a:endParaRPr lang="en-US" sz="1200" dirty="0"/>
+          </a:p>
+        </p:txBody>
+      </p:sp>
+      <p:sp>
+        <p:nvSpPr>
+          <p:cNvPr id="55" name="Rectangle 54"/>
+          <p:cNvSpPr/>
+          <p:nvPr/>
+        </p:nvSpPr>
+        <p:spPr>
+          <a:xfrm>
+            <a:off x="2946400" y="-286409"/>
+            <a:ext cx="6248400" cy="7454900"/>
+          </a:xfrm>
+          <a:prstGeom prst="rect">
+            <a:avLst/>
+          </a:prstGeom>
+          <a:solidFill>
+            <a:schemeClr val="tx1"/>
+          </a:solidFill>
+          <a:ln>
+            <a:noFill/>
+          </a:ln>
+          <a:effectLst/>
+        </p:spPr>
+        <p:style>
+          <a:lnRef idx="1">
+            <a:schemeClr val="accent1"/>
+          </a:lnRef>
+          <a:fillRef idx="3">
+            <a:schemeClr val="accent1"/>
+          </a:fillRef>
+          <a:effectRef idx="2">
+            <a:schemeClr val="accent1"/>
+          </a:effectRef>
+          <a:fontRef idx="minor">
+            <a:schemeClr val="lt1"/>
+          </a:fontRef>
+        </p:style>
+        <p:txBody>
+          <a:bodyPr rtlCol="0" anchor="ctr"/>
+          <a:lstStyle/>
+          <a:p>
+            <a:pPr algn="ctr"/>
+            <a:endParaRPr lang="en-US"/>
+          </a:p>
+        </p:txBody>
+      </p:sp>
+      <p:pic>
+        <p:nvPicPr>
+          <p:cNvPr id="67" name="Picture 66"/>
+          <p:cNvPicPr>
+            <a:picLocks noChangeAspect="1"/>
+          </p:cNvPicPr>
+          <p:nvPr/>
+        </p:nvPicPr>
+        <p:blipFill>
+          <a:blip r:embed="rId4"/>
+          <a:stretch>
+            <a:fillRect/>
+          </a:stretch>
+        </p:blipFill>
+        <p:spPr>
+          <a:xfrm>
+            <a:off x="32516" y="92966"/>
+            <a:ext cx="458029" cy="400775"/>
+          </a:xfrm>
+          <a:prstGeom prst="rect">
+            <a:avLst/>
+          </a:prstGeom>
+        </p:spPr>
+      </p:pic>
+      <p:sp>
+        <p:nvSpPr>
+          <p:cNvPr id="22" name="Line Callout 1 21"/>
+          <p:cNvSpPr/>
+          <p:nvPr/>
+        </p:nvSpPr>
+        <p:spPr>
+          <a:xfrm>
+            <a:off x="1276974" y="2413659"/>
+            <a:ext cx="1706673" cy="1112632"/>
+          </a:xfrm>
+          <a:prstGeom prst="borderCallout1">
+            <a:avLst>
+              <a:gd name="adj1" fmla="val 46928"/>
+              <a:gd name="adj2" fmla="val -833"/>
+              <a:gd name="adj3" fmla="val -181641"/>
+              <a:gd name="adj4" fmla="val -17091"/>
+            </a:avLst>
+          </a:prstGeom>
+          <a:solidFill>
+            <a:schemeClr val="bg1"/>
+          </a:solidFill>
+          <a:ln>
+            <a:solidFill>
+              <a:schemeClr val="tx1"/>
+            </a:solidFill>
+          </a:ln>
+          <a:effectLst/>
+        </p:spPr>
+        <p:style>
+          <a:lnRef idx="1">
+            <a:schemeClr val="accent1"/>
+          </a:lnRef>
+          <a:fillRef idx="3">
+            <a:schemeClr val="accent1"/>
+          </a:fillRef>
+          <a:effectRef idx="2">
+            <a:schemeClr val="accent1"/>
+          </a:effectRef>
+          <a:fontRef idx="minor">
+            <a:schemeClr val="lt1"/>
+          </a:fontRef>
+        </p:style>
+        <p:txBody>
+          <a:bodyPr rtlCol="0" anchor="ctr"/>
+          <a:lstStyle/>
+          <a:p>
+            <a:pPr algn="ctr"/>
+            <a:r>
+              <a:rPr lang="en-US" sz="1400" dirty="0" smtClean="0">
+                <a:solidFill>
+                  <a:srgbClr val="7F7F7F"/>
+                </a:solidFill>
+              </a:rPr>
+              <a:t>Brand disappears when searching</a:t>
+            </a:r>
+            <a:endParaRPr lang="en-US" sz="1400" dirty="0">
+              <a:solidFill>
+                <a:srgbClr val="7F7F7F"/>
+              </a:solidFill>
+            </a:endParaRPr>
           </a:p>
         </p:txBody>
       </p:sp>
     </p:spTree>
     <p:extLst>
       <p:ext uri="{BB962C8B-B14F-4D97-AF65-F5344CB8AC3E}">
-        <p14:creationId xmlns:p14="http://schemas.microsoft.com/office/powerpoint/2010/main" val="213462864"/>
+        <p14:creationId xmlns:p14="http://schemas.microsoft.com/office/powerpoint/2010/main" val="1424283927"/>
       </p:ext>
     </p:extLst>
   </p:cSld>
@@ -14113,6 +13560,1442 @@
           </a:p>
         </p:txBody>
       </p:sp>
+    </p:spTree>
+    <p:extLst>
+      <p:ext uri="{BB962C8B-B14F-4D97-AF65-F5344CB8AC3E}">
+        <p14:creationId xmlns:p14="http://schemas.microsoft.com/office/powerpoint/2010/main" val="213462864"/>
+      </p:ext>
+    </p:extLst>
+  </p:cSld>
+  <p:clrMapOvr>
+    <a:masterClrMapping/>
+  </p:clrMapOvr>
+  <p:timing>
+    <p:tnLst>
+      <p:par>
+        <p:cTn xmlns:p14="http://schemas.microsoft.com/office/powerpoint/2010/main" id="1" dur="indefinite" restart="never" nodeType="tmRoot"/>
+      </p:par>
+    </p:tnLst>
+  </p:timing>
+</p:sld>
+</file>
+
+<file path=ppt/slides/slide17.xml><?xml version="1.0" encoding="utf-8"?>
+<p:sld xmlns:a="http://schemas.openxmlformats.org/drawingml/2006/main" xmlns:r="http://schemas.openxmlformats.org/officeDocument/2006/relationships" xmlns:p="http://schemas.openxmlformats.org/presentationml/2006/main">
+  <p:cSld>
+    <p:spTree>
+      <p:nvGrpSpPr>
+        <p:cNvPr id="1" name=""/>
+        <p:cNvGrpSpPr/>
+        <p:nvPr/>
+      </p:nvGrpSpPr>
+      <p:grpSpPr>
+        <a:xfrm>
+          <a:off x="0" y="0"/>
+          <a:ext cx="0" cy="0"/>
+          <a:chOff x="0" y="0"/>
+          <a:chExt cx="0" cy="0"/>
+        </a:xfrm>
+      </p:grpSpPr>
+      <p:sp>
+        <p:nvSpPr>
+          <p:cNvPr id="4" name="Rectangle 3"/>
+          <p:cNvSpPr/>
+          <p:nvPr/>
+        </p:nvSpPr>
+        <p:spPr>
+          <a:xfrm>
+            <a:off x="0" y="0"/>
+            <a:ext cx="9144000" cy="592667"/>
+          </a:xfrm>
+          <a:prstGeom prst="rect">
+            <a:avLst/>
+          </a:prstGeom>
+          <a:solidFill>
+            <a:schemeClr val="accent3">
+              <a:lumMod val="75000"/>
+            </a:schemeClr>
+          </a:solidFill>
+          <a:ln>
+            <a:noFill/>
+          </a:ln>
+          <a:effectLst/>
+        </p:spPr>
+        <p:style>
+          <a:lnRef idx="1">
+            <a:schemeClr val="accent1"/>
+          </a:lnRef>
+          <a:fillRef idx="3">
+            <a:schemeClr val="accent1"/>
+          </a:fillRef>
+          <a:effectRef idx="2">
+            <a:schemeClr val="accent1"/>
+          </a:effectRef>
+          <a:fontRef idx="minor">
+            <a:schemeClr val="lt1"/>
+          </a:fontRef>
+        </p:style>
+        <p:txBody>
+          <a:bodyPr rtlCol="0" anchor="ctr"/>
+          <a:lstStyle/>
+          <a:p>
+            <a:pPr algn="ctr"/>
+            <a:endParaRPr lang="en-US"/>
+          </a:p>
+        </p:txBody>
+      </p:sp>
+      <p:sp>
+        <p:nvSpPr>
+          <p:cNvPr id="7" name="TextBox 6"/>
+          <p:cNvSpPr txBox="1"/>
+          <p:nvPr/>
+        </p:nvSpPr>
+        <p:spPr>
+          <a:xfrm>
+            <a:off x="1121826" y="114292"/>
+            <a:ext cx="1519774" cy="369332"/>
+          </a:xfrm>
+          <a:prstGeom prst="rect">
+            <a:avLst/>
+          </a:prstGeom>
+          <a:noFill/>
+        </p:spPr>
+        <p:txBody>
+          <a:bodyPr wrap="square" rtlCol="0">
+            <a:spAutoFit/>
+          </a:bodyPr>
+          <a:lstStyle/>
+          <a:p>
+            <a:r>
+              <a:rPr lang="en-US" dirty="0" smtClean="0">
+                <a:solidFill>
+                  <a:schemeClr val="bg1">
+                    <a:lumMod val="95000"/>
+                  </a:schemeClr>
+                </a:solidFill>
+                <a:latin typeface="Avenir Next Regular"/>
+                <a:cs typeface="Avenir Next Regular"/>
+              </a:rPr>
+              <a:t>Search</a:t>
+            </a:r>
+            <a:endParaRPr lang="en-US" dirty="0">
+              <a:solidFill>
+                <a:schemeClr val="bg1">
+                  <a:lumMod val="95000"/>
+                </a:schemeClr>
+              </a:solidFill>
+              <a:latin typeface="Avenir Next Regular"/>
+              <a:cs typeface="Avenir Next Regular"/>
+            </a:endParaRPr>
+          </a:p>
+        </p:txBody>
+      </p:sp>
+      <p:sp>
+        <p:nvSpPr>
+          <p:cNvPr id="8" name="Pentagon 7"/>
+          <p:cNvSpPr/>
+          <p:nvPr/>
+        </p:nvSpPr>
+        <p:spPr>
+          <a:xfrm>
+            <a:off x="2370667" y="160866"/>
+            <a:ext cx="372533" cy="225391"/>
+          </a:xfrm>
+          <a:prstGeom prst="homePlate">
+            <a:avLst/>
+          </a:prstGeom>
+          <a:solidFill>
+            <a:schemeClr val="bg1">
+              <a:lumMod val="95000"/>
+            </a:schemeClr>
+          </a:solidFill>
+          <a:ln>
+            <a:noFill/>
+          </a:ln>
+          <a:effectLst/>
+        </p:spPr>
+        <p:style>
+          <a:lnRef idx="1">
+            <a:schemeClr val="accent1"/>
+          </a:lnRef>
+          <a:fillRef idx="3">
+            <a:schemeClr val="accent1"/>
+          </a:fillRef>
+          <a:effectRef idx="2">
+            <a:schemeClr val="accent1"/>
+          </a:effectRef>
+          <a:fontRef idx="minor">
+            <a:schemeClr val="lt1"/>
+          </a:fontRef>
+        </p:style>
+        <p:txBody>
+          <a:bodyPr rtlCol="0" anchor="ctr"/>
+          <a:lstStyle/>
+          <a:p>
+            <a:pPr algn="ctr"/>
+            <a:endParaRPr lang="en-US"/>
+          </a:p>
+        </p:txBody>
+      </p:sp>
+      <p:cxnSp>
+        <p:nvCxnSpPr>
+          <p:cNvPr id="54" name="Straight Connector 53"/>
+          <p:cNvCxnSpPr/>
+          <p:nvPr/>
+        </p:nvCxnSpPr>
+        <p:spPr>
+          <a:xfrm>
+            <a:off x="143411" y="4246031"/>
+            <a:ext cx="2532056" cy="0"/>
+          </a:xfrm>
+          <a:prstGeom prst="line">
+            <a:avLst/>
+          </a:prstGeom>
+          <a:ln w="9525" cmpd="sng">
+            <a:solidFill>
+              <a:schemeClr val="tx1">
+                <a:lumMod val="50000"/>
+                <a:lumOff val="50000"/>
+              </a:schemeClr>
+            </a:solidFill>
+          </a:ln>
+          <a:effectLst/>
+        </p:spPr>
+        <p:style>
+          <a:lnRef idx="2">
+            <a:schemeClr val="accent1"/>
+          </a:lnRef>
+          <a:fillRef idx="0">
+            <a:schemeClr val="accent1"/>
+          </a:fillRef>
+          <a:effectRef idx="1">
+            <a:schemeClr val="accent1"/>
+          </a:effectRef>
+          <a:fontRef idx="minor">
+            <a:schemeClr val="tx1"/>
+          </a:fontRef>
+        </p:style>
+      </p:cxnSp>
+      <p:sp>
+        <p:nvSpPr>
+          <p:cNvPr id="56" name="Rectangle 55"/>
+          <p:cNvSpPr/>
+          <p:nvPr/>
+        </p:nvSpPr>
+        <p:spPr>
+          <a:xfrm>
+            <a:off x="211144" y="4356100"/>
+            <a:ext cx="2532056" cy="3598334"/>
+          </a:xfrm>
+          <a:prstGeom prst="rect">
+            <a:avLst/>
+          </a:prstGeom>
+          <a:solidFill>
+            <a:schemeClr val="bg1">
+              <a:lumMod val="95000"/>
+            </a:schemeClr>
+          </a:solidFill>
+          <a:ln>
+            <a:noFill/>
+          </a:ln>
+          <a:effectLst>
+            <a:outerShdw blurRad="50800" dist="38100" dir="5400000" algn="t" rotWithShape="0">
+              <a:prstClr val="black">
+                <a:alpha val="40000"/>
+              </a:prstClr>
+            </a:outerShdw>
+          </a:effectLst>
+        </p:spPr>
+        <p:style>
+          <a:lnRef idx="1">
+            <a:schemeClr val="accent1"/>
+          </a:lnRef>
+          <a:fillRef idx="3">
+            <a:schemeClr val="accent1"/>
+          </a:fillRef>
+          <a:effectRef idx="2">
+            <a:schemeClr val="accent1"/>
+          </a:effectRef>
+          <a:fontRef idx="minor">
+            <a:schemeClr val="lt1"/>
+          </a:fontRef>
+        </p:style>
+        <p:txBody>
+          <a:bodyPr rtlCol="0" anchor="ctr"/>
+          <a:lstStyle/>
+          <a:p>
+            <a:pPr algn="ctr"/>
+            <a:endParaRPr lang="en-US">
+              <a:solidFill>
+                <a:schemeClr val="bg1">
+                  <a:lumMod val="95000"/>
+                </a:schemeClr>
+              </a:solidFill>
+            </a:endParaRPr>
+          </a:p>
+        </p:txBody>
+      </p:sp>
+      <p:sp>
+        <p:nvSpPr>
+          <p:cNvPr id="57" name="TextBox 56"/>
+          <p:cNvSpPr txBox="1"/>
+          <p:nvPr/>
+        </p:nvSpPr>
+        <p:spPr>
+          <a:xfrm>
+            <a:off x="211145" y="4356100"/>
+            <a:ext cx="2532056" cy="584776"/>
+          </a:xfrm>
+          <a:prstGeom prst="rect">
+            <a:avLst/>
+          </a:prstGeom>
+          <a:noFill/>
+        </p:spPr>
+        <p:txBody>
+          <a:bodyPr wrap="square" rtlCol="0">
+            <a:spAutoFit/>
+          </a:bodyPr>
+          <a:lstStyle/>
+          <a:p>
+            <a:r>
+              <a:rPr lang="en-US" sz="1600" dirty="0" smtClean="0">
+                <a:latin typeface="Avenir Medium"/>
+                <a:cs typeface="Avenir Medium"/>
+              </a:rPr>
+              <a:t>Stuck on Dynamic Programming</a:t>
+            </a:r>
+            <a:endParaRPr lang="en-US" sz="1600" dirty="0">
+              <a:latin typeface="Avenir Medium"/>
+              <a:cs typeface="Avenir Medium"/>
+            </a:endParaRPr>
+          </a:p>
+        </p:txBody>
+      </p:sp>
+      <p:sp>
+        <p:nvSpPr>
+          <p:cNvPr id="58" name="TextBox 57"/>
+          <p:cNvSpPr txBox="1"/>
+          <p:nvPr/>
+        </p:nvSpPr>
+        <p:spPr>
+          <a:xfrm>
+            <a:off x="211144" y="4864676"/>
+            <a:ext cx="1468671" cy="276999"/>
+          </a:xfrm>
+          <a:prstGeom prst="rect">
+            <a:avLst/>
+          </a:prstGeom>
+          <a:noFill/>
+        </p:spPr>
+        <p:txBody>
+          <a:bodyPr wrap="none" rtlCol="0">
+            <a:spAutoFit/>
+          </a:bodyPr>
+          <a:lstStyle/>
+          <a:p>
+            <a:r>
+              <a:rPr lang="en-US" sz="1200" dirty="0" smtClean="0">
+                <a:solidFill>
+                  <a:schemeClr val="bg1">
+                    <a:lumMod val="50000"/>
+                  </a:schemeClr>
+                </a:solidFill>
+              </a:rPr>
+              <a:t>Studyman Buddyson</a:t>
+            </a:r>
+            <a:endParaRPr lang="en-US" sz="1200" dirty="0">
+              <a:solidFill>
+                <a:schemeClr val="bg1">
+                  <a:lumMod val="50000"/>
+                </a:schemeClr>
+              </a:solidFill>
+            </a:endParaRPr>
+          </a:p>
+        </p:txBody>
+      </p:sp>
+      <p:sp>
+        <p:nvSpPr>
+          <p:cNvPr id="59" name="TextBox 58"/>
+          <p:cNvSpPr txBox="1"/>
+          <p:nvPr/>
+        </p:nvSpPr>
+        <p:spPr>
+          <a:xfrm>
+            <a:off x="346611" y="5141676"/>
+            <a:ext cx="2206089" cy="1708160"/>
+          </a:xfrm>
+          <a:prstGeom prst="rect">
+            <a:avLst/>
+          </a:prstGeom>
+          <a:noFill/>
+        </p:spPr>
+        <p:txBody>
+          <a:bodyPr wrap="square" rtlCol="0">
+            <a:spAutoFit/>
+          </a:bodyPr>
+          <a:lstStyle/>
+          <a:p>
+            <a:r>
+              <a:rPr lang="en-US" sz="1050" dirty="0" smtClean="0">
+                <a:latin typeface="Avenir Light"/>
+                <a:cs typeface="Avenir Light"/>
+              </a:rPr>
+              <a:t>This is some content where Studyman Buddyson is explaining how stuck he is on this crazy dynamic programming problem. He skipped lecture too, so he’s completely screwed. Silly Studyman Buddyson. Good thing we’re making StudyBuddy, so he doesn’t have to face that monster homework alone.</a:t>
+            </a:r>
+            <a:endParaRPr lang="en-US" sz="1050" dirty="0">
+              <a:latin typeface="Avenir Light"/>
+              <a:cs typeface="Avenir Light"/>
+            </a:endParaRPr>
+          </a:p>
+        </p:txBody>
+      </p:sp>
+      <p:pic>
+        <p:nvPicPr>
+          <p:cNvPr id="60" name="Picture 59"/>
+          <p:cNvPicPr>
+            <a:picLocks noChangeAspect="1"/>
+          </p:cNvPicPr>
+          <p:nvPr/>
+        </p:nvPicPr>
+        <p:blipFill>
+          <a:blip r:embed="rId2" cstate="screen">
+            <a:extLst>
+              <a:ext uri="{28A0092B-C50C-407E-A947-70E740481C1C}">
+                <a14:useLocalDpi xmlns:a14="http://schemas.microsoft.com/office/drawing/2010/main"/>
+              </a:ext>
+            </a:extLst>
+          </a:blip>
+          <a:stretch>
+            <a:fillRect/>
+          </a:stretch>
+        </p:blipFill>
+        <p:spPr>
+          <a:xfrm>
+            <a:off x="346611" y="6908415"/>
+            <a:ext cx="143934" cy="143934"/>
+          </a:xfrm>
+          <a:prstGeom prst="rect">
+            <a:avLst/>
+          </a:prstGeom>
+        </p:spPr>
+      </p:pic>
+      <p:sp>
+        <p:nvSpPr>
+          <p:cNvPr id="61" name="TextBox 60"/>
+          <p:cNvSpPr txBox="1"/>
+          <p:nvPr/>
+        </p:nvSpPr>
+        <p:spPr>
+          <a:xfrm>
+            <a:off x="490538" y="6849836"/>
+            <a:ext cx="786436" cy="261610"/>
+          </a:xfrm>
+          <a:prstGeom prst="rect">
+            <a:avLst/>
+          </a:prstGeom>
+          <a:noFill/>
+        </p:spPr>
+        <p:txBody>
+          <a:bodyPr wrap="none" rtlCol="0">
+            <a:spAutoFit/>
+          </a:bodyPr>
+          <a:lstStyle/>
+          <a:p>
+            <a:r>
+              <a:rPr lang="en-US" sz="1050" dirty="0" smtClean="0">
+                <a:solidFill>
+                  <a:srgbClr val="7F7F7F"/>
+                </a:solidFill>
+                <a:latin typeface="Avenir Light"/>
+                <a:cs typeface="Avenir Light"/>
+              </a:rPr>
+              <a:t>EECS 281</a:t>
+            </a:r>
+            <a:endParaRPr lang="en-US" sz="1050" dirty="0">
+              <a:solidFill>
+                <a:srgbClr val="7F7F7F"/>
+              </a:solidFill>
+              <a:latin typeface="Avenir Light"/>
+              <a:cs typeface="Avenir Light"/>
+            </a:endParaRPr>
+          </a:p>
+        </p:txBody>
+      </p:sp>
+      <p:pic>
+        <p:nvPicPr>
+          <p:cNvPr id="62" name="Picture 61"/>
+          <p:cNvPicPr>
+            <a:picLocks noChangeAspect="1"/>
+          </p:cNvPicPr>
+          <p:nvPr/>
+        </p:nvPicPr>
+        <p:blipFill>
+          <a:blip r:embed="rId3" cstate="screen">
+            <a:extLst>
+              <a:ext uri="{28A0092B-C50C-407E-A947-70E740481C1C}">
+                <a14:useLocalDpi xmlns:a14="http://schemas.microsoft.com/office/drawing/2010/main"/>
+              </a:ext>
+            </a:extLst>
+          </a:blip>
+          <a:stretch>
+            <a:fillRect/>
+          </a:stretch>
+        </p:blipFill>
+        <p:spPr>
+          <a:xfrm>
+            <a:off x="2032726" y="6899951"/>
+            <a:ext cx="194733" cy="194733"/>
+          </a:xfrm>
+          <a:prstGeom prst="rect">
+            <a:avLst/>
+          </a:prstGeom>
+        </p:spPr>
+      </p:pic>
+      <p:sp>
+        <p:nvSpPr>
+          <p:cNvPr id="63" name="TextBox 62"/>
+          <p:cNvSpPr txBox="1"/>
+          <p:nvPr/>
+        </p:nvSpPr>
+        <p:spPr>
+          <a:xfrm>
+            <a:off x="2190327" y="6849836"/>
+            <a:ext cx="451273" cy="261610"/>
+          </a:xfrm>
+          <a:prstGeom prst="rect">
+            <a:avLst/>
+          </a:prstGeom>
+          <a:noFill/>
+        </p:spPr>
+        <p:txBody>
+          <a:bodyPr wrap="none" rtlCol="0">
+            <a:spAutoFit/>
+          </a:bodyPr>
+          <a:lstStyle/>
+          <a:p>
+            <a:r>
+              <a:rPr lang="en-US" sz="1100" dirty="0" smtClean="0">
+                <a:solidFill>
+                  <a:srgbClr val="7F7F7F"/>
+                </a:solidFill>
+                <a:latin typeface="Avenir Light"/>
+                <a:cs typeface="Avenir Light"/>
+              </a:rPr>
+              <a:t>BBB</a:t>
+            </a:r>
+            <a:endParaRPr lang="en-US" sz="1100" dirty="0">
+              <a:solidFill>
+                <a:srgbClr val="7F7F7F"/>
+              </a:solidFill>
+              <a:latin typeface="Avenir Light"/>
+              <a:cs typeface="Avenir Light"/>
+            </a:endParaRPr>
+          </a:p>
+        </p:txBody>
+      </p:sp>
+      <p:sp>
+        <p:nvSpPr>
+          <p:cNvPr id="64" name="TextBox 63"/>
+          <p:cNvSpPr txBox="1"/>
+          <p:nvPr/>
+        </p:nvSpPr>
+        <p:spPr>
+          <a:xfrm>
+            <a:off x="380480" y="7222606"/>
+            <a:ext cx="2172220" cy="430887"/>
+          </a:xfrm>
+          <a:prstGeom prst="rect">
+            <a:avLst/>
+          </a:prstGeom>
+          <a:noFill/>
+        </p:spPr>
+        <p:txBody>
+          <a:bodyPr wrap="square" rtlCol="0">
+            <a:spAutoFit/>
+          </a:bodyPr>
+          <a:lstStyle/>
+          <a:p>
+            <a:r>
+              <a:rPr lang="en-US" sz="1050" dirty="0" smtClean="0">
+                <a:solidFill>
+                  <a:srgbClr val="7F7F7F"/>
+                </a:solidFill>
+                <a:latin typeface="Avenir Light"/>
+                <a:cs typeface="Avenir Light"/>
+              </a:rPr>
+              <a:t>4 people are following | Posted 15 minutes ago |</a:t>
+            </a:r>
+            <a:endParaRPr lang="en-US" sz="1050" dirty="0">
+              <a:solidFill>
+                <a:srgbClr val="7F7F7F"/>
+              </a:solidFill>
+              <a:latin typeface="Avenir Light"/>
+              <a:cs typeface="Avenir Light"/>
+            </a:endParaRPr>
+          </a:p>
+        </p:txBody>
+      </p:sp>
+      <p:sp>
+        <p:nvSpPr>
+          <p:cNvPr id="65" name="Rounded Rectangle 64"/>
+          <p:cNvSpPr/>
+          <p:nvPr/>
+        </p:nvSpPr>
+        <p:spPr>
+          <a:xfrm>
+            <a:off x="1947333" y="7592169"/>
+            <a:ext cx="694267" cy="237754"/>
+          </a:xfrm>
+          <a:prstGeom prst="roundRect">
+            <a:avLst/>
+          </a:prstGeom>
+          <a:solidFill>
+            <a:schemeClr val="accent3">
+              <a:lumMod val="75000"/>
+            </a:schemeClr>
+          </a:solidFill>
+          <a:ln>
+            <a:noFill/>
+          </a:ln>
+          <a:effectLst/>
+        </p:spPr>
+        <p:style>
+          <a:lnRef idx="1">
+            <a:schemeClr val="accent1"/>
+          </a:lnRef>
+          <a:fillRef idx="3">
+            <a:schemeClr val="accent1"/>
+          </a:fillRef>
+          <a:effectRef idx="2">
+            <a:schemeClr val="accent1"/>
+          </a:effectRef>
+          <a:fontRef idx="minor">
+            <a:schemeClr val="lt1"/>
+          </a:fontRef>
+        </p:style>
+        <p:txBody>
+          <a:bodyPr rtlCol="0" anchor="ctr"/>
+          <a:lstStyle/>
+          <a:p>
+            <a:pPr algn="ctr"/>
+            <a:r>
+              <a:rPr lang="en-US" sz="1200" dirty="0" smtClean="0"/>
+              <a:t>+ Join!</a:t>
+            </a:r>
+            <a:endParaRPr lang="en-US" sz="1200" dirty="0"/>
+          </a:p>
+        </p:txBody>
+      </p:sp>
+      <p:pic>
+        <p:nvPicPr>
+          <p:cNvPr id="2" name="Picture 1" descr="icon2.png"/>
+          <p:cNvPicPr>
+            <a:picLocks noChangeAspect="1"/>
+          </p:cNvPicPr>
+          <p:nvPr/>
+        </p:nvPicPr>
+        <p:blipFill>
+          <a:blip r:embed="rId4">
+            <a:extLst>
+              <a:ext uri="{28A0092B-C50C-407E-A947-70E740481C1C}">
+                <a14:useLocalDpi xmlns:a14="http://schemas.microsoft.com/office/drawing/2010/main" val="0"/>
+              </a:ext>
+            </a:extLst>
+          </a:blip>
+          <a:stretch>
+            <a:fillRect/>
+          </a:stretch>
+        </p:blipFill>
+        <p:spPr>
+          <a:xfrm>
+            <a:off x="486826" y="-38100"/>
+            <a:ext cx="685800" cy="685800"/>
+          </a:xfrm>
+          <a:prstGeom prst="rect">
+            <a:avLst/>
+          </a:prstGeom>
+        </p:spPr>
+      </p:pic>
+      <p:sp>
+        <p:nvSpPr>
+          <p:cNvPr id="55" name="Rectangle 54"/>
+          <p:cNvSpPr/>
+          <p:nvPr/>
+        </p:nvSpPr>
+        <p:spPr>
+          <a:xfrm>
+            <a:off x="2946400" y="-286409"/>
+            <a:ext cx="6248400" cy="7454900"/>
+          </a:xfrm>
+          <a:prstGeom prst="rect">
+            <a:avLst/>
+          </a:prstGeom>
+          <a:solidFill>
+            <a:schemeClr val="tx1"/>
+          </a:solidFill>
+          <a:ln>
+            <a:noFill/>
+          </a:ln>
+          <a:effectLst/>
+        </p:spPr>
+        <p:style>
+          <a:lnRef idx="1">
+            <a:schemeClr val="accent1"/>
+          </a:lnRef>
+          <a:fillRef idx="3">
+            <a:schemeClr val="accent1"/>
+          </a:fillRef>
+          <a:effectRef idx="2">
+            <a:schemeClr val="accent1"/>
+          </a:effectRef>
+          <a:fontRef idx="minor">
+            <a:schemeClr val="lt1"/>
+          </a:fontRef>
+        </p:style>
+        <p:txBody>
+          <a:bodyPr rtlCol="0" anchor="ctr"/>
+          <a:lstStyle/>
+          <a:p>
+            <a:pPr algn="ctr"/>
+            <a:endParaRPr lang="en-US"/>
+          </a:p>
+        </p:txBody>
+      </p:sp>
+      <p:pic>
+        <p:nvPicPr>
+          <p:cNvPr id="67" name="Picture 66"/>
+          <p:cNvPicPr>
+            <a:picLocks noChangeAspect="1"/>
+          </p:cNvPicPr>
+          <p:nvPr/>
+        </p:nvPicPr>
+        <p:blipFill>
+          <a:blip r:embed="rId5"/>
+          <a:stretch>
+            <a:fillRect/>
+          </a:stretch>
+        </p:blipFill>
+        <p:spPr>
+          <a:xfrm>
+            <a:off x="32516" y="92966"/>
+            <a:ext cx="458029" cy="400775"/>
+          </a:xfrm>
+          <a:prstGeom prst="rect">
+            <a:avLst/>
+          </a:prstGeom>
+        </p:spPr>
+      </p:pic>
+      <p:sp>
+        <p:nvSpPr>
+          <p:cNvPr id="22" name="Rectangle 21"/>
+          <p:cNvSpPr/>
+          <p:nvPr/>
+        </p:nvSpPr>
+        <p:spPr>
+          <a:xfrm>
+            <a:off x="211667" y="698500"/>
+            <a:ext cx="2531533" cy="3340100"/>
+          </a:xfrm>
+          <a:prstGeom prst="rect">
+            <a:avLst/>
+          </a:prstGeom>
+          <a:solidFill>
+            <a:schemeClr val="bg1">
+              <a:lumMod val="95000"/>
+            </a:schemeClr>
+          </a:solidFill>
+          <a:ln>
+            <a:solidFill>
+              <a:schemeClr val="bg1">
+                <a:lumMod val="85000"/>
+              </a:schemeClr>
+            </a:solidFill>
+          </a:ln>
+          <a:effectLst>
+            <a:glow rad="38100">
+              <a:schemeClr val="bg1">
+                <a:lumMod val="75000"/>
+                <a:alpha val="47000"/>
+              </a:schemeClr>
+            </a:glow>
+          </a:effectLst>
+        </p:spPr>
+        <p:style>
+          <a:lnRef idx="1">
+            <a:schemeClr val="accent1"/>
+          </a:lnRef>
+          <a:fillRef idx="3">
+            <a:schemeClr val="accent1"/>
+          </a:fillRef>
+          <a:effectRef idx="2">
+            <a:schemeClr val="accent1"/>
+          </a:effectRef>
+          <a:fontRef idx="minor">
+            <a:schemeClr val="lt1"/>
+          </a:fontRef>
+        </p:style>
+        <p:txBody>
+          <a:bodyPr rtlCol="0" anchor="ctr"/>
+          <a:lstStyle/>
+          <a:p>
+            <a:endParaRPr lang="en-US" sz="2400" dirty="0">
+              <a:solidFill>
+                <a:schemeClr val="bg1">
+                  <a:lumMod val="65000"/>
+                </a:schemeClr>
+              </a:solidFill>
+            </a:endParaRPr>
+          </a:p>
+        </p:txBody>
+      </p:sp>
+      <p:sp>
+        <p:nvSpPr>
+          <p:cNvPr id="23" name="Rectangle 22"/>
+          <p:cNvSpPr/>
+          <p:nvPr/>
+        </p:nvSpPr>
+        <p:spPr>
+          <a:xfrm>
+            <a:off x="200313" y="673100"/>
+            <a:ext cx="2566940" cy="304800"/>
+          </a:xfrm>
+          <a:prstGeom prst="rect">
+            <a:avLst/>
+          </a:prstGeom>
+          <a:solidFill>
+            <a:schemeClr val="tx1">
+              <a:lumMod val="75000"/>
+              <a:lumOff val="25000"/>
+            </a:schemeClr>
+          </a:solidFill>
+          <a:ln>
+            <a:noFill/>
+          </a:ln>
+          <a:effectLst/>
+        </p:spPr>
+        <p:style>
+          <a:lnRef idx="1">
+            <a:schemeClr val="accent1"/>
+          </a:lnRef>
+          <a:fillRef idx="3">
+            <a:schemeClr val="accent1"/>
+          </a:fillRef>
+          <a:effectRef idx="2">
+            <a:schemeClr val="accent1"/>
+          </a:effectRef>
+          <a:fontRef idx="minor">
+            <a:schemeClr val="lt1"/>
+          </a:fontRef>
+        </p:style>
+        <p:txBody>
+          <a:bodyPr rtlCol="0" anchor="ctr"/>
+          <a:lstStyle/>
+          <a:p>
+            <a:endParaRPr lang="en-US" sz="1400" dirty="0">
+              <a:latin typeface="Avenir Next Regular"/>
+              <a:cs typeface="Avenir Next Regular"/>
+            </a:endParaRPr>
+          </a:p>
+        </p:txBody>
+      </p:sp>
+      <p:sp>
+        <p:nvSpPr>
+          <p:cNvPr id="24" name="TextBox 23"/>
+          <p:cNvSpPr txBox="1"/>
+          <p:nvPr/>
+        </p:nvSpPr>
+        <p:spPr>
+          <a:xfrm>
+            <a:off x="211667" y="1426278"/>
+            <a:ext cx="2531534" cy="861774"/>
+          </a:xfrm>
+          <a:prstGeom prst="rect">
+            <a:avLst/>
+          </a:prstGeom>
+          <a:noFill/>
+        </p:spPr>
+        <p:txBody>
+          <a:bodyPr wrap="square" rtlCol="0">
+            <a:spAutoFit/>
+          </a:bodyPr>
+          <a:lstStyle/>
+          <a:p>
+            <a:r>
+              <a:rPr lang="en-US" sz="1600" dirty="0" smtClean="0">
+                <a:solidFill>
+                  <a:schemeClr val="bg1">
+                    <a:lumMod val="50000"/>
+                  </a:schemeClr>
+                </a:solidFill>
+                <a:latin typeface="Avenir Light"/>
+                <a:cs typeface="Avenir Light"/>
+              </a:rPr>
+              <a:t>We start typing the new post here. The focus automatica</a:t>
+            </a:r>
+            <a:r>
+              <a:rPr lang="en-US" b="1" dirty="0" smtClean="0">
+                <a:solidFill>
+                  <a:schemeClr val="bg1">
+                    <a:lumMod val="50000"/>
+                  </a:schemeClr>
+                </a:solidFill>
+                <a:latin typeface="Avenir Light"/>
+                <a:cs typeface="Avenir Light"/>
+              </a:rPr>
+              <a:t>|</a:t>
+            </a:r>
+            <a:endParaRPr lang="en-US" b="1" dirty="0">
+              <a:solidFill>
+                <a:schemeClr val="bg1">
+                  <a:lumMod val="50000"/>
+                </a:schemeClr>
+              </a:solidFill>
+              <a:latin typeface="Avenir Light"/>
+              <a:cs typeface="Avenir Light"/>
+            </a:endParaRPr>
+          </a:p>
+        </p:txBody>
+      </p:sp>
+      <p:cxnSp>
+        <p:nvCxnSpPr>
+          <p:cNvPr id="25" name="Straight Connector 24"/>
+          <p:cNvCxnSpPr/>
+          <p:nvPr/>
+        </p:nvCxnSpPr>
+        <p:spPr>
+          <a:xfrm>
+            <a:off x="200313" y="1398797"/>
+            <a:ext cx="2560013" cy="0"/>
+          </a:xfrm>
+          <a:prstGeom prst="line">
+            <a:avLst/>
+          </a:prstGeom>
+          <a:ln w="9525" cmpd="sng">
+            <a:solidFill>
+              <a:schemeClr val="tx1">
+                <a:lumMod val="50000"/>
+                <a:lumOff val="50000"/>
+              </a:schemeClr>
+            </a:solidFill>
+          </a:ln>
+          <a:effectLst/>
+        </p:spPr>
+        <p:style>
+          <a:lnRef idx="2">
+            <a:schemeClr val="accent1"/>
+          </a:lnRef>
+          <a:fillRef idx="0">
+            <a:schemeClr val="accent1"/>
+          </a:fillRef>
+          <a:effectRef idx="1">
+            <a:schemeClr val="accent1"/>
+          </a:effectRef>
+          <a:fontRef idx="minor">
+            <a:schemeClr val="tx1"/>
+          </a:fontRef>
+        </p:style>
+      </p:cxnSp>
+      <p:cxnSp>
+        <p:nvCxnSpPr>
+          <p:cNvPr id="26" name="Straight Connector 25"/>
+          <p:cNvCxnSpPr/>
+          <p:nvPr/>
+        </p:nvCxnSpPr>
+        <p:spPr>
+          <a:xfrm>
+            <a:off x="200313" y="2279335"/>
+            <a:ext cx="2566940" cy="0"/>
+          </a:xfrm>
+          <a:prstGeom prst="line">
+            <a:avLst/>
+          </a:prstGeom>
+          <a:ln w="9525" cmpd="sng">
+            <a:solidFill>
+              <a:schemeClr val="tx1">
+                <a:lumMod val="50000"/>
+                <a:lumOff val="50000"/>
+              </a:schemeClr>
+            </a:solidFill>
+          </a:ln>
+          <a:effectLst/>
+        </p:spPr>
+        <p:style>
+          <a:lnRef idx="2">
+            <a:schemeClr val="accent1"/>
+          </a:lnRef>
+          <a:fillRef idx="0">
+            <a:schemeClr val="accent1"/>
+          </a:fillRef>
+          <a:effectRef idx="1">
+            <a:schemeClr val="accent1"/>
+          </a:effectRef>
+          <a:fontRef idx="minor">
+            <a:schemeClr val="tx1"/>
+          </a:fontRef>
+        </p:style>
+      </p:cxnSp>
+      <p:sp>
+        <p:nvSpPr>
+          <p:cNvPr id="27" name="TextBox 26"/>
+          <p:cNvSpPr txBox="1"/>
+          <p:nvPr/>
+        </p:nvSpPr>
+        <p:spPr>
+          <a:xfrm>
+            <a:off x="200313" y="1011768"/>
+            <a:ext cx="2542887" cy="338554"/>
+          </a:xfrm>
+          <a:prstGeom prst="rect">
+            <a:avLst/>
+          </a:prstGeom>
+          <a:noFill/>
+        </p:spPr>
+        <p:txBody>
+          <a:bodyPr wrap="square" rtlCol="0">
+            <a:spAutoFit/>
+          </a:bodyPr>
+          <a:lstStyle/>
+          <a:p>
+            <a:r>
+              <a:rPr lang="en-US" sz="1600" dirty="0" smtClean="0">
+                <a:solidFill>
+                  <a:srgbClr val="A6A6A6"/>
+                </a:solidFill>
+                <a:latin typeface="Avenir Light"/>
+                <a:cs typeface="Avenir Light"/>
+              </a:rPr>
+              <a:t>Click to add a title</a:t>
+            </a:r>
+            <a:endParaRPr lang="en-US" b="1" dirty="0">
+              <a:solidFill>
+                <a:srgbClr val="A6A6A6"/>
+              </a:solidFill>
+              <a:latin typeface="Avenir Light"/>
+              <a:cs typeface="Avenir Light"/>
+            </a:endParaRPr>
+          </a:p>
+        </p:txBody>
+      </p:sp>
+      <p:sp>
+        <p:nvSpPr>
+          <p:cNvPr id="28" name="Rectangle 27"/>
+          <p:cNvSpPr/>
+          <p:nvPr/>
+        </p:nvSpPr>
+        <p:spPr>
+          <a:xfrm>
+            <a:off x="380480" y="2366433"/>
+            <a:ext cx="1371600" cy="284001"/>
+          </a:xfrm>
+          <a:prstGeom prst="rect">
+            <a:avLst/>
+          </a:prstGeom>
+          <a:solidFill>
+            <a:schemeClr val="bg1">
+              <a:lumMod val="85000"/>
+            </a:schemeClr>
+          </a:solidFill>
+          <a:ln>
+            <a:solidFill>
+              <a:schemeClr val="bg1">
+                <a:lumMod val="50000"/>
+              </a:schemeClr>
+            </a:solidFill>
+          </a:ln>
+          <a:effectLst/>
+        </p:spPr>
+        <p:style>
+          <a:lnRef idx="1">
+            <a:schemeClr val="accent1"/>
+          </a:lnRef>
+          <a:fillRef idx="3">
+            <a:schemeClr val="accent1"/>
+          </a:fillRef>
+          <a:effectRef idx="2">
+            <a:schemeClr val="accent1"/>
+          </a:effectRef>
+          <a:fontRef idx="minor">
+            <a:schemeClr val="lt1"/>
+          </a:fontRef>
+        </p:style>
+        <p:txBody>
+          <a:bodyPr rtlCol="0" anchor="ctr"/>
+          <a:lstStyle/>
+          <a:p>
+            <a:r>
+              <a:rPr lang="en-US" sz="1600" dirty="0" smtClean="0">
+                <a:solidFill>
+                  <a:srgbClr val="7F7F7F"/>
+                </a:solidFill>
+              </a:rPr>
+              <a:t> </a:t>
+            </a:r>
+            <a:r>
+              <a:rPr lang="en-US" sz="1600" dirty="0" smtClean="0">
+                <a:solidFill>
+                  <a:srgbClr val="7F7F7F"/>
+                </a:solidFill>
+                <a:latin typeface="Avenir Light"/>
+                <a:cs typeface="Avenir Light"/>
+              </a:rPr>
+              <a:t>Class</a:t>
+            </a:r>
+            <a:endParaRPr lang="en-US" sz="1600" dirty="0">
+              <a:solidFill>
+                <a:srgbClr val="7F7F7F"/>
+              </a:solidFill>
+              <a:latin typeface="Avenir Light"/>
+              <a:cs typeface="Avenir Light"/>
+            </a:endParaRPr>
+          </a:p>
+        </p:txBody>
+      </p:sp>
+      <p:sp>
+        <p:nvSpPr>
+          <p:cNvPr id="29" name="Isosceles Triangle 28"/>
+          <p:cNvSpPr/>
+          <p:nvPr/>
+        </p:nvSpPr>
+        <p:spPr>
+          <a:xfrm rot="10800000">
+            <a:off x="1489614" y="2478277"/>
+            <a:ext cx="177800" cy="90833"/>
+          </a:xfrm>
+          <a:prstGeom prst="triangle">
+            <a:avLst/>
+          </a:prstGeom>
+          <a:solidFill>
+            <a:schemeClr val="bg1">
+              <a:lumMod val="50000"/>
+            </a:schemeClr>
+          </a:solidFill>
+          <a:ln>
+            <a:solidFill>
+              <a:srgbClr val="7F7F7F"/>
+            </a:solidFill>
+          </a:ln>
+          <a:effectLst/>
+        </p:spPr>
+        <p:style>
+          <a:lnRef idx="1">
+            <a:schemeClr val="accent1"/>
+          </a:lnRef>
+          <a:fillRef idx="3">
+            <a:schemeClr val="accent1"/>
+          </a:fillRef>
+          <a:effectRef idx="2">
+            <a:schemeClr val="accent1"/>
+          </a:effectRef>
+          <a:fontRef idx="minor">
+            <a:schemeClr val="lt1"/>
+          </a:fontRef>
+        </p:style>
+        <p:txBody>
+          <a:bodyPr rtlCol="0" anchor="ctr"/>
+          <a:lstStyle/>
+          <a:p>
+            <a:pPr algn="ctr"/>
+            <a:endParaRPr lang="en-US"/>
+          </a:p>
+        </p:txBody>
+      </p:sp>
+      <p:sp>
+        <p:nvSpPr>
+          <p:cNvPr id="30" name="Rectangle 29"/>
+          <p:cNvSpPr/>
+          <p:nvPr/>
+        </p:nvSpPr>
+        <p:spPr>
+          <a:xfrm>
+            <a:off x="372014" y="2798233"/>
+            <a:ext cx="1371600" cy="284001"/>
+          </a:xfrm>
+          <a:prstGeom prst="rect">
+            <a:avLst/>
+          </a:prstGeom>
+          <a:solidFill>
+            <a:schemeClr val="bg1">
+              <a:lumMod val="85000"/>
+            </a:schemeClr>
+          </a:solidFill>
+          <a:ln>
+            <a:solidFill>
+              <a:schemeClr val="bg1">
+                <a:lumMod val="50000"/>
+              </a:schemeClr>
+            </a:solidFill>
+          </a:ln>
+          <a:effectLst/>
+        </p:spPr>
+        <p:style>
+          <a:lnRef idx="1">
+            <a:schemeClr val="accent1"/>
+          </a:lnRef>
+          <a:fillRef idx="3">
+            <a:schemeClr val="accent1"/>
+          </a:fillRef>
+          <a:effectRef idx="2">
+            <a:schemeClr val="accent1"/>
+          </a:effectRef>
+          <a:fontRef idx="minor">
+            <a:schemeClr val="lt1"/>
+          </a:fontRef>
+        </p:style>
+        <p:txBody>
+          <a:bodyPr rtlCol="0" anchor="ctr"/>
+          <a:lstStyle/>
+          <a:p>
+            <a:r>
+              <a:rPr lang="en-US" sz="1600" dirty="0" smtClean="0">
+                <a:solidFill>
+                  <a:srgbClr val="7F7F7F"/>
+                </a:solidFill>
+              </a:rPr>
+              <a:t> </a:t>
+            </a:r>
+            <a:r>
+              <a:rPr lang="en-US" sz="1600" dirty="0" smtClean="0">
+                <a:solidFill>
+                  <a:srgbClr val="7F7F7F"/>
+                </a:solidFill>
+                <a:latin typeface="Avenir Light"/>
+                <a:cs typeface="Avenir Light"/>
+              </a:rPr>
+              <a:t>Place</a:t>
+            </a:r>
+            <a:endParaRPr lang="en-US" sz="1600" dirty="0">
+              <a:solidFill>
+                <a:srgbClr val="7F7F7F"/>
+              </a:solidFill>
+              <a:latin typeface="Avenir Light"/>
+              <a:cs typeface="Avenir Light"/>
+            </a:endParaRPr>
+          </a:p>
+        </p:txBody>
+      </p:sp>
+      <p:sp>
+        <p:nvSpPr>
+          <p:cNvPr id="31" name="Isosceles Triangle 30"/>
+          <p:cNvSpPr/>
+          <p:nvPr/>
+        </p:nvSpPr>
+        <p:spPr>
+          <a:xfrm rot="10800000">
+            <a:off x="1488121" y="2904278"/>
+            <a:ext cx="177800" cy="90833"/>
+          </a:xfrm>
+          <a:prstGeom prst="triangle">
+            <a:avLst/>
+          </a:prstGeom>
+          <a:solidFill>
+            <a:schemeClr val="bg1">
+              <a:lumMod val="50000"/>
+            </a:schemeClr>
+          </a:solidFill>
+          <a:ln>
+            <a:solidFill>
+              <a:srgbClr val="7F7F7F"/>
+            </a:solidFill>
+          </a:ln>
+          <a:effectLst/>
+        </p:spPr>
+        <p:style>
+          <a:lnRef idx="1">
+            <a:schemeClr val="accent1"/>
+          </a:lnRef>
+          <a:fillRef idx="3">
+            <a:schemeClr val="accent1"/>
+          </a:fillRef>
+          <a:effectRef idx="2">
+            <a:schemeClr val="accent1"/>
+          </a:effectRef>
+          <a:fontRef idx="minor">
+            <a:schemeClr val="lt1"/>
+          </a:fontRef>
+        </p:style>
+        <p:txBody>
+          <a:bodyPr rtlCol="0" anchor="ctr"/>
+          <a:lstStyle/>
+          <a:p>
+            <a:pPr algn="ctr"/>
+            <a:endParaRPr lang="en-US"/>
+          </a:p>
+        </p:txBody>
+      </p:sp>
+      <p:sp>
+        <p:nvSpPr>
+          <p:cNvPr id="32" name="Rectangle 31"/>
+          <p:cNvSpPr/>
+          <p:nvPr/>
+        </p:nvSpPr>
+        <p:spPr>
+          <a:xfrm>
+            <a:off x="372014" y="3230033"/>
+            <a:ext cx="1371600" cy="284001"/>
+          </a:xfrm>
+          <a:prstGeom prst="rect">
+            <a:avLst/>
+          </a:prstGeom>
+          <a:solidFill>
+            <a:schemeClr val="bg1">
+              <a:lumMod val="85000"/>
+            </a:schemeClr>
+          </a:solidFill>
+          <a:ln>
+            <a:solidFill>
+              <a:schemeClr val="bg1">
+                <a:lumMod val="50000"/>
+              </a:schemeClr>
+            </a:solidFill>
+          </a:ln>
+          <a:effectLst/>
+        </p:spPr>
+        <p:style>
+          <a:lnRef idx="1">
+            <a:schemeClr val="accent1"/>
+          </a:lnRef>
+          <a:fillRef idx="3">
+            <a:schemeClr val="accent1"/>
+          </a:fillRef>
+          <a:effectRef idx="2">
+            <a:schemeClr val="accent1"/>
+          </a:effectRef>
+          <a:fontRef idx="minor">
+            <a:schemeClr val="lt1"/>
+          </a:fontRef>
+        </p:style>
+        <p:txBody>
+          <a:bodyPr rtlCol="0" anchor="ctr"/>
+          <a:lstStyle/>
+          <a:p>
+            <a:r>
+              <a:rPr lang="en-US" sz="1600" dirty="0" smtClean="0">
+                <a:solidFill>
+                  <a:srgbClr val="7F7F7F"/>
+                </a:solidFill>
+              </a:rPr>
+              <a:t> </a:t>
+            </a:r>
+            <a:r>
+              <a:rPr lang="en-US" sz="1600" dirty="0" smtClean="0">
+                <a:solidFill>
+                  <a:srgbClr val="7F7F7F"/>
+                </a:solidFill>
+                <a:latin typeface="Avenir Light"/>
+                <a:cs typeface="Avenir Light"/>
+              </a:rPr>
+              <a:t>Limit To</a:t>
+            </a:r>
+            <a:endParaRPr lang="en-US" sz="1600" dirty="0">
+              <a:solidFill>
+                <a:srgbClr val="7F7F7F"/>
+              </a:solidFill>
+              <a:latin typeface="Avenir Light"/>
+              <a:cs typeface="Avenir Light"/>
+            </a:endParaRPr>
+          </a:p>
+        </p:txBody>
+      </p:sp>
+      <p:sp>
+        <p:nvSpPr>
+          <p:cNvPr id="33" name="Isosceles Triangle 32"/>
+          <p:cNvSpPr/>
+          <p:nvPr/>
+        </p:nvSpPr>
+        <p:spPr>
+          <a:xfrm rot="10800000">
+            <a:off x="1489613" y="3334301"/>
+            <a:ext cx="177800" cy="90833"/>
+          </a:xfrm>
+          <a:prstGeom prst="triangle">
+            <a:avLst/>
+          </a:prstGeom>
+          <a:solidFill>
+            <a:schemeClr val="bg1">
+              <a:lumMod val="50000"/>
+            </a:schemeClr>
+          </a:solidFill>
+          <a:ln>
+            <a:solidFill>
+              <a:srgbClr val="7F7F7F"/>
+            </a:solidFill>
+          </a:ln>
+          <a:effectLst/>
+        </p:spPr>
+        <p:style>
+          <a:lnRef idx="1">
+            <a:schemeClr val="accent1"/>
+          </a:lnRef>
+          <a:fillRef idx="3">
+            <a:schemeClr val="accent1"/>
+          </a:fillRef>
+          <a:effectRef idx="2">
+            <a:schemeClr val="accent1"/>
+          </a:effectRef>
+          <a:fontRef idx="minor">
+            <a:schemeClr val="lt1"/>
+          </a:fontRef>
+        </p:style>
+        <p:txBody>
+          <a:bodyPr rtlCol="0" anchor="ctr"/>
+          <a:lstStyle/>
+          <a:p>
+            <a:pPr algn="ctr"/>
+            <a:endParaRPr lang="en-US"/>
+          </a:p>
+        </p:txBody>
+      </p:sp>
+      <p:sp>
+        <p:nvSpPr>
+          <p:cNvPr id="34" name="Rounded Rectangle 33"/>
+          <p:cNvSpPr/>
+          <p:nvPr/>
+        </p:nvSpPr>
+        <p:spPr>
+          <a:xfrm>
+            <a:off x="354558" y="3617411"/>
+            <a:ext cx="694267" cy="310350"/>
+          </a:xfrm>
+          <a:prstGeom prst="roundRect">
+            <a:avLst/>
+          </a:prstGeom>
+          <a:solidFill>
+            <a:schemeClr val="accent3">
+              <a:lumMod val="75000"/>
+            </a:schemeClr>
+          </a:solidFill>
+          <a:ln>
+            <a:noFill/>
+          </a:ln>
+          <a:effectLst/>
+        </p:spPr>
+        <p:style>
+          <a:lnRef idx="1">
+            <a:schemeClr val="accent1"/>
+          </a:lnRef>
+          <a:fillRef idx="3">
+            <a:schemeClr val="accent1"/>
+          </a:fillRef>
+          <a:effectRef idx="2">
+            <a:schemeClr val="accent1"/>
+          </a:effectRef>
+          <a:fontRef idx="minor">
+            <a:schemeClr val="lt1"/>
+          </a:fontRef>
+        </p:style>
+        <p:txBody>
+          <a:bodyPr rtlCol="0" anchor="ctr"/>
+          <a:lstStyle/>
+          <a:p>
+            <a:pPr algn="ctr"/>
+            <a:r>
+              <a:rPr lang="en-US" sz="1200" b="1" dirty="0" smtClean="0"/>
+              <a:t>POST</a:t>
+            </a:r>
+            <a:endParaRPr lang="en-US" sz="1200" b="1" dirty="0"/>
+          </a:p>
+        </p:txBody>
+      </p:sp>
       <p:sp>
         <p:nvSpPr>
           <p:cNvPr id="35" name="Line Callout 1 34"/>
@@ -14197,7 +15080,7 @@
 </p:sld>
 </file>
 
-<file path=ppt/slides/slide17.xml><?xml version="1.0" encoding="utf-8"?>
+<file path=ppt/slides/slide18.xml><?xml version="1.0" encoding="utf-8"?>
 <p:sld xmlns:a="http://schemas.openxmlformats.org/drawingml/2006/main" xmlns:r="http://schemas.openxmlformats.org/officeDocument/2006/relationships" xmlns:p="http://schemas.openxmlformats.org/presentationml/2006/main">
   <p:cSld>
     <p:spTree>
@@ -15684,7 +16567,7 @@
 </p:sld>
 </file>
 
-<file path=ppt/slides/slide18.xml><?xml version="1.0" encoding="utf-8"?>
+<file path=ppt/slides/slide19.xml><?xml version="1.0" encoding="utf-8"?>
 <p:sld xmlns:a="http://schemas.openxmlformats.org/drawingml/2006/main" xmlns:r="http://schemas.openxmlformats.org/officeDocument/2006/relationships" xmlns:p="http://schemas.openxmlformats.org/presentationml/2006/main">
   <p:cSld>
     <p:spTree>
@@ -34606,8 +35489,8 @@
         </p:nvSpPr>
         <p:spPr>
           <a:xfrm>
-            <a:off x="2188626" y="101596"/>
-            <a:ext cx="2853267" cy="369332"/>
+            <a:off x="1871126" y="101596"/>
+            <a:ext cx="4686306" cy="369332"/>
           </a:xfrm>
           <a:prstGeom prst="rect">
             <a:avLst/>
@@ -34630,7 +35513,7 @@
                 <a:latin typeface="Avenir Next Regular"/>
                 <a:cs typeface="Avenir Next Regular"/>
               </a:rPr>
-              <a:t>Search</a:t>
+              <a:t>Stuck on Dynamic Programming</a:t>
             </a:r>
             <a:endParaRPr lang="en-US" dirty="0">
               <a:solidFill>
@@ -34652,7 +35535,7 @@
         </p:nvSpPr>
         <p:spPr>
           <a:xfrm>
-            <a:off x="5922433" y="160866"/>
+            <a:off x="8373533" y="160866"/>
             <a:ext cx="372533" cy="225391"/>
           </a:xfrm>
           <a:prstGeom prst="homePlate">
@@ -34693,7 +35576,7 @@
       </p:sp>
       <p:pic>
         <p:nvPicPr>
-          <p:cNvPr id="19" name="Picture 18" descr="logoColorcrp.png"/>
+          <p:cNvPr id="9" name="Picture 8"/>
           <p:cNvPicPr>
             <a:picLocks noChangeAspect="1"/>
           </p:cNvPicPr>
@@ -34713,8 +35596,8 @@
         </p:blipFill>
         <p:spPr>
           <a:xfrm>
-            <a:off x="152400" y="160866"/>
-            <a:ext cx="1447800" cy="258536"/>
+            <a:off x="215882" y="762000"/>
+            <a:ext cx="1545167" cy="1545167"/>
           </a:xfrm>
           <a:prstGeom prst="rect">
             <a:avLst/>
@@ -34723,111 +35606,47 @@
       </p:pic>
       <p:sp>
         <p:nvSpPr>
-          <p:cNvPr id="51" name="Rectangle 50"/>
-          <p:cNvSpPr/>
-          <p:nvPr/>
-        </p:nvSpPr>
-        <p:spPr>
-          <a:xfrm>
-            <a:off x="529167" y="762001"/>
-            <a:ext cx="5393266" cy="914400"/>
-          </a:xfrm>
-          <a:prstGeom prst="rect">
-            <a:avLst/>
-          </a:prstGeom>
-          <a:solidFill>
-            <a:schemeClr val="bg1">
-              <a:lumMod val="95000"/>
-            </a:schemeClr>
-          </a:solidFill>
-          <a:ln>
-            <a:solidFill>
-              <a:schemeClr val="bg1">
-                <a:lumMod val="85000"/>
-              </a:schemeClr>
-            </a:solidFill>
-          </a:ln>
-          <a:effectLst>
-            <a:glow rad="38100">
-              <a:schemeClr val="bg1">
-                <a:lumMod val="75000"/>
-                <a:alpha val="47000"/>
-              </a:schemeClr>
-            </a:glow>
-          </a:effectLst>
-        </p:spPr>
-        <p:style>
-          <a:lnRef idx="1">
-            <a:schemeClr val="accent1"/>
-          </a:lnRef>
-          <a:fillRef idx="3">
-            <a:schemeClr val="accent1"/>
-          </a:fillRef>
-          <a:effectRef idx="2">
-            <a:schemeClr val="accent1"/>
-          </a:effectRef>
-          <a:fontRef idx="minor">
-            <a:schemeClr val="lt1"/>
-          </a:fontRef>
-        </p:style>
-        <p:txBody>
-          <a:bodyPr rtlCol="0" anchor="ctr"/>
-          <a:lstStyle/>
-          <a:p>
-            <a:endParaRPr lang="en-US" sz="2400" dirty="0">
+          <p:cNvPr id="10" name="TextBox 9"/>
+          <p:cNvSpPr txBox="1"/>
+          <p:nvPr/>
+        </p:nvSpPr>
+        <p:spPr>
+          <a:xfrm>
+            <a:off x="215881" y="2362196"/>
+            <a:ext cx="1545167" cy="253916"/>
+          </a:xfrm>
+          <a:prstGeom prst="rect">
+            <a:avLst/>
+          </a:prstGeom>
+          <a:noFill/>
+        </p:spPr>
+        <p:txBody>
+          <a:bodyPr wrap="square" rtlCol="0">
+            <a:spAutoFit/>
+          </a:bodyPr>
+          <a:lstStyle/>
+          <a:p>
+            <a:pPr algn="ctr"/>
+            <a:r>
+              <a:rPr lang="en-US" sz="1050" b="1" dirty="0" smtClean="0">
+                <a:solidFill>
+                  <a:schemeClr val="tx1">
+                    <a:lumMod val="65000"/>
+                    <a:lumOff val="35000"/>
+                  </a:schemeClr>
+                </a:solidFill>
+                <a:latin typeface="Avenir Next Regular"/>
+                <a:cs typeface="Avenir Next Regular"/>
+              </a:rPr>
+              <a:t>Studyman Buddyson</a:t>
+            </a:r>
+            <a:endParaRPr lang="en-US" sz="1050" b="1" dirty="0">
               <a:solidFill>
-                <a:schemeClr val="bg1">
+                <a:schemeClr val="tx1">
                   <a:lumMod val="65000"/>
+                  <a:lumOff val="35000"/>
                 </a:schemeClr>
               </a:solidFill>
-            </a:endParaRPr>
-          </a:p>
-        </p:txBody>
-      </p:sp>
-      <p:sp>
-        <p:nvSpPr>
-          <p:cNvPr id="52" name="Rectangle 51"/>
-          <p:cNvSpPr/>
-          <p:nvPr/>
-        </p:nvSpPr>
-        <p:spPr>
-          <a:xfrm>
-            <a:off x="529167" y="762000"/>
-            <a:ext cx="5393266" cy="279400"/>
-          </a:xfrm>
-          <a:prstGeom prst="rect">
-            <a:avLst/>
-          </a:prstGeom>
-          <a:solidFill>
-            <a:schemeClr val="tx1">
-              <a:lumMod val="75000"/>
-              <a:lumOff val="25000"/>
-            </a:schemeClr>
-          </a:solidFill>
-          <a:ln>
-            <a:noFill/>
-          </a:ln>
-          <a:effectLst/>
-        </p:spPr>
-        <p:style>
-          <a:lnRef idx="1">
-            <a:schemeClr val="accent1"/>
-          </a:lnRef>
-          <a:fillRef idx="3">
-            <a:schemeClr val="accent1"/>
-          </a:fillRef>
-          <a:effectRef idx="2">
-            <a:schemeClr val="accent1"/>
-          </a:effectRef>
-          <a:fontRef idx="minor">
-            <a:schemeClr val="lt1"/>
-          </a:fontRef>
-        </p:style>
-        <p:txBody>
-          <a:bodyPr rtlCol="0" anchor="ctr"/>
-          <a:lstStyle/>
-          <a:p>
-            <a:endParaRPr lang="en-US" sz="1400" dirty="0">
               <a:latin typeface="Avenir Next Regular"/>
               <a:cs typeface="Avenir Next Regular"/>
             </a:endParaRPr>
@@ -34836,14 +35655,93 @@
       </p:sp>
       <p:sp>
         <p:nvSpPr>
-          <p:cNvPr id="53" name="TextBox 52"/>
+          <p:cNvPr id="11" name="TextBox 10"/>
           <p:cNvSpPr txBox="1"/>
           <p:nvPr/>
         </p:nvSpPr>
         <p:spPr>
           <a:xfrm>
-            <a:off x="664634" y="1167225"/>
-            <a:ext cx="3771260" cy="400110"/>
+            <a:off x="215881" y="2641338"/>
+            <a:ext cx="1545167" cy="430887"/>
+          </a:xfrm>
+          <a:prstGeom prst="rect">
+            <a:avLst/>
+          </a:prstGeom>
+          <a:noFill/>
+        </p:spPr>
+        <p:txBody>
+          <a:bodyPr wrap="square" rtlCol="0">
+            <a:spAutoFit/>
+          </a:bodyPr>
+          <a:lstStyle/>
+          <a:p>
+            <a:pPr algn="r"/>
+            <a:r>
+              <a:rPr lang="en-US" sz="1100" dirty="0" smtClean="0">
+                <a:solidFill>
+                  <a:schemeClr val="tx1">
+                    <a:lumMod val="65000"/>
+                    <a:lumOff val="35000"/>
+                  </a:schemeClr>
+                </a:solidFill>
+                <a:latin typeface="Avenir Next Regular"/>
+                <a:cs typeface="Avenir Next Regular"/>
+              </a:rPr>
+              <a:t>University of Michigan</a:t>
+            </a:r>
+            <a:endParaRPr lang="en-US" sz="1100" dirty="0">
+              <a:solidFill>
+                <a:schemeClr val="tx1">
+                  <a:lumMod val="65000"/>
+                  <a:lumOff val="35000"/>
+                </a:schemeClr>
+              </a:solidFill>
+              <a:latin typeface="Avenir Next Regular"/>
+              <a:cs typeface="Avenir Next Regular"/>
+            </a:endParaRPr>
+          </a:p>
+        </p:txBody>
+      </p:sp>
+      <p:pic>
+        <p:nvPicPr>
+          <p:cNvPr id="12" name="Picture 11"/>
+          <p:cNvPicPr>
+            <a:picLocks noChangeAspect="1"/>
+          </p:cNvPicPr>
+          <p:nvPr/>
+        </p:nvPicPr>
+        <p:blipFill>
+          <a:blip r:embed="rId3" cstate="screen">
+            <a:extLst>
+              <a:ext uri="{28A0092B-C50C-407E-A947-70E740481C1C}">
+                <a14:useLocalDpi xmlns:a14="http://schemas.microsoft.com/office/drawing/2010/main"/>
+              </a:ext>
+            </a:extLst>
+          </a:blip>
+          <a:stretch>
+            <a:fillRect/>
+          </a:stretch>
+        </p:blipFill>
+        <p:spPr>
+          <a:xfrm>
+            <a:off x="334416" y="2713934"/>
+            <a:ext cx="342902" cy="342902"/>
+          </a:xfrm>
+          <a:prstGeom prst="rect">
+            <a:avLst/>
+          </a:prstGeom>
+        </p:spPr>
+      </p:pic>
+      <p:sp>
+        <p:nvSpPr>
+          <p:cNvPr id="13" name="TextBox 12"/>
+          <p:cNvSpPr txBox="1"/>
+          <p:nvPr/>
+        </p:nvSpPr>
+        <p:spPr>
+          <a:xfrm>
+            <a:off x="215881" y="3268131"/>
+            <a:ext cx="915749" cy="246221"/>
           </a:xfrm>
           <a:prstGeom prst="rect">
             <a:avLst/>
@@ -34857,31 +35755,29 @@
           <a:lstStyle/>
           <a:p>
             <a:r>
-              <a:rPr lang="en-US" sz="2000" dirty="0" smtClean="0">
-                <a:solidFill>
-                  <a:srgbClr val="A6A6A6"/>
-                </a:solidFill>
+              <a:rPr lang="en-US" sz="1000" dirty="0" smtClean="0">
+                <a:latin typeface="Avenir Next Regular"/>
+                <a:cs typeface="Avenir Next Regular"/>
               </a:rPr>
-              <a:t>Start Typing to get a StudyBuddy…</a:t>
-            </a:r>
-            <a:endParaRPr lang="en-US" sz="2000" dirty="0">
-              <a:solidFill>
-                <a:srgbClr val="A6A6A6"/>
-              </a:solidFill>
+              <a:t>Active Posts:</a:t>
+            </a:r>
+            <a:endParaRPr lang="en-US" sz="1000" dirty="0">
+              <a:latin typeface="Avenir Next Regular"/>
+              <a:cs typeface="Avenir Next Regular"/>
             </a:endParaRPr>
           </a:p>
         </p:txBody>
       </p:sp>
       <p:cxnSp>
         <p:nvCxnSpPr>
-          <p:cNvPr id="54" name="Straight Connector 53"/>
+          <p:cNvPr id="15" name="Straight Connector 14"/>
           <p:cNvCxnSpPr/>
           <p:nvPr/>
         </p:nvCxnSpPr>
         <p:spPr>
           <a:xfrm>
-            <a:off x="529167" y="1896530"/>
-            <a:ext cx="5393266" cy="0"/>
+            <a:off x="215882" y="3174999"/>
+            <a:ext cx="1545165" cy="0"/>
           </a:xfrm>
           <a:prstGeom prst="line">
             <a:avLst/>
@@ -34911,6 +35807,1053 @@
           </a:fontRef>
         </p:style>
       </p:cxnSp>
+      <p:pic>
+        <p:nvPicPr>
+          <p:cNvPr id="19" name="Picture 18" descr="logoColorcrp.png"/>
+          <p:cNvPicPr>
+            <a:picLocks noChangeAspect="1"/>
+          </p:cNvPicPr>
+          <p:nvPr/>
+        </p:nvPicPr>
+        <p:blipFill>
+          <a:blip r:embed="rId4" cstate="screen">
+            <a:extLst>
+              <a:ext uri="{28A0092B-C50C-407E-A947-70E740481C1C}">
+                <a14:useLocalDpi xmlns:a14="http://schemas.microsoft.com/office/drawing/2010/main"/>
+              </a:ext>
+            </a:extLst>
+          </a:blip>
+          <a:stretch>
+            <a:fillRect/>
+          </a:stretch>
+        </p:blipFill>
+        <p:spPr>
+          <a:xfrm>
+            <a:off x="152400" y="160866"/>
+            <a:ext cx="1447800" cy="258536"/>
+          </a:xfrm>
+          <a:prstGeom prst="rect">
+            <a:avLst/>
+          </a:prstGeom>
+        </p:spPr>
+      </p:pic>
+      <p:grpSp>
+        <p:nvGrpSpPr>
+          <p:cNvPr id="21" name="Group 20"/>
+          <p:cNvGrpSpPr/>
+          <p:nvPr/>
+        </p:nvGrpSpPr>
+        <p:grpSpPr>
+          <a:xfrm>
+            <a:off x="215882" y="3565152"/>
+            <a:ext cx="1545166" cy="244848"/>
+            <a:chOff x="215882" y="3565152"/>
+            <a:chExt cx="1545166" cy="244848"/>
+          </a:xfrm>
+        </p:grpSpPr>
+        <p:sp>
+          <p:nvSpPr>
+            <p:cNvPr id="18" name="Rectangle 17"/>
+            <p:cNvSpPr/>
+            <p:nvPr/>
+          </p:nvSpPr>
+          <p:spPr>
+            <a:xfrm>
+              <a:off x="215882" y="3565152"/>
+              <a:ext cx="1545166" cy="244848"/>
+            </a:xfrm>
+            <a:prstGeom prst="rect">
+              <a:avLst/>
+            </a:prstGeom>
+            <a:solidFill>
+              <a:schemeClr val="accent3">
+                <a:lumMod val="75000"/>
+              </a:schemeClr>
+            </a:solidFill>
+            <a:ln>
+              <a:noFill/>
+            </a:ln>
+            <a:effectLst/>
+          </p:spPr>
+          <p:style>
+            <a:lnRef idx="1">
+              <a:schemeClr val="accent1"/>
+            </a:lnRef>
+            <a:fillRef idx="3">
+              <a:schemeClr val="accent1"/>
+            </a:fillRef>
+            <a:effectRef idx="2">
+              <a:schemeClr val="accent1"/>
+            </a:effectRef>
+            <a:fontRef idx="minor">
+              <a:schemeClr val="lt1"/>
+            </a:fontRef>
+          </p:style>
+          <p:txBody>
+            <a:bodyPr rtlCol="0" anchor="ctr"/>
+            <a:lstStyle/>
+            <a:p>
+              <a:r>
+                <a:rPr lang="en-US" sz="1200" dirty="0" smtClean="0"/>
+                <a:t>Stuck on Dyna…</a:t>
+              </a:r>
+              <a:endParaRPr lang="en-US" sz="1200" dirty="0"/>
+            </a:p>
+          </p:txBody>
+        </p:sp>
+        <p:sp>
+          <p:nvSpPr>
+            <p:cNvPr id="20" name="Right Arrow 19"/>
+            <p:cNvSpPr/>
+            <p:nvPr/>
+          </p:nvSpPr>
+          <p:spPr>
+            <a:xfrm>
+              <a:off x="1477435" y="3623731"/>
+              <a:ext cx="215900" cy="143933"/>
+            </a:xfrm>
+            <a:prstGeom prst="rightArrow">
+              <a:avLst>
+                <a:gd name="adj1" fmla="val 33823"/>
+                <a:gd name="adj2" fmla="val 78310"/>
+              </a:avLst>
+            </a:prstGeom>
+            <a:solidFill>
+              <a:schemeClr val="bg1"/>
+            </a:solidFill>
+            <a:ln>
+              <a:noFill/>
+            </a:ln>
+            <a:effectLst/>
+          </p:spPr>
+          <p:style>
+            <a:lnRef idx="1">
+              <a:schemeClr val="accent1"/>
+            </a:lnRef>
+            <a:fillRef idx="3">
+              <a:schemeClr val="accent1"/>
+            </a:fillRef>
+            <a:effectRef idx="2">
+              <a:schemeClr val="accent1"/>
+            </a:effectRef>
+            <a:fontRef idx="minor">
+              <a:schemeClr val="lt1"/>
+            </a:fontRef>
+          </p:style>
+          <p:txBody>
+            <a:bodyPr rtlCol="0" anchor="ctr"/>
+            <a:lstStyle/>
+            <a:p>
+              <a:pPr algn="ctr"/>
+              <a:endParaRPr lang="en-US"/>
+            </a:p>
+          </p:txBody>
+        </p:sp>
+      </p:grpSp>
+      <p:grpSp>
+        <p:nvGrpSpPr>
+          <p:cNvPr id="22" name="Group 21"/>
+          <p:cNvGrpSpPr/>
+          <p:nvPr/>
+        </p:nvGrpSpPr>
+        <p:grpSpPr>
+          <a:xfrm>
+            <a:off x="215881" y="3865377"/>
+            <a:ext cx="1545166" cy="244848"/>
+            <a:chOff x="215882" y="3565152"/>
+            <a:chExt cx="1545166" cy="244848"/>
+          </a:xfrm>
+        </p:grpSpPr>
+        <p:sp>
+          <p:nvSpPr>
+            <p:cNvPr id="23" name="Rectangle 22"/>
+            <p:cNvSpPr/>
+            <p:nvPr/>
+          </p:nvSpPr>
+          <p:spPr>
+            <a:xfrm>
+              <a:off x="215882" y="3565152"/>
+              <a:ext cx="1545166" cy="244848"/>
+            </a:xfrm>
+            <a:prstGeom prst="rect">
+              <a:avLst/>
+            </a:prstGeom>
+            <a:solidFill>
+              <a:schemeClr val="accent3">
+                <a:lumMod val="75000"/>
+              </a:schemeClr>
+            </a:solidFill>
+            <a:ln>
+              <a:noFill/>
+            </a:ln>
+            <a:effectLst/>
+          </p:spPr>
+          <p:style>
+            <a:lnRef idx="1">
+              <a:schemeClr val="accent1"/>
+            </a:lnRef>
+            <a:fillRef idx="3">
+              <a:schemeClr val="accent1"/>
+            </a:fillRef>
+            <a:effectRef idx="2">
+              <a:schemeClr val="accent1"/>
+            </a:effectRef>
+            <a:fontRef idx="minor">
+              <a:schemeClr val="lt1"/>
+            </a:fontRef>
+          </p:style>
+          <p:txBody>
+            <a:bodyPr rtlCol="0" anchor="ctr"/>
+            <a:lstStyle/>
+            <a:p>
+              <a:r>
+                <a:rPr lang="en-US" sz="1200" dirty="0" smtClean="0"/>
+                <a:t>HELP ME</a:t>
+              </a:r>
+              <a:endParaRPr lang="en-US" sz="1200" dirty="0"/>
+            </a:p>
+          </p:txBody>
+        </p:sp>
+        <p:sp>
+          <p:nvSpPr>
+            <p:cNvPr id="24" name="Right Arrow 23"/>
+            <p:cNvSpPr/>
+            <p:nvPr/>
+          </p:nvSpPr>
+          <p:spPr>
+            <a:xfrm>
+              <a:off x="1477435" y="3623731"/>
+              <a:ext cx="215900" cy="143933"/>
+            </a:xfrm>
+            <a:prstGeom prst="rightArrow">
+              <a:avLst>
+                <a:gd name="adj1" fmla="val 33823"/>
+                <a:gd name="adj2" fmla="val 78310"/>
+              </a:avLst>
+            </a:prstGeom>
+            <a:solidFill>
+              <a:schemeClr val="bg1"/>
+            </a:solidFill>
+            <a:ln>
+              <a:noFill/>
+            </a:ln>
+            <a:effectLst/>
+          </p:spPr>
+          <p:style>
+            <a:lnRef idx="1">
+              <a:schemeClr val="accent1"/>
+            </a:lnRef>
+            <a:fillRef idx="3">
+              <a:schemeClr val="accent1"/>
+            </a:fillRef>
+            <a:effectRef idx="2">
+              <a:schemeClr val="accent1"/>
+            </a:effectRef>
+            <a:fontRef idx="minor">
+              <a:schemeClr val="lt1"/>
+            </a:fontRef>
+          </p:style>
+          <p:txBody>
+            <a:bodyPr rtlCol="0" anchor="ctr"/>
+            <a:lstStyle/>
+            <a:p>
+              <a:pPr algn="ctr"/>
+              <a:endParaRPr lang="en-US"/>
+            </a:p>
+          </p:txBody>
+        </p:sp>
+      </p:grpSp>
+      <p:sp>
+        <p:nvSpPr>
+          <p:cNvPr id="26" name="TextBox 25"/>
+          <p:cNvSpPr txBox="1"/>
+          <p:nvPr/>
+        </p:nvSpPr>
+        <p:spPr>
+          <a:xfrm>
+            <a:off x="194717" y="4411133"/>
+            <a:ext cx="782638" cy="246221"/>
+          </a:xfrm>
+          <a:prstGeom prst="rect">
+            <a:avLst/>
+          </a:prstGeom>
+          <a:noFill/>
+        </p:spPr>
+        <p:txBody>
+          <a:bodyPr wrap="none" rtlCol="0">
+            <a:spAutoFit/>
+          </a:bodyPr>
+          <a:lstStyle/>
+          <a:p>
+            <a:r>
+              <a:rPr lang="en-US" sz="1000" dirty="0" smtClean="0">
+                <a:latin typeface="Avenir Next Regular"/>
+                <a:cs typeface="Avenir Next Regular"/>
+              </a:rPr>
+              <a:t>My Filters:</a:t>
+            </a:r>
+            <a:endParaRPr lang="en-US" sz="1000" dirty="0">
+              <a:latin typeface="Avenir Next Regular"/>
+              <a:cs typeface="Avenir Next Regular"/>
+            </a:endParaRPr>
+          </a:p>
+        </p:txBody>
+      </p:sp>
+      <p:cxnSp>
+        <p:nvCxnSpPr>
+          <p:cNvPr id="27" name="Straight Connector 26"/>
+          <p:cNvCxnSpPr/>
+          <p:nvPr/>
+        </p:nvCxnSpPr>
+        <p:spPr>
+          <a:xfrm>
+            <a:off x="215882" y="4318001"/>
+            <a:ext cx="1545167" cy="0"/>
+          </a:xfrm>
+          <a:prstGeom prst="line">
+            <a:avLst/>
+          </a:prstGeom>
+          <a:ln w="9525" cmpd="sng">
+            <a:solidFill>
+              <a:schemeClr val="tx1">
+                <a:lumMod val="50000"/>
+                <a:lumOff val="50000"/>
+              </a:schemeClr>
+            </a:solidFill>
+          </a:ln>
+          <a:effectLst/>
+        </p:spPr>
+        <p:style>
+          <a:lnRef idx="2">
+            <a:schemeClr val="accent1"/>
+          </a:lnRef>
+          <a:fillRef idx="0">
+            <a:schemeClr val="accent1"/>
+          </a:fillRef>
+          <a:effectRef idx="1">
+            <a:schemeClr val="accent1"/>
+          </a:effectRef>
+          <a:fontRef idx="minor">
+            <a:schemeClr val="tx1"/>
+          </a:fontRef>
+        </p:style>
+      </p:cxnSp>
+      <p:sp>
+        <p:nvSpPr>
+          <p:cNvPr id="28" name="TextBox 27"/>
+          <p:cNvSpPr txBox="1"/>
+          <p:nvPr/>
+        </p:nvSpPr>
+        <p:spPr>
+          <a:xfrm>
+            <a:off x="215882" y="4657354"/>
+            <a:ext cx="906243" cy="276999"/>
+          </a:xfrm>
+          <a:prstGeom prst="rect">
+            <a:avLst/>
+          </a:prstGeom>
+          <a:noFill/>
+        </p:spPr>
+        <p:txBody>
+          <a:bodyPr wrap="none" rtlCol="0">
+            <a:spAutoFit/>
+          </a:bodyPr>
+          <a:lstStyle/>
+          <a:p>
+            <a:r>
+              <a:rPr lang="en-US" sz="1200" b="1" dirty="0" smtClean="0">
+                <a:solidFill>
+                  <a:schemeClr val="tx1">
+                    <a:lumMod val="65000"/>
+                    <a:lumOff val="35000"/>
+                  </a:schemeClr>
+                </a:solidFill>
+                <a:latin typeface="Avenir Next Regular"/>
+                <a:cs typeface="Avenir Next Regular"/>
+              </a:rPr>
+              <a:t>EECS 281</a:t>
+            </a:r>
+            <a:endParaRPr lang="en-US" sz="1200" b="1" dirty="0">
+              <a:solidFill>
+                <a:schemeClr val="tx1">
+                  <a:lumMod val="65000"/>
+                  <a:lumOff val="35000"/>
+                </a:schemeClr>
+              </a:solidFill>
+              <a:latin typeface="Avenir Next Regular"/>
+              <a:cs typeface="Avenir Next Regular"/>
+            </a:endParaRPr>
+          </a:p>
+        </p:txBody>
+      </p:sp>
+      <p:pic>
+        <p:nvPicPr>
+          <p:cNvPr id="33" name="Picture 32"/>
+          <p:cNvPicPr>
+            <a:picLocks noChangeAspect="1"/>
+          </p:cNvPicPr>
+          <p:nvPr/>
+        </p:nvPicPr>
+        <p:blipFill>
+          <a:blip r:embed="rId5" cstate="screen">
+            <a:extLst>
+              <a:ext uri="{28A0092B-C50C-407E-A947-70E740481C1C}">
+                <a14:useLocalDpi xmlns:a14="http://schemas.microsoft.com/office/drawing/2010/main"/>
+              </a:ext>
+            </a:extLst>
+          </a:blip>
+          <a:stretch>
+            <a:fillRect/>
+          </a:stretch>
+        </p:blipFill>
+        <p:spPr>
+          <a:xfrm>
+            <a:off x="1557849" y="4691908"/>
+            <a:ext cx="203200" cy="203200"/>
+          </a:xfrm>
+          <a:prstGeom prst="rect">
+            <a:avLst/>
+          </a:prstGeom>
+        </p:spPr>
+      </p:pic>
+      <p:pic>
+        <p:nvPicPr>
+          <p:cNvPr id="34" name="Picture 33"/>
+          <p:cNvPicPr>
+            <a:picLocks noChangeAspect="1"/>
+          </p:cNvPicPr>
+          <p:nvPr/>
+        </p:nvPicPr>
+        <p:blipFill>
+          <a:blip r:embed="rId6" cstate="screen">
+            <a:extLst>
+              <a:ext uri="{28A0092B-C50C-407E-A947-70E740481C1C}">
+                <a14:useLocalDpi xmlns:a14="http://schemas.microsoft.com/office/drawing/2010/main"/>
+              </a:ext>
+            </a:extLst>
+          </a:blip>
+          <a:stretch>
+            <a:fillRect/>
+          </a:stretch>
+        </p:blipFill>
+        <p:spPr>
+          <a:xfrm>
+            <a:off x="1557847" y="4996651"/>
+            <a:ext cx="203200" cy="203200"/>
+          </a:xfrm>
+          <a:prstGeom prst="rect">
+            <a:avLst/>
+          </a:prstGeom>
+        </p:spPr>
+      </p:pic>
+      <p:sp>
+        <p:nvSpPr>
+          <p:cNvPr id="36" name="TextBox 35"/>
+          <p:cNvSpPr txBox="1"/>
+          <p:nvPr/>
+        </p:nvSpPr>
+        <p:spPr>
+          <a:xfrm>
+            <a:off x="215881" y="4948253"/>
+            <a:ext cx="906243" cy="276999"/>
+          </a:xfrm>
+          <a:prstGeom prst="rect">
+            <a:avLst/>
+          </a:prstGeom>
+          <a:noFill/>
+        </p:spPr>
+        <p:txBody>
+          <a:bodyPr wrap="none" rtlCol="0">
+            <a:spAutoFit/>
+          </a:bodyPr>
+          <a:lstStyle/>
+          <a:p>
+            <a:r>
+              <a:rPr lang="en-US" sz="1200" b="1" dirty="0" smtClean="0">
+                <a:solidFill>
+                  <a:schemeClr val="tx1">
+                    <a:lumMod val="65000"/>
+                    <a:lumOff val="35000"/>
+                  </a:schemeClr>
+                </a:solidFill>
+                <a:latin typeface="Avenir Next Regular"/>
+                <a:cs typeface="Avenir Next Regular"/>
+              </a:rPr>
+              <a:t>EECS 370</a:t>
+            </a:r>
+            <a:endParaRPr lang="en-US" sz="1200" b="1" dirty="0">
+              <a:solidFill>
+                <a:schemeClr val="tx1">
+                  <a:lumMod val="65000"/>
+                  <a:lumOff val="35000"/>
+                </a:schemeClr>
+              </a:solidFill>
+              <a:latin typeface="Avenir Next Regular"/>
+              <a:cs typeface="Avenir Next Regular"/>
+            </a:endParaRPr>
+          </a:p>
+        </p:txBody>
+      </p:sp>
+      <p:pic>
+        <p:nvPicPr>
+          <p:cNvPr id="37" name="Picture 36"/>
+          <p:cNvPicPr>
+            <a:picLocks noChangeAspect="1"/>
+          </p:cNvPicPr>
+          <p:nvPr/>
+        </p:nvPicPr>
+        <p:blipFill>
+          <a:blip r:embed="rId6" cstate="screen">
+            <a:extLst>
+              <a:ext uri="{28A0092B-C50C-407E-A947-70E740481C1C}">
+                <a14:useLocalDpi xmlns:a14="http://schemas.microsoft.com/office/drawing/2010/main"/>
+              </a:ext>
+            </a:extLst>
+          </a:blip>
+          <a:stretch>
+            <a:fillRect/>
+          </a:stretch>
+        </p:blipFill>
+        <p:spPr>
+          <a:xfrm>
+            <a:off x="1557849" y="5309284"/>
+            <a:ext cx="203200" cy="203200"/>
+          </a:xfrm>
+          <a:prstGeom prst="rect">
+            <a:avLst/>
+          </a:prstGeom>
+        </p:spPr>
+      </p:pic>
+      <p:sp>
+        <p:nvSpPr>
+          <p:cNvPr id="38" name="TextBox 37"/>
+          <p:cNvSpPr txBox="1"/>
+          <p:nvPr/>
+        </p:nvSpPr>
+        <p:spPr>
+          <a:xfrm>
+            <a:off x="215883" y="5260886"/>
+            <a:ext cx="629859" cy="276999"/>
+          </a:xfrm>
+          <a:prstGeom prst="rect">
+            <a:avLst/>
+          </a:prstGeom>
+          <a:noFill/>
+        </p:spPr>
+        <p:txBody>
+          <a:bodyPr wrap="none" rtlCol="0">
+            <a:spAutoFit/>
+          </a:bodyPr>
+          <a:lstStyle/>
+          <a:p>
+            <a:r>
+              <a:rPr lang="en-US" sz="1200" b="1" dirty="0" smtClean="0">
+                <a:solidFill>
+                  <a:schemeClr val="tx1">
+                    <a:lumMod val="65000"/>
+                    <a:lumOff val="35000"/>
+                  </a:schemeClr>
+                </a:solidFill>
+                <a:latin typeface="Avenir Next Regular"/>
+                <a:cs typeface="Avenir Next Regular"/>
+              </a:rPr>
+              <a:t>DUDE</a:t>
+            </a:r>
+            <a:endParaRPr lang="en-US" sz="1200" b="1" dirty="0">
+              <a:solidFill>
+                <a:schemeClr val="tx1">
+                  <a:lumMod val="65000"/>
+                  <a:lumOff val="35000"/>
+                </a:schemeClr>
+              </a:solidFill>
+              <a:latin typeface="Avenir Next Regular"/>
+              <a:cs typeface="Avenir Next Regular"/>
+            </a:endParaRPr>
+          </a:p>
+        </p:txBody>
+      </p:sp>
+      <p:sp>
+        <p:nvSpPr>
+          <p:cNvPr id="39" name="TextBox 38"/>
+          <p:cNvSpPr txBox="1"/>
+          <p:nvPr/>
+        </p:nvSpPr>
+        <p:spPr>
+          <a:xfrm>
+            <a:off x="215882" y="5563286"/>
+            <a:ext cx="491670" cy="276999"/>
+          </a:xfrm>
+          <a:prstGeom prst="rect">
+            <a:avLst/>
+          </a:prstGeom>
+          <a:noFill/>
+        </p:spPr>
+        <p:txBody>
+          <a:bodyPr wrap="none" rtlCol="0">
+            <a:spAutoFit/>
+          </a:bodyPr>
+          <a:lstStyle/>
+          <a:p>
+            <a:r>
+              <a:rPr lang="en-US" sz="1200" b="1" dirty="0" smtClean="0">
+                <a:solidFill>
+                  <a:schemeClr val="tx1">
+                    <a:lumMod val="65000"/>
+                    <a:lumOff val="35000"/>
+                  </a:schemeClr>
+                </a:solidFill>
+                <a:latin typeface="Avenir Next Regular"/>
+                <a:cs typeface="Avenir Next Regular"/>
+              </a:rPr>
+              <a:t>BBB</a:t>
+            </a:r>
+            <a:endParaRPr lang="en-US" sz="1200" b="1" dirty="0">
+              <a:solidFill>
+                <a:schemeClr val="tx1">
+                  <a:lumMod val="65000"/>
+                  <a:lumOff val="35000"/>
+                </a:schemeClr>
+              </a:solidFill>
+              <a:latin typeface="Avenir Next Regular"/>
+              <a:cs typeface="Avenir Next Regular"/>
+            </a:endParaRPr>
+          </a:p>
+        </p:txBody>
+      </p:sp>
+      <p:pic>
+        <p:nvPicPr>
+          <p:cNvPr id="40" name="Picture 39"/>
+          <p:cNvPicPr>
+            <a:picLocks noChangeAspect="1"/>
+          </p:cNvPicPr>
+          <p:nvPr/>
+        </p:nvPicPr>
+        <p:blipFill>
+          <a:blip r:embed="rId5" cstate="screen">
+            <a:extLst>
+              <a:ext uri="{28A0092B-C50C-407E-A947-70E740481C1C}">
+                <a14:useLocalDpi xmlns:a14="http://schemas.microsoft.com/office/drawing/2010/main"/>
+              </a:ext>
+            </a:extLst>
+          </a:blip>
+          <a:stretch>
+            <a:fillRect/>
+          </a:stretch>
+        </p:blipFill>
+        <p:spPr>
+          <a:xfrm>
+            <a:off x="1557849" y="5597840"/>
+            <a:ext cx="203200" cy="203200"/>
+          </a:xfrm>
+          <a:prstGeom prst="rect">
+            <a:avLst/>
+          </a:prstGeom>
+        </p:spPr>
+      </p:pic>
+      <p:sp>
+        <p:nvSpPr>
+          <p:cNvPr id="41" name="Rectangle 40"/>
+          <p:cNvSpPr/>
+          <p:nvPr/>
+        </p:nvSpPr>
+        <p:spPr>
+          <a:xfrm>
+            <a:off x="215883" y="5935133"/>
+            <a:ext cx="1545166" cy="270934"/>
+          </a:xfrm>
+          <a:prstGeom prst="rect">
+            <a:avLst/>
+          </a:prstGeom>
+          <a:solidFill>
+            <a:schemeClr val="bg1">
+              <a:lumMod val="95000"/>
+            </a:schemeClr>
+          </a:solidFill>
+          <a:ln>
+            <a:noFill/>
+          </a:ln>
+          <a:effectLst/>
+        </p:spPr>
+        <p:style>
+          <a:lnRef idx="1">
+            <a:schemeClr val="accent1"/>
+          </a:lnRef>
+          <a:fillRef idx="3">
+            <a:schemeClr val="accent1"/>
+          </a:fillRef>
+          <a:effectRef idx="2">
+            <a:schemeClr val="accent1"/>
+          </a:effectRef>
+          <a:fontRef idx="minor">
+            <a:schemeClr val="lt1"/>
+          </a:fontRef>
+        </p:style>
+        <p:txBody>
+          <a:bodyPr rtlCol="0" anchor="ctr"/>
+          <a:lstStyle/>
+          <a:p>
+            <a:r>
+              <a:rPr lang="en-US" sz="1400" dirty="0" smtClean="0">
+                <a:solidFill>
+                  <a:srgbClr val="595959"/>
+                </a:solidFill>
+              </a:rPr>
+              <a:t>New Filter</a:t>
+            </a:r>
+            <a:endParaRPr lang="en-US" sz="1400" dirty="0">
+              <a:solidFill>
+                <a:srgbClr val="595959"/>
+              </a:solidFill>
+            </a:endParaRPr>
+          </a:p>
+        </p:txBody>
+      </p:sp>
+      <p:sp>
+        <p:nvSpPr>
+          <p:cNvPr id="42" name="Round Same Side Corner Rectangle 41"/>
+          <p:cNvSpPr/>
+          <p:nvPr/>
+        </p:nvSpPr>
+        <p:spPr>
+          <a:xfrm rot="16200000">
+            <a:off x="329664" y="6223170"/>
+            <a:ext cx="360863" cy="588429"/>
+          </a:xfrm>
+          <a:prstGeom prst="round2SameRect">
+            <a:avLst/>
+          </a:prstGeom>
+          <a:solidFill>
+            <a:schemeClr val="accent3">
+              <a:lumMod val="75000"/>
+            </a:schemeClr>
+          </a:solidFill>
+          <a:ln>
+            <a:noFill/>
+          </a:ln>
+          <a:effectLst/>
+        </p:spPr>
+        <p:style>
+          <a:lnRef idx="1">
+            <a:schemeClr val="accent1"/>
+          </a:lnRef>
+          <a:fillRef idx="3">
+            <a:schemeClr val="accent1"/>
+          </a:fillRef>
+          <a:effectRef idx="2">
+            <a:schemeClr val="accent1"/>
+          </a:effectRef>
+          <a:fontRef idx="minor">
+            <a:schemeClr val="lt1"/>
+          </a:fontRef>
+        </p:style>
+        <p:txBody>
+          <a:bodyPr rtlCol="0" anchor="ctr"/>
+          <a:lstStyle/>
+          <a:p>
+            <a:pPr algn="ctr"/>
+            <a:endParaRPr lang="en-US"/>
+          </a:p>
+        </p:txBody>
+      </p:sp>
+      <p:sp>
+        <p:nvSpPr>
+          <p:cNvPr id="43" name="Rectangle 42"/>
+          <p:cNvSpPr/>
+          <p:nvPr/>
+        </p:nvSpPr>
+        <p:spPr>
+          <a:xfrm>
+            <a:off x="622284" y="6336955"/>
+            <a:ext cx="796826" cy="360862"/>
+          </a:xfrm>
+          <a:prstGeom prst="rect">
+            <a:avLst/>
+          </a:prstGeom>
+          <a:solidFill>
+            <a:srgbClr val="77933C"/>
+          </a:solidFill>
+          <a:ln>
+            <a:noFill/>
+          </a:ln>
+          <a:effectLst/>
+        </p:spPr>
+        <p:style>
+          <a:lnRef idx="1">
+            <a:schemeClr val="accent1"/>
+          </a:lnRef>
+          <a:fillRef idx="3">
+            <a:schemeClr val="accent1"/>
+          </a:fillRef>
+          <a:effectRef idx="2">
+            <a:schemeClr val="accent1"/>
+          </a:effectRef>
+          <a:fontRef idx="minor">
+            <a:schemeClr val="lt1"/>
+          </a:fontRef>
+        </p:style>
+        <p:txBody>
+          <a:bodyPr rtlCol="0" anchor="ctr"/>
+          <a:lstStyle/>
+          <a:p>
+            <a:pPr algn="ctr"/>
+            <a:endParaRPr lang="en-US"/>
+          </a:p>
+        </p:txBody>
+      </p:sp>
+      <p:sp>
+        <p:nvSpPr>
+          <p:cNvPr id="44" name="Round Same Side Corner Rectangle 43"/>
+          <p:cNvSpPr/>
+          <p:nvPr/>
+        </p:nvSpPr>
+        <p:spPr>
+          <a:xfrm rot="5400000">
+            <a:off x="1343557" y="6280330"/>
+            <a:ext cx="360863" cy="474113"/>
+          </a:xfrm>
+          <a:prstGeom prst="round2SameRect">
+            <a:avLst/>
+          </a:prstGeom>
+          <a:solidFill>
+            <a:srgbClr val="77933C"/>
+          </a:solidFill>
+          <a:ln>
+            <a:noFill/>
+          </a:ln>
+          <a:effectLst/>
+        </p:spPr>
+        <p:style>
+          <a:lnRef idx="1">
+            <a:schemeClr val="accent1"/>
+          </a:lnRef>
+          <a:fillRef idx="3">
+            <a:schemeClr val="accent1"/>
+          </a:fillRef>
+          <a:effectRef idx="2">
+            <a:schemeClr val="accent1"/>
+          </a:effectRef>
+          <a:fontRef idx="minor">
+            <a:schemeClr val="lt1"/>
+          </a:fontRef>
+        </p:style>
+        <p:txBody>
+          <a:bodyPr rtlCol="0" anchor="ctr">
+            <a:scene3d>
+              <a:camera prst="orthographicFront">
+                <a:rot lat="0" lon="0" rev="5400000"/>
+              </a:camera>
+              <a:lightRig rig="threePt" dir="t"/>
+            </a:scene3d>
+          </a:bodyPr>
+          <a:lstStyle/>
+          <a:p>
+            <a:pPr algn="ctr"/>
+            <a:endParaRPr lang="en-US" sz="600" dirty="0"/>
+          </a:p>
+        </p:txBody>
+      </p:sp>
+      <p:sp>
+        <p:nvSpPr>
+          <p:cNvPr id="45" name="TextBox 44"/>
+          <p:cNvSpPr txBox="1"/>
+          <p:nvPr/>
+        </p:nvSpPr>
+        <p:spPr>
+          <a:xfrm>
+            <a:off x="1237929" y="6396215"/>
+            <a:ext cx="556988" cy="246221"/>
+          </a:xfrm>
+          <a:prstGeom prst="rect">
+            <a:avLst/>
+          </a:prstGeom>
+          <a:noFill/>
+        </p:spPr>
+        <p:txBody>
+          <a:bodyPr wrap="none" rtlCol="0">
+            <a:spAutoFit/>
+          </a:bodyPr>
+          <a:lstStyle/>
+          <a:p>
+            <a:r>
+              <a:rPr lang="en-US" sz="1000" dirty="0" smtClean="0">
+                <a:solidFill>
+                  <a:schemeClr val="bg1">
+                    <a:lumMod val="95000"/>
+                  </a:schemeClr>
+                </a:solidFill>
+              </a:rPr>
+              <a:t>BUDDY</a:t>
+            </a:r>
+            <a:endParaRPr lang="en-US" sz="1000" dirty="0">
+              <a:solidFill>
+                <a:schemeClr val="bg1">
+                  <a:lumMod val="95000"/>
+                </a:schemeClr>
+              </a:solidFill>
+            </a:endParaRPr>
+          </a:p>
+        </p:txBody>
+      </p:sp>
+      <p:sp>
+        <p:nvSpPr>
+          <p:cNvPr id="46" name="TextBox 45"/>
+          <p:cNvSpPr txBox="1"/>
+          <p:nvPr/>
+        </p:nvSpPr>
+        <p:spPr>
+          <a:xfrm>
+            <a:off x="740279" y="6396215"/>
+            <a:ext cx="510025" cy="246221"/>
+          </a:xfrm>
+          <a:prstGeom prst="rect">
+            <a:avLst/>
+          </a:prstGeom>
+          <a:noFill/>
+        </p:spPr>
+        <p:txBody>
+          <a:bodyPr wrap="none" rtlCol="0">
+            <a:spAutoFit/>
+          </a:bodyPr>
+          <a:lstStyle/>
+          <a:p>
+            <a:r>
+              <a:rPr lang="en-US" sz="1000" dirty="0" smtClean="0">
+                <a:solidFill>
+                  <a:schemeClr val="bg1">
+                    <a:lumMod val="95000"/>
+                  </a:schemeClr>
+                </a:solidFill>
+              </a:rPr>
+              <a:t>PLACE</a:t>
+            </a:r>
+            <a:endParaRPr lang="en-US" sz="1000" dirty="0">
+              <a:solidFill>
+                <a:schemeClr val="bg1">
+                  <a:lumMod val="95000"/>
+                </a:schemeClr>
+              </a:solidFill>
+            </a:endParaRPr>
+          </a:p>
+        </p:txBody>
+      </p:sp>
+      <p:sp>
+        <p:nvSpPr>
+          <p:cNvPr id="47" name="TextBox 46"/>
+          <p:cNvSpPr txBox="1"/>
+          <p:nvPr/>
+        </p:nvSpPr>
+        <p:spPr>
+          <a:xfrm>
+            <a:off x="241274" y="6400096"/>
+            <a:ext cx="499005" cy="246221"/>
+          </a:xfrm>
+          <a:prstGeom prst="rect">
+            <a:avLst/>
+          </a:prstGeom>
+          <a:noFill/>
+        </p:spPr>
+        <p:txBody>
+          <a:bodyPr wrap="none" rtlCol="0">
+            <a:spAutoFit/>
+          </a:bodyPr>
+          <a:lstStyle/>
+          <a:p>
+            <a:r>
+              <a:rPr lang="en-US" sz="1000" dirty="0" smtClean="0">
+                <a:solidFill>
+                  <a:schemeClr val="bg1">
+                    <a:lumMod val="95000"/>
+                  </a:schemeClr>
+                </a:solidFill>
+              </a:rPr>
+              <a:t>CLASS</a:t>
+            </a:r>
+            <a:endParaRPr lang="en-US" sz="1000" dirty="0">
+              <a:solidFill>
+                <a:schemeClr val="bg1">
+                  <a:lumMod val="95000"/>
+                </a:schemeClr>
+              </a:solidFill>
+            </a:endParaRPr>
+          </a:p>
+        </p:txBody>
+      </p:sp>
+      <p:cxnSp>
+        <p:nvCxnSpPr>
+          <p:cNvPr id="49" name="Straight Connector 48"/>
+          <p:cNvCxnSpPr/>
+          <p:nvPr/>
+        </p:nvCxnSpPr>
+        <p:spPr>
+          <a:xfrm>
+            <a:off x="1237929" y="6336953"/>
+            <a:ext cx="0" cy="360863"/>
+          </a:xfrm>
+          <a:prstGeom prst="line">
+            <a:avLst/>
+          </a:prstGeom>
+          <a:ln w="6350" cmpd="sng">
+            <a:solidFill>
+              <a:schemeClr val="bg1">
+                <a:lumMod val="95000"/>
+              </a:schemeClr>
+            </a:solidFill>
+          </a:ln>
+          <a:effectLst/>
+        </p:spPr>
+        <p:style>
+          <a:lnRef idx="2">
+            <a:schemeClr val="accent1"/>
+          </a:lnRef>
+          <a:fillRef idx="0">
+            <a:schemeClr val="accent1"/>
+          </a:fillRef>
+          <a:effectRef idx="1">
+            <a:schemeClr val="accent1"/>
+          </a:effectRef>
+          <a:fontRef idx="minor">
+            <a:schemeClr val="tx1"/>
+          </a:fontRef>
+        </p:style>
+      </p:cxnSp>
+      <p:cxnSp>
+        <p:nvCxnSpPr>
+          <p:cNvPr id="50" name="Straight Connector 49"/>
+          <p:cNvCxnSpPr/>
+          <p:nvPr/>
+        </p:nvCxnSpPr>
+        <p:spPr>
+          <a:xfrm>
+            <a:off x="738370" y="6336947"/>
+            <a:ext cx="0" cy="360863"/>
+          </a:xfrm>
+          <a:prstGeom prst="line">
+            <a:avLst/>
+          </a:prstGeom>
+          <a:ln w="6350" cmpd="sng">
+            <a:solidFill>
+              <a:schemeClr val="bg1">
+                <a:lumMod val="95000"/>
+              </a:schemeClr>
+            </a:solidFill>
+          </a:ln>
+          <a:effectLst/>
+        </p:spPr>
+        <p:style>
+          <a:lnRef idx="2">
+            <a:schemeClr val="accent1"/>
+          </a:lnRef>
+          <a:fillRef idx="0">
+            <a:schemeClr val="accent1"/>
+          </a:fillRef>
+          <a:effectRef idx="1">
+            <a:schemeClr val="accent1"/>
+          </a:effectRef>
+          <a:fontRef idx="minor">
+            <a:schemeClr val="tx1"/>
+          </a:fontRef>
+        </p:style>
+      </p:cxnSp>
       <p:sp>
         <p:nvSpPr>
           <p:cNvPr id="56" name="Rectangle 55"/>
@@ -34919,8 +36862,8 @@
         </p:nvSpPr>
         <p:spPr>
           <a:xfrm>
-            <a:off x="529167" y="2099733"/>
-            <a:ext cx="5393266" cy="2311400"/>
+            <a:off x="2243667" y="767687"/>
+            <a:ext cx="5393266" cy="5438380"/>
           </a:xfrm>
           <a:prstGeom prst="rect">
             <a:avLst/>
@@ -34978,7 +36921,7 @@
         </p:nvSpPr>
         <p:spPr>
           <a:xfrm>
-            <a:off x="605367" y="2177530"/>
+            <a:off x="2319867" y="845484"/>
             <a:ext cx="3561473" cy="369332"/>
           </a:xfrm>
           <a:prstGeom prst="rect">
@@ -35014,7 +36957,7 @@
         </p:nvSpPr>
         <p:spPr>
           <a:xfrm>
-            <a:off x="613832" y="2487449"/>
+            <a:off x="2328332" y="1155403"/>
             <a:ext cx="1682672" cy="307777"/>
           </a:xfrm>
           <a:prstGeom prst="rect">
@@ -35056,7 +36999,7 @@
         </p:nvSpPr>
         <p:spPr>
           <a:xfrm>
-            <a:off x="664634" y="2779033"/>
+            <a:off x="2379134" y="1446987"/>
             <a:ext cx="5054599" cy="769441"/>
           </a:xfrm>
           <a:prstGeom prst="rect">
@@ -35093,7 +37036,7 @@
           <p:nvPr/>
         </p:nvPicPr>
         <p:blipFill>
-          <a:blip r:embed="rId3" cstate="screen">
+          <a:blip r:embed="rId7" cstate="screen">
             <a:extLst>
               <a:ext uri="{28A0092B-C50C-407E-A947-70E740481C1C}">
                 <a14:useLocalDpi xmlns:a14="http://schemas.microsoft.com/office/drawing/2010/main"/>
@@ -35106,7 +37049,7 @@
         </p:blipFill>
         <p:spPr>
           <a:xfrm>
-            <a:off x="698503" y="3623731"/>
+            <a:off x="2413003" y="2291685"/>
             <a:ext cx="143934" cy="143934"/>
           </a:xfrm>
           <a:prstGeom prst="rect">
@@ -35122,7 +37065,7 @@
         </p:nvSpPr>
         <p:spPr>
           <a:xfrm>
-            <a:off x="842430" y="3565152"/>
+            <a:off x="2556930" y="2233106"/>
             <a:ext cx="786436" cy="261610"/>
           </a:xfrm>
           <a:prstGeom prst="rect">
@@ -35165,7 +37108,7 @@
           <p:nvPr/>
         </p:nvPicPr>
         <p:blipFill>
-          <a:blip r:embed="rId4" cstate="screen">
+          <a:blip r:embed="rId8" cstate="screen">
             <a:extLst>
               <a:ext uri="{28A0092B-C50C-407E-A947-70E740481C1C}">
                 <a14:useLocalDpi xmlns:a14="http://schemas.microsoft.com/office/drawing/2010/main"/>
@@ -35178,7 +37121,7 @@
         </p:blipFill>
         <p:spPr>
           <a:xfrm>
-            <a:off x="4842932" y="3615267"/>
+            <a:off x="6557432" y="2283221"/>
             <a:ext cx="194733" cy="194733"/>
           </a:xfrm>
           <a:prstGeom prst="rect">
@@ -35194,7 +37137,7 @@
         </p:nvSpPr>
         <p:spPr>
           <a:xfrm>
-            <a:off x="5000533" y="3565152"/>
+            <a:off x="6715033" y="2233106"/>
             <a:ext cx="451273" cy="261610"/>
           </a:xfrm>
           <a:prstGeom prst="rect">
@@ -35236,7 +37179,7 @@
         </p:nvSpPr>
         <p:spPr>
           <a:xfrm>
-            <a:off x="698503" y="3894749"/>
+            <a:off x="2415300" y="3979420"/>
             <a:ext cx="3191407" cy="261610"/>
           </a:xfrm>
           <a:prstGeom prst="rect">
@@ -35278,14 +37221,14 @@
         </p:nvSpPr>
         <p:spPr>
           <a:xfrm>
-            <a:off x="3864509" y="3929991"/>
+            <a:off x="5581306" y="4014662"/>
             <a:ext cx="694267" cy="237754"/>
           </a:xfrm>
           <a:prstGeom prst="roundRect">
             <a:avLst/>
           </a:prstGeom>
           <a:solidFill>
-            <a:schemeClr val="accent3">
+            <a:schemeClr val="accent2">
               <a:lumMod val="75000"/>
             </a:schemeClr>
           </a:solidFill>
@@ -35315,54 +37258,9 @@
             <a:pPr algn="ctr"/>
             <a:r>
               <a:rPr lang="en-US" sz="1200" dirty="0" smtClean="0"/>
-              <a:t>+ Join!</a:t>
+              <a:t>- Leave</a:t>
             </a:r>
             <a:endParaRPr lang="en-US" sz="1200" dirty="0"/>
-          </a:p>
-        </p:txBody>
-      </p:sp>
-      <p:sp>
-        <p:nvSpPr>
-          <p:cNvPr id="2" name="Rectangle 1"/>
-          <p:cNvSpPr/>
-          <p:nvPr/>
-        </p:nvSpPr>
-        <p:spPr>
-          <a:xfrm>
-            <a:off x="6388100" y="-286409"/>
-            <a:ext cx="2806700" cy="7454900"/>
-          </a:xfrm>
-          <a:prstGeom prst="rect">
-            <a:avLst/>
-          </a:prstGeom>
-          <a:solidFill>
-            <a:schemeClr val="tx1"/>
-          </a:solidFill>
-          <a:ln>
-            <a:noFill/>
-          </a:ln>
-          <a:effectLst/>
-        </p:spPr>
-        <p:style>
-          <a:lnRef idx="1">
-            <a:schemeClr val="accent1"/>
-          </a:lnRef>
-          <a:fillRef idx="3">
-            <a:schemeClr val="accent1"/>
-          </a:fillRef>
-          <a:effectRef idx="2">
-            <a:schemeClr val="accent1"/>
-          </a:effectRef>
-          <a:fontRef idx="minor">
-            <a:schemeClr val="lt1"/>
-          </a:fontRef>
-        </p:style>
-        <p:txBody>
-          <a:bodyPr rtlCol="0" anchor="ctr"/>
-          <a:lstStyle/>
-          <a:p>
-            <a:pPr algn="ctr"/>
-            <a:endParaRPr lang="en-US"/>
           </a:p>
         </p:txBody>
       </p:sp>
@@ -35375,7 +37273,7 @@
           <p:nvPr/>
         </p:nvPicPr>
         <p:blipFill>
-          <a:blip r:embed="rId5" cstate="screen">
+          <a:blip r:embed="rId2" cstate="screen">
             <a:extLst>
               <a:ext uri="{28A0092B-C50C-407E-A947-70E740481C1C}">
                 <a14:useLocalDpi xmlns:a14="http://schemas.microsoft.com/office/drawing/2010/main"/>
@@ -35388,18 +37286,674 @@
         </p:blipFill>
         <p:spPr>
           <a:xfrm>
-            <a:off x="1727176" y="98378"/>
-            <a:ext cx="397950" cy="397950"/>
+            <a:off x="2556937" y="2885640"/>
+            <a:ext cx="439154" cy="439154"/>
           </a:xfrm>
           <a:prstGeom prst="rect">
             <a:avLst/>
           </a:prstGeom>
         </p:spPr>
       </p:pic>
+      <p:sp>
+        <p:nvSpPr>
+          <p:cNvPr id="66" name="TextBox 65"/>
+          <p:cNvSpPr txBox="1"/>
+          <p:nvPr/>
+        </p:nvSpPr>
+        <p:spPr>
+          <a:xfrm>
+            <a:off x="2410807" y="2533602"/>
+            <a:ext cx="1096199" cy="307777"/>
+          </a:xfrm>
+          <a:prstGeom prst="rect">
+            <a:avLst/>
+          </a:prstGeom>
+          <a:noFill/>
+        </p:spPr>
+        <p:txBody>
+          <a:bodyPr wrap="none" rtlCol="0">
+            <a:spAutoFit/>
+          </a:bodyPr>
+          <a:lstStyle/>
+          <a:p>
+            <a:r>
+              <a:rPr lang="en-US" sz="1400" dirty="0" smtClean="0">
+                <a:solidFill>
+                  <a:schemeClr val="bg1">
+                    <a:lumMod val="50000"/>
+                  </a:schemeClr>
+                </a:solidFill>
+              </a:rPr>
+              <a:t>Participants:</a:t>
+            </a:r>
+            <a:endParaRPr lang="en-US" sz="1400" dirty="0">
+              <a:solidFill>
+                <a:schemeClr val="bg1">
+                  <a:lumMod val="50000"/>
+                </a:schemeClr>
+              </a:solidFill>
+            </a:endParaRPr>
+          </a:p>
+        </p:txBody>
+      </p:sp>
+      <p:sp>
+        <p:nvSpPr>
+          <p:cNvPr id="67" name="TextBox 66"/>
+          <p:cNvSpPr txBox="1"/>
+          <p:nvPr/>
+        </p:nvSpPr>
+        <p:spPr>
+          <a:xfrm>
+            <a:off x="3074098" y="2959984"/>
+            <a:ext cx="1258540" cy="261610"/>
+          </a:xfrm>
+          <a:prstGeom prst="rect">
+            <a:avLst/>
+          </a:prstGeom>
+          <a:noFill/>
+        </p:spPr>
+        <p:txBody>
+          <a:bodyPr wrap="square" rtlCol="0">
+            <a:spAutoFit/>
+          </a:bodyPr>
+          <a:lstStyle/>
+          <a:p>
+            <a:r>
+              <a:rPr lang="en-US" sz="1100" dirty="0" err="1" smtClean="0">
+                <a:latin typeface="Avenir Light"/>
+                <a:cs typeface="Avenir Light"/>
+              </a:rPr>
+              <a:t>Sarthak</a:t>
+            </a:r>
+            <a:r>
+              <a:rPr lang="en-US" sz="1100" dirty="0" smtClean="0">
+                <a:latin typeface="Avenir Light"/>
+                <a:cs typeface="Avenir Light"/>
+              </a:rPr>
+              <a:t> </a:t>
+            </a:r>
+            <a:r>
+              <a:rPr lang="en-US" sz="1100" dirty="0" err="1" smtClean="0">
+                <a:latin typeface="Avenir Light"/>
+                <a:cs typeface="Avenir Light"/>
+              </a:rPr>
+              <a:t>Bhandari</a:t>
+            </a:r>
+            <a:endParaRPr lang="en-US" sz="1100" dirty="0">
+              <a:latin typeface="Avenir Light"/>
+              <a:cs typeface="Avenir Light"/>
+            </a:endParaRPr>
+          </a:p>
+        </p:txBody>
+      </p:sp>
+      <p:pic>
+        <p:nvPicPr>
+          <p:cNvPr id="68" name="Picture 67"/>
+          <p:cNvPicPr>
+            <a:picLocks noChangeAspect="1"/>
+          </p:cNvPicPr>
+          <p:nvPr/>
+        </p:nvPicPr>
+        <p:blipFill>
+          <a:blip r:embed="rId2" cstate="screen">
+            <a:extLst>
+              <a:ext uri="{28A0092B-C50C-407E-A947-70E740481C1C}">
+                <a14:useLocalDpi xmlns:a14="http://schemas.microsoft.com/office/drawing/2010/main"/>
+              </a:ext>
+            </a:extLst>
+          </a:blip>
+          <a:stretch>
+            <a:fillRect/>
+          </a:stretch>
+        </p:blipFill>
+        <p:spPr>
+          <a:xfrm>
+            <a:off x="4576512" y="2885640"/>
+            <a:ext cx="439154" cy="439154"/>
+          </a:xfrm>
+          <a:prstGeom prst="rect">
+            <a:avLst/>
+          </a:prstGeom>
+        </p:spPr>
+      </p:pic>
+      <p:sp>
+        <p:nvSpPr>
+          <p:cNvPr id="69" name="TextBox 68"/>
+          <p:cNvSpPr txBox="1"/>
+          <p:nvPr/>
+        </p:nvSpPr>
+        <p:spPr>
+          <a:xfrm>
+            <a:off x="5093673" y="2959984"/>
+            <a:ext cx="1258540" cy="261610"/>
+          </a:xfrm>
+          <a:prstGeom prst="rect">
+            <a:avLst/>
+          </a:prstGeom>
+          <a:noFill/>
+        </p:spPr>
+        <p:txBody>
+          <a:bodyPr wrap="square" rtlCol="0">
+            <a:spAutoFit/>
+          </a:bodyPr>
+          <a:lstStyle/>
+          <a:p>
+            <a:r>
+              <a:rPr lang="en-US" sz="1100" dirty="0" smtClean="0">
+                <a:latin typeface="Avenir Light"/>
+                <a:cs typeface="Avenir Light"/>
+              </a:rPr>
+              <a:t>Preeti Mohan</a:t>
+            </a:r>
+            <a:endParaRPr lang="en-US" sz="1100" dirty="0">
+              <a:latin typeface="Avenir Light"/>
+              <a:cs typeface="Avenir Light"/>
+            </a:endParaRPr>
+          </a:p>
+        </p:txBody>
+      </p:sp>
+      <p:pic>
+        <p:nvPicPr>
+          <p:cNvPr id="70" name="Picture 69"/>
+          <p:cNvPicPr>
+            <a:picLocks noChangeAspect="1"/>
+          </p:cNvPicPr>
+          <p:nvPr/>
+        </p:nvPicPr>
+        <p:blipFill>
+          <a:blip r:embed="rId2" cstate="screen">
+            <a:extLst>
+              <a:ext uri="{28A0092B-C50C-407E-A947-70E740481C1C}">
+                <a14:useLocalDpi xmlns:a14="http://schemas.microsoft.com/office/drawing/2010/main"/>
+              </a:ext>
+            </a:extLst>
+          </a:blip>
+          <a:stretch>
+            <a:fillRect/>
+          </a:stretch>
+        </p:blipFill>
+        <p:spPr>
+          <a:xfrm>
+            <a:off x="2556930" y="3430454"/>
+            <a:ext cx="439154" cy="439154"/>
+          </a:xfrm>
+          <a:prstGeom prst="rect">
+            <a:avLst/>
+          </a:prstGeom>
+        </p:spPr>
+      </p:pic>
+      <p:sp>
+        <p:nvSpPr>
+          <p:cNvPr id="71" name="TextBox 70"/>
+          <p:cNvSpPr txBox="1"/>
+          <p:nvPr/>
+        </p:nvSpPr>
+        <p:spPr>
+          <a:xfrm>
+            <a:off x="3074098" y="3438721"/>
+            <a:ext cx="1258547" cy="430887"/>
+          </a:xfrm>
+          <a:prstGeom prst="rect">
+            <a:avLst/>
+          </a:prstGeom>
+          <a:noFill/>
+        </p:spPr>
+        <p:txBody>
+          <a:bodyPr wrap="square" rtlCol="0">
+            <a:spAutoFit/>
+          </a:bodyPr>
+          <a:lstStyle/>
+          <a:p>
+            <a:r>
+              <a:rPr lang="en-US" sz="1100" dirty="0" err="1" smtClean="0">
+                <a:latin typeface="Avenir Light"/>
+                <a:cs typeface="Avenir Light"/>
+              </a:rPr>
+              <a:t>Tharun</a:t>
+            </a:r>
+            <a:r>
+              <a:rPr lang="en-US" sz="1100" dirty="0" smtClean="0">
+                <a:latin typeface="Avenir Light"/>
+                <a:cs typeface="Avenir Light"/>
+              </a:rPr>
+              <a:t> </a:t>
+            </a:r>
+            <a:r>
+              <a:rPr lang="en-US" sz="1100" dirty="0" err="1" smtClean="0">
+                <a:latin typeface="Avenir Light"/>
+                <a:cs typeface="Avenir Light"/>
+              </a:rPr>
+              <a:t>Selvakumar</a:t>
+            </a:r>
+            <a:endParaRPr lang="en-US" sz="1100" dirty="0">
+              <a:latin typeface="Avenir Light"/>
+              <a:cs typeface="Avenir Light"/>
+            </a:endParaRPr>
+          </a:p>
+        </p:txBody>
+      </p:sp>
+      <p:pic>
+        <p:nvPicPr>
+          <p:cNvPr id="72" name="Picture 71"/>
+          <p:cNvPicPr>
+            <a:picLocks noChangeAspect="1"/>
+          </p:cNvPicPr>
+          <p:nvPr/>
+        </p:nvPicPr>
+        <p:blipFill>
+          <a:blip r:embed="rId2" cstate="screen">
+            <a:extLst>
+              <a:ext uri="{28A0092B-C50C-407E-A947-70E740481C1C}">
+                <a14:useLocalDpi xmlns:a14="http://schemas.microsoft.com/office/drawing/2010/main"/>
+              </a:ext>
+            </a:extLst>
+          </a:blip>
+          <a:stretch>
+            <a:fillRect/>
+          </a:stretch>
+        </p:blipFill>
+        <p:spPr>
+          <a:xfrm>
+            <a:off x="4576505" y="3430454"/>
+            <a:ext cx="439154" cy="439154"/>
+          </a:xfrm>
+          <a:prstGeom prst="rect">
+            <a:avLst/>
+          </a:prstGeom>
+        </p:spPr>
+      </p:pic>
+      <p:sp>
+        <p:nvSpPr>
+          <p:cNvPr id="73" name="TextBox 72"/>
+          <p:cNvSpPr txBox="1"/>
+          <p:nvPr/>
+        </p:nvSpPr>
+        <p:spPr>
+          <a:xfrm>
+            <a:off x="5093666" y="3504798"/>
+            <a:ext cx="1258540" cy="261610"/>
+          </a:xfrm>
+          <a:prstGeom prst="rect">
+            <a:avLst/>
+          </a:prstGeom>
+          <a:noFill/>
+        </p:spPr>
+        <p:txBody>
+          <a:bodyPr wrap="square" rtlCol="0">
+            <a:spAutoFit/>
+          </a:bodyPr>
+          <a:lstStyle/>
+          <a:p>
+            <a:r>
+              <a:rPr lang="en-US" sz="1100" dirty="0" smtClean="0">
+                <a:latin typeface="Avenir Light"/>
+                <a:cs typeface="Avenir Light"/>
+              </a:rPr>
+              <a:t>Apoorva Gupta</a:t>
+            </a:r>
+            <a:endParaRPr lang="en-US" sz="1100" dirty="0">
+              <a:latin typeface="Avenir Light"/>
+              <a:cs typeface="Avenir Light"/>
+            </a:endParaRPr>
+          </a:p>
+        </p:txBody>
+      </p:sp>
+      <p:pic>
+        <p:nvPicPr>
+          <p:cNvPr id="74" name="Picture 73"/>
+          <p:cNvPicPr>
+            <a:picLocks noChangeAspect="1"/>
+          </p:cNvPicPr>
+          <p:nvPr/>
+        </p:nvPicPr>
+        <p:blipFill>
+          <a:blip r:embed="rId2" cstate="screen">
+            <a:extLst>
+              <a:ext uri="{28A0092B-C50C-407E-A947-70E740481C1C}">
+                <a14:useLocalDpi xmlns:a14="http://schemas.microsoft.com/office/drawing/2010/main"/>
+              </a:ext>
+            </a:extLst>
+          </a:blip>
+          <a:stretch>
+            <a:fillRect/>
+          </a:stretch>
+        </p:blipFill>
+        <p:spPr>
+          <a:xfrm>
+            <a:off x="6874207" y="863304"/>
+            <a:ext cx="584197" cy="584197"/>
+          </a:xfrm>
+          <a:prstGeom prst="rect">
+            <a:avLst/>
+          </a:prstGeom>
+        </p:spPr>
+      </p:pic>
+      <p:sp>
+        <p:nvSpPr>
+          <p:cNvPr id="75" name="TextBox 74"/>
+          <p:cNvSpPr txBox="1"/>
+          <p:nvPr/>
+        </p:nvSpPr>
+        <p:spPr>
+          <a:xfrm>
+            <a:off x="2413003" y="4257244"/>
+            <a:ext cx="1317901" cy="307777"/>
+          </a:xfrm>
+          <a:prstGeom prst="rect">
+            <a:avLst/>
+          </a:prstGeom>
+          <a:noFill/>
+        </p:spPr>
+        <p:txBody>
+          <a:bodyPr wrap="none" rtlCol="0">
+            <a:spAutoFit/>
+          </a:bodyPr>
+          <a:lstStyle/>
+          <a:p>
+            <a:r>
+              <a:rPr lang="en-US" sz="1400" u="sng" dirty="0" smtClean="0">
+                <a:solidFill>
+                  <a:schemeClr val="bg1">
+                    <a:lumMod val="50000"/>
+                  </a:schemeClr>
+                </a:solidFill>
+              </a:rPr>
+              <a:t>Discussion (2) &gt;</a:t>
+            </a:r>
+            <a:endParaRPr lang="en-US" sz="1400" u="sng" dirty="0">
+              <a:solidFill>
+                <a:schemeClr val="bg1">
+                  <a:lumMod val="50000"/>
+                </a:schemeClr>
+              </a:solidFill>
+            </a:endParaRPr>
+          </a:p>
+        </p:txBody>
+      </p:sp>
+      <p:pic>
+        <p:nvPicPr>
+          <p:cNvPr id="76" name="Picture 75"/>
+          <p:cNvPicPr>
+            <a:picLocks noChangeAspect="1"/>
+          </p:cNvPicPr>
+          <p:nvPr/>
+        </p:nvPicPr>
+        <p:blipFill>
+          <a:blip r:embed="rId2" cstate="screen">
+            <a:extLst>
+              <a:ext uri="{28A0092B-C50C-407E-A947-70E740481C1C}">
+                <a14:useLocalDpi xmlns:a14="http://schemas.microsoft.com/office/drawing/2010/main"/>
+              </a:ext>
+            </a:extLst>
+          </a:blip>
+          <a:stretch>
+            <a:fillRect/>
+          </a:stretch>
+        </p:blipFill>
+        <p:spPr>
+          <a:xfrm>
+            <a:off x="2379134" y="4657354"/>
+            <a:ext cx="542497" cy="542497"/>
+          </a:xfrm>
+          <a:prstGeom prst="rect">
+            <a:avLst/>
+          </a:prstGeom>
+        </p:spPr>
+      </p:pic>
+      <p:sp>
+        <p:nvSpPr>
+          <p:cNvPr id="77" name="TextBox 76"/>
+          <p:cNvSpPr txBox="1"/>
+          <p:nvPr/>
+        </p:nvSpPr>
+        <p:spPr>
+          <a:xfrm>
+            <a:off x="2886610" y="4817448"/>
+            <a:ext cx="4750323" cy="430887"/>
+          </a:xfrm>
+          <a:prstGeom prst="rect">
+            <a:avLst/>
+          </a:prstGeom>
+          <a:noFill/>
+        </p:spPr>
+        <p:txBody>
+          <a:bodyPr wrap="square" rtlCol="0">
+            <a:spAutoFit/>
+          </a:bodyPr>
+          <a:lstStyle/>
+          <a:p>
+            <a:r>
+              <a:rPr lang="en-US" sz="1100" dirty="0" smtClean="0">
+                <a:latin typeface="Avenir Light"/>
+                <a:cs typeface="Avenir Light"/>
+              </a:rPr>
+              <a:t>Hey Studyman Buddyson! I totally missed that lecture too. I’m heading over to the BBB in 10. Bringing a friend who’s also in 281 lol</a:t>
+            </a:r>
+            <a:endParaRPr lang="en-US" sz="1100" dirty="0">
+              <a:latin typeface="Avenir Light"/>
+              <a:cs typeface="Avenir Light"/>
+            </a:endParaRPr>
+          </a:p>
+        </p:txBody>
+      </p:sp>
+      <p:sp>
+        <p:nvSpPr>
+          <p:cNvPr id="78" name="TextBox 77"/>
+          <p:cNvSpPr txBox="1"/>
+          <p:nvPr/>
+        </p:nvSpPr>
+        <p:spPr>
+          <a:xfrm>
+            <a:off x="2881714" y="4608098"/>
+            <a:ext cx="1151794" cy="261610"/>
+          </a:xfrm>
+          <a:prstGeom prst="rect">
+            <a:avLst/>
+          </a:prstGeom>
+          <a:noFill/>
+        </p:spPr>
+        <p:txBody>
+          <a:bodyPr wrap="none" rtlCol="0">
+            <a:spAutoFit/>
+          </a:bodyPr>
+          <a:lstStyle/>
+          <a:p>
+            <a:r>
+              <a:rPr lang="en-US" sz="1100" dirty="0" smtClean="0">
+                <a:solidFill>
+                  <a:srgbClr val="7F7F7F"/>
+                </a:solidFill>
+                <a:latin typeface="Avenir Light"/>
+                <a:cs typeface="Avenir Light"/>
+              </a:rPr>
+              <a:t>Apoorva Gupta</a:t>
+            </a:r>
+            <a:endParaRPr lang="en-US" sz="1100" dirty="0">
+              <a:solidFill>
+                <a:srgbClr val="7F7F7F"/>
+              </a:solidFill>
+              <a:latin typeface="Avenir Light"/>
+              <a:cs typeface="Avenir Light"/>
+            </a:endParaRPr>
+          </a:p>
+        </p:txBody>
+      </p:sp>
+      <p:pic>
+        <p:nvPicPr>
+          <p:cNvPr id="79" name="Picture 78"/>
+          <p:cNvPicPr>
+            <a:picLocks noChangeAspect="1"/>
+          </p:cNvPicPr>
+          <p:nvPr/>
+        </p:nvPicPr>
+        <p:blipFill>
+          <a:blip r:embed="rId2" cstate="screen">
+            <a:extLst>
+              <a:ext uri="{28A0092B-C50C-407E-A947-70E740481C1C}">
+                <a14:useLocalDpi xmlns:a14="http://schemas.microsoft.com/office/drawing/2010/main"/>
+              </a:ext>
+            </a:extLst>
+          </a:blip>
+          <a:stretch>
+            <a:fillRect/>
+          </a:stretch>
+        </p:blipFill>
+        <p:spPr>
+          <a:xfrm>
+            <a:off x="2379134" y="5352251"/>
+            <a:ext cx="542497" cy="542497"/>
+          </a:xfrm>
+          <a:prstGeom prst="rect">
+            <a:avLst/>
+          </a:prstGeom>
+        </p:spPr>
+      </p:pic>
+      <p:sp>
+        <p:nvSpPr>
+          <p:cNvPr id="80" name="TextBox 79"/>
+          <p:cNvSpPr txBox="1"/>
+          <p:nvPr/>
+        </p:nvSpPr>
+        <p:spPr>
+          <a:xfrm>
+            <a:off x="2886610" y="5512345"/>
+            <a:ext cx="4750323" cy="600164"/>
+          </a:xfrm>
+          <a:prstGeom prst="rect">
+            <a:avLst/>
+          </a:prstGeom>
+          <a:noFill/>
+        </p:spPr>
+        <p:txBody>
+          <a:bodyPr wrap="square" rtlCol="0">
+            <a:spAutoFit/>
+          </a:bodyPr>
+          <a:lstStyle/>
+          <a:p>
+            <a:r>
+              <a:rPr lang="en-US" sz="1100" dirty="0" smtClean="0">
+                <a:latin typeface="Avenir Light"/>
+                <a:cs typeface="Avenir Light"/>
+              </a:rPr>
+              <a:t>Hey guys I think I understood what Paoletti was talking about in lecture… Anyway I have some notes that could help if you guys wanted to see them!</a:t>
+            </a:r>
+            <a:endParaRPr lang="en-US" sz="1100" dirty="0">
+              <a:latin typeface="Avenir Light"/>
+              <a:cs typeface="Avenir Light"/>
+            </a:endParaRPr>
+          </a:p>
+        </p:txBody>
+      </p:sp>
+      <p:sp>
+        <p:nvSpPr>
+          <p:cNvPr id="81" name="TextBox 80"/>
+          <p:cNvSpPr txBox="1"/>
+          <p:nvPr/>
+        </p:nvSpPr>
+        <p:spPr>
+          <a:xfrm>
+            <a:off x="2881714" y="5302995"/>
+            <a:ext cx="1023849" cy="261610"/>
+          </a:xfrm>
+          <a:prstGeom prst="rect">
+            <a:avLst/>
+          </a:prstGeom>
+          <a:noFill/>
+        </p:spPr>
+        <p:txBody>
+          <a:bodyPr wrap="none" rtlCol="0">
+            <a:spAutoFit/>
+          </a:bodyPr>
+          <a:lstStyle/>
+          <a:p>
+            <a:r>
+              <a:rPr lang="en-US" sz="1100" dirty="0" smtClean="0">
+                <a:solidFill>
+                  <a:srgbClr val="7F7F7F"/>
+                </a:solidFill>
+                <a:latin typeface="Avenir Light"/>
+                <a:cs typeface="Avenir Light"/>
+              </a:rPr>
+              <a:t>Preeti Mohan</a:t>
+            </a:r>
+            <a:endParaRPr lang="en-US" sz="1100" dirty="0">
+              <a:solidFill>
+                <a:srgbClr val="7F7F7F"/>
+              </a:solidFill>
+              <a:latin typeface="Avenir Light"/>
+              <a:cs typeface="Avenir Light"/>
+            </a:endParaRPr>
+          </a:p>
+        </p:txBody>
+      </p:sp>
+      <p:sp>
+        <p:nvSpPr>
+          <p:cNvPr id="82" name="Line Callout 1 81"/>
+          <p:cNvSpPr/>
+          <p:nvPr/>
+        </p:nvSpPr>
+        <p:spPr>
+          <a:xfrm>
+            <a:off x="7437327" y="1947067"/>
+            <a:ext cx="1706673" cy="1141945"/>
+          </a:xfrm>
+          <a:prstGeom prst="borderCallout1">
+            <a:avLst>
+              <a:gd name="adj1" fmla="val 81772"/>
+              <a:gd name="adj2" fmla="val -833"/>
+              <a:gd name="adj3" fmla="val 132647"/>
+              <a:gd name="adj4" fmla="val -63971"/>
+            </a:avLst>
+          </a:prstGeom>
+          <a:solidFill>
+            <a:schemeClr val="bg1"/>
+          </a:solidFill>
+          <a:ln>
+            <a:solidFill>
+              <a:schemeClr val="tx1"/>
+            </a:solidFill>
+          </a:ln>
+          <a:effectLst/>
+        </p:spPr>
+        <p:style>
+          <a:lnRef idx="1">
+            <a:schemeClr val="accent1"/>
+          </a:lnRef>
+          <a:fillRef idx="3">
+            <a:schemeClr val="accent1"/>
+          </a:fillRef>
+          <a:effectRef idx="2">
+            <a:schemeClr val="accent1"/>
+          </a:effectRef>
+          <a:fontRef idx="minor">
+            <a:schemeClr val="lt1"/>
+          </a:fontRef>
+        </p:style>
+        <p:txBody>
+          <a:bodyPr rtlCol="0" anchor="ctr"/>
+          <a:lstStyle/>
+          <a:p>
+            <a:pPr algn="ctr"/>
+            <a:r>
+              <a:rPr lang="en-US" sz="1400" dirty="0" smtClean="0">
+                <a:solidFill>
+                  <a:srgbClr val="7F7F7F"/>
+                </a:solidFill>
+              </a:rPr>
+              <a:t>Dedicated post page features post participants and comments, with option to leave post</a:t>
+            </a:r>
+            <a:endParaRPr lang="en-US" sz="1400" dirty="0">
+              <a:solidFill>
+                <a:srgbClr val="7F7F7F"/>
+              </a:solidFill>
+            </a:endParaRPr>
+          </a:p>
+        </p:txBody>
+      </p:sp>
     </p:spTree>
     <p:extLst>
       <p:ext uri="{BB962C8B-B14F-4D97-AF65-F5344CB8AC3E}">
-        <p14:creationId xmlns:p14="http://schemas.microsoft.com/office/powerpoint/2010/main" val="491216106"/>
+        <p14:creationId xmlns:p14="http://schemas.microsoft.com/office/powerpoint/2010/main" val="2858837821"/>
       </p:ext>
     </p:extLst>
   </p:cSld>
